--- a/AP Java/Week3/Week3.pptx
+++ b/AP Java/Week3/Week3.pptx
@@ -4,10 +4,41 @@
   <p:sldMasterIdLst>
     <p:sldMasterId id="2147483673" r:id="rId1"/>
   </p:sldMasterIdLst>
+  <p:notesMasterIdLst>
+    <p:notesMasterId r:id="rId33"/>
+  </p:notesMasterIdLst>
   <p:sldIdLst>
     <p:sldId id="256" r:id="rId2"/>
     <p:sldId id="257" r:id="rId3"/>
     <p:sldId id="258" r:id="rId4"/>
+    <p:sldId id="259" r:id="rId5"/>
+    <p:sldId id="260" r:id="rId6"/>
+    <p:sldId id="261" r:id="rId7"/>
+    <p:sldId id="262" r:id="rId8"/>
+    <p:sldId id="263" r:id="rId9"/>
+    <p:sldId id="264" r:id="rId10"/>
+    <p:sldId id="265" r:id="rId11"/>
+    <p:sldId id="266" r:id="rId12"/>
+    <p:sldId id="286" r:id="rId13"/>
+    <p:sldId id="267" r:id="rId14"/>
+    <p:sldId id="268" r:id="rId15"/>
+    <p:sldId id="269" r:id="rId16"/>
+    <p:sldId id="270" r:id="rId17"/>
+    <p:sldId id="271" r:id="rId18"/>
+    <p:sldId id="272" r:id="rId19"/>
+    <p:sldId id="273" r:id="rId20"/>
+    <p:sldId id="274" r:id="rId21"/>
+    <p:sldId id="275" r:id="rId22"/>
+    <p:sldId id="276" r:id="rId23"/>
+    <p:sldId id="277" r:id="rId24"/>
+    <p:sldId id="278" r:id="rId25"/>
+    <p:sldId id="279" r:id="rId26"/>
+    <p:sldId id="280" r:id="rId27"/>
+    <p:sldId id="281" r:id="rId28"/>
+    <p:sldId id="282" r:id="rId29"/>
+    <p:sldId id="283" r:id="rId30"/>
+    <p:sldId id="284" r:id="rId31"/>
+    <p:sldId id="285" r:id="rId32"/>
   </p:sldIdLst>
   <p:sldSz cx="12192000" cy="6858000"/>
   <p:notesSz cx="6858000" cy="9144000"/>
@@ -106,7 +137,448 @@
       </a:defRPr>
     </a:lvl9pPr>
   </p:defaultTextStyle>
+  <p:extLst>
+    <p:ext uri="{EFAFB233-063F-42B5-8137-9DF3F51BA10A}">
+      <p15:sldGuideLst xmlns:p15="http://schemas.microsoft.com/office/powerpoint/2012/main"/>
+    </p:ext>
+  </p:extLst>
 </p:presentation>
+</file>
+
+<file path=ppt/notesMasters/notesMaster1.xml><?xml version="1.0" encoding="utf-8"?>
+<p:notesMaster xmlns:a="http://schemas.openxmlformats.org/drawingml/2006/main" xmlns:r="http://schemas.openxmlformats.org/officeDocument/2006/relationships" xmlns:p="http://schemas.openxmlformats.org/presentationml/2006/main">
+  <p:cSld>
+    <p:bg>
+      <p:bgRef idx="1001">
+        <a:schemeClr val="bg1"/>
+      </p:bgRef>
+    </p:bg>
+    <p:spTree>
+      <p:nvGrpSpPr>
+        <p:cNvPr id="1" name=""/>
+        <p:cNvGrpSpPr/>
+        <p:nvPr/>
+      </p:nvGrpSpPr>
+      <p:grpSpPr>
+        <a:xfrm>
+          <a:off x="0" y="0"/>
+          <a:ext cx="0" cy="0"/>
+          <a:chOff x="0" y="0"/>
+          <a:chExt cx="0" cy="0"/>
+        </a:xfrm>
+      </p:grpSpPr>
+      <p:sp>
+        <p:nvSpPr>
+          <p:cNvPr id="2" name="Header Placeholder 1"/>
+          <p:cNvSpPr>
+            <a:spLocks noGrp="1"/>
+          </p:cNvSpPr>
+          <p:nvPr>
+            <p:ph type="hdr" sz="quarter"/>
+          </p:nvPr>
+        </p:nvSpPr>
+        <p:spPr>
+          <a:xfrm>
+            <a:off x="0" y="0"/>
+            <a:ext cx="2971800" cy="458788"/>
+          </a:xfrm>
+          <a:prstGeom prst="rect">
+            <a:avLst/>
+          </a:prstGeom>
+        </p:spPr>
+        <p:txBody>
+          <a:bodyPr vert="horz" lIns="91440" tIns="45720" rIns="91440" bIns="45720" rtlCol="0"/>
+          <a:lstStyle>
+            <a:lvl1pPr algn="l">
+              <a:defRPr sz="1200"/>
+            </a:lvl1pPr>
+          </a:lstStyle>
+          <a:p>
+            <a:endParaRPr lang="en-US"/>
+          </a:p>
+        </p:txBody>
+      </p:sp>
+      <p:sp>
+        <p:nvSpPr>
+          <p:cNvPr id="3" name="Date Placeholder 2"/>
+          <p:cNvSpPr>
+            <a:spLocks noGrp="1"/>
+          </p:cNvSpPr>
+          <p:nvPr>
+            <p:ph type="dt" idx="1"/>
+          </p:nvPr>
+        </p:nvSpPr>
+        <p:spPr>
+          <a:xfrm>
+            <a:off x="3884613" y="0"/>
+            <a:ext cx="2971800" cy="458788"/>
+          </a:xfrm>
+          <a:prstGeom prst="rect">
+            <a:avLst/>
+          </a:prstGeom>
+        </p:spPr>
+        <p:txBody>
+          <a:bodyPr vert="horz" lIns="91440" tIns="45720" rIns="91440" bIns="45720" rtlCol="0"/>
+          <a:lstStyle>
+            <a:lvl1pPr algn="r">
+              <a:defRPr sz="1200"/>
+            </a:lvl1pPr>
+          </a:lstStyle>
+          <a:p>
+            <a:fld id="{1640351A-262A-F74E-9918-6D56AEE96A05}" type="datetimeFigureOut">
+              <a:rPr lang="en-US" smtClean="0"/>
+              <a:t>7/12/22</a:t>
+            </a:fld>
+            <a:endParaRPr lang="en-US"/>
+          </a:p>
+        </p:txBody>
+      </p:sp>
+      <p:sp>
+        <p:nvSpPr>
+          <p:cNvPr id="4" name="Slide Image Placeholder 3"/>
+          <p:cNvSpPr>
+            <a:spLocks noGrp="1" noRot="1" noChangeAspect="1"/>
+          </p:cNvSpPr>
+          <p:nvPr>
+            <p:ph type="sldImg" idx="2"/>
+          </p:nvPr>
+        </p:nvSpPr>
+        <p:spPr>
+          <a:xfrm>
+            <a:off x="685800" y="1143000"/>
+            <a:ext cx="5486400" cy="3086100"/>
+          </a:xfrm>
+          <a:prstGeom prst="rect">
+            <a:avLst/>
+          </a:prstGeom>
+          <a:noFill/>
+          <a:ln w="12700">
+            <a:solidFill>
+              <a:prstClr val="black"/>
+            </a:solidFill>
+          </a:ln>
+        </p:spPr>
+        <p:txBody>
+          <a:bodyPr vert="horz" lIns="91440" tIns="45720" rIns="91440" bIns="45720" rtlCol="0" anchor="ctr"/>
+          <a:lstStyle/>
+          <a:p>
+            <a:endParaRPr lang="en-US"/>
+          </a:p>
+        </p:txBody>
+      </p:sp>
+      <p:sp>
+        <p:nvSpPr>
+          <p:cNvPr id="5" name="Notes Placeholder 4"/>
+          <p:cNvSpPr>
+            <a:spLocks noGrp="1"/>
+          </p:cNvSpPr>
+          <p:nvPr>
+            <p:ph type="body" sz="quarter" idx="3"/>
+          </p:nvPr>
+        </p:nvSpPr>
+        <p:spPr>
+          <a:xfrm>
+            <a:off x="685800" y="4400550"/>
+            <a:ext cx="5486400" cy="3600450"/>
+          </a:xfrm>
+          <a:prstGeom prst="rect">
+            <a:avLst/>
+          </a:prstGeom>
+        </p:spPr>
+        <p:txBody>
+          <a:bodyPr vert="horz" lIns="91440" tIns="45720" rIns="91440" bIns="45720" rtlCol="0"/>
+          <a:lstStyle/>
+          <a:p>
+            <a:pPr lvl="0"/>
+            <a:r>
+              <a:rPr lang="en-US"/>
+              <a:t>Click to edit Master text styles</a:t>
+            </a:r>
+          </a:p>
+          <a:p>
+            <a:pPr lvl="1"/>
+            <a:r>
+              <a:rPr lang="en-US"/>
+              <a:t>Second level</a:t>
+            </a:r>
+          </a:p>
+          <a:p>
+            <a:pPr lvl="2"/>
+            <a:r>
+              <a:rPr lang="en-US"/>
+              <a:t>Third level</a:t>
+            </a:r>
+          </a:p>
+          <a:p>
+            <a:pPr lvl="3"/>
+            <a:r>
+              <a:rPr lang="en-US"/>
+              <a:t>Fourth level</a:t>
+            </a:r>
+          </a:p>
+          <a:p>
+            <a:pPr lvl="4"/>
+            <a:r>
+              <a:rPr lang="en-US"/>
+              <a:t>Fifth level</a:t>
+            </a:r>
+          </a:p>
+        </p:txBody>
+      </p:sp>
+      <p:sp>
+        <p:nvSpPr>
+          <p:cNvPr id="6" name="Footer Placeholder 5"/>
+          <p:cNvSpPr>
+            <a:spLocks noGrp="1"/>
+          </p:cNvSpPr>
+          <p:nvPr>
+            <p:ph type="ftr" sz="quarter" idx="4"/>
+          </p:nvPr>
+        </p:nvSpPr>
+        <p:spPr>
+          <a:xfrm>
+            <a:off x="0" y="8685213"/>
+            <a:ext cx="2971800" cy="458787"/>
+          </a:xfrm>
+          <a:prstGeom prst="rect">
+            <a:avLst/>
+          </a:prstGeom>
+        </p:spPr>
+        <p:txBody>
+          <a:bodyPr vert="horz" lIns="91440" tIns="45720" rIns="91440" bIns="45720" rtlCol="0" anchor="b"/>
+          <a:lstStyle>
+            <a:lvl1pPr algn="l">
+              <a:defRPr sz="1200"/>
+            </a:lvl1pPr>
+          </a:lstStyle>
+          <a:p>
+            <a:endParaRPr lang="en-US"/>
+          </a:p>
+        </p:txBody>
+      </p:sp>
+      <p:sp>
+        <p:nvSpPr>
+          <p:cNvPr id="7" name="Slide Number Placeholder 6"/>
+          <p:cNvSpPr>
+            <a:spLocks noGrp="1"/>
+          </p:cNvSpPr>
+          <p:nvPr>
+            <p:ph type="sldNum" sz="quarter" idx="5"/>
+          </p:nvPr>
+        </p:nvSpPr>
+        <p:spPr>
+          <a:xfrm>
+            <a:off x="3884613" y="8685213"/>
+            <a:ext cx="2971800" cy="458787"/>
+          </a:xfrm>
+          <a:prstGeom prst="rect">
+            <a:avLst/>
+          </a:prstGeom>
+        </p:spPr>
+        <p:txBody>
+          <a:bodyPr vert="horz" lIns="91440" tIns="45720" rIns="91440" bIns="45720" rtlCol="0" anchor="b"/>
+          <a:lstStyle>
+            <a:lvl1pPr algn="r">
+              <a:defRPr sz="1200"/>
+            </a:lvl1pPr>
+          </a:lstStyle>
+          <a:p>
+            <a:fld id="{E55F63DC-8FAD-8940-A824-2859A47FFA6E}" type="slidenum">
+              <a:rPr lang="en-US" smtClean="0"/>
+              <a:t>‹#›</a:t>
+            </a:fld>
+            <a:endParaRPr lang="en-US"/>
+          </a:p>
+        </p:txBody>
+      </p:sp>
+    </p:spTree>
+    <p:extLst>
+      <p:ext uri="{BB962C8B-B14F-4D97-AF65-F5344CB8AC3E}">
+        <p14:creationId xmlns:p14="http://schemas.microsoft.com/office/powerpoint/2010/main" val="1757343823"/>
+      </p:ext>
+    </p:extLst>
+  </p:cSld>
+  <p:clrMap bg1="lt1" tx1="dk1" bg2="lt2" tx2="dk2" accent1="accent1" accent2="accent2" accent3="accent3" accent4="accent4" accent5="accent5" accent6="accent6" hlink="hlink" folHlink="folHlink"/>
+  <p:notesStyle>
+    <a:lvl1pPr marL="0" algn="l" defTabSz="914400" rtl="0" eaLnBrk="1" latinLnBrk="0" hangingPunct="1">
+      <a:defRPr sz="1200" kern="1200">
+        <a:solidFill>
+          <a:schemeClr val="tx1"/>
+        </a:solidFill>
+        <a:latin typeface="+mn-lt"/>
+        <a:ea typeface="+mn-ea"/>
+        <a:cs typeface="+mn-cs"/>
+      </a:defRPr>
+    </a:lvl1pPr>
+    <a:lvl2pPr marL="457200" algn="l" defTabSz="914400" rtl="0" eaLnBrk="1" latinLnBrk="0" hangingPunct="1">
+      <a:defRPr sz="1200" kern="1200">
+        <a:solidFill>
+          <a:schemeClr val="tx1"/>
+        </a:solidFill>
+        <a:latin typeface="+mn-lt"/>
+        <a:ea typeface="+mn-ea"/>
+        <a:cs typeface="+mn-cs"/>
+      </a:defRPr>
+    </a:lvl2pPr>
+    <a:lvl3pPr marL="914400" algn="l" defTabSz="914400" rtl="0" eaLnBrk="1" latinLnBrk="0" hangingPunct="1">
+      <a:defRPr sz="1200" kern="1200">
+        <a:solidFill>
+          <a:schemeClr val="tx1"/>
+        </a:solidFill>
+        <a:latin typeface="+mn-lt"/>
+        <a:ea typeface="+mn-ea"/>
+        <a:cs typeface="+mn-cs"/>
+      </a:defRPr>
+    </a:lvl3pPr>
+    <a:lvl4pPr marL="1371600" algn="l" defTabSz="914400" rtl="0" eaLnBrk="1" latinLnBrk="0" hangingPunct="1">
+      <a:defRPr sz="1200" kern="1200">
+        <a:solidFill>
+          <a:schemeClr val="tx1"/>
+        </a:solidFill>
+        <a:latin typeface="+mn-lt"/>
+        <a:ea typeface="+mn-ea"/>
+        <a:cs typeface="+mn-cs"/>
+      </a:defRPr>
+    </a:lvl4pPr>
+    <a:lvl5pPr marL="1828800" algn="l" defTabSz="914400" rtl="0" eaLnBrk="1" latinLnBrk="0" hangingPunct="1">
+      <a:defRPr sz="1200" kern="1200">
+        <a:solidFill>
+          <a:schemeClr val="tx1"/>
+        </a:solidFill>
+        <a:latin typeface="+mn-lt"/>
+        <a:ea typeface="+mn-ea"/>
+        <a:cs typeface="+mn-cs"/>
+      </a:defRPr>
+    </a:lvl5pPr>
+    <a:lvl6pPr marL="2286000" algn="l" defTabSz="914400" rtl="0" eaLnBrk="1" latinLnBrk="0" hangingPunct="1">
+      <a:defRPr sz="1200" kern="1200">
+        <a:solidFill>
+          <a:schemeClr val="tx1"/>
+        </a:solidFill>
+        <a:latin typeface="+mn-lt"/>
+        <a:ea typeface="+mn-ea"/>
+        <a:cs typeface="+mn-cs"/>
+      </a:defRPr>
+    </a:lvl6pPr>
+    <a:lvl7pPr marL="2743200" algn="l" defTabSz="914400" rtl="0" eaLnBrk="1" latinLnBrk="0" hangingPunct="1">
+      <a:defRPr sz="1200" kern="1200">
+        <a:solidFill>
+          <a:schemeClr val="tx1"/>
+        </a:solidFill>
+        <a:latin typeface="+mn-lt"/>
+        <a:ea typeface="+mn-ea"/>
+        <a:cs typeface="+mn-cs"/>
+      </a:defRPr>
+    </a:lvl7pPr>
+    <a:lvl8pPr marL="3200400" algn="l" defTabSz="914400" rtl="0" eaLnBrk="1" latinLnBrk="0" hangingPunct="1">
+      <a:defRPr sz="1200" kern="1200">
+        <a:solidFill>
+          <a:schemeClr val="tx1"/>
+        </a:solidFill>
+        <a:latin typeface="+mn-lt"/>
+        <a:ea typeface="+mn-ea"/>
+        <a:cs typeface="+mn-cs"/>
+      </a:defRPr>
+    </a:lvl8pPr>
+    <a:lvl9pPr marL="3657600" algn="l" defTabSz="914400" rtl="0" eaLnBrk="1" latinLnBrk="0" hangingPunct="1">
+      <a:defRPr sz="1200" kern="1200">
+        <a:solidFill>
+          <a:schemeClr val="tx1"/>
+        </a:solidFill>
+        <a:latin typeface="+mn-lt"/>
+        <a:ea typeface="+mn-ea"/>
+        <a:cs typeface="+mn-cs"/>
+      </a:defRPr>
+    </a:lvl9pPr>
+  </p:notesStyle>
+</p:notesMaster>
+</file>
+
+<file path=ppt/notesSlides/notesSlide1.xml><?xml version="1.0" encoding="utf-8"?>
+<p:notes xmlns:a="http://schemas.openxmlformats.org/drawingml/2006/main" xmlns:r="http://schemas.openxmlformats.org/officeDocument/2006/relationships" xmlns:p="http://schemas.openxmlformats.org/presentationml/2006/main">
+  <p:cSld>
+    <p:spTree>
+      <p:nvGrpSpPr>
+        <p:cNvPr id="1" name=""/>
+        <p:cNvGrpSpPr/>
+        <p:nvPr/>
+      </p:nvGrpSpPr>
+      <p:grpSpPr>
+        <a:xfrm>
+          <a:off x="0" y="0"/>
+          <a:ext cx="0" cy="0"/>
+          <a:chOff x="0" y="0"/>
+          <a:chExt cx="0" cy="0"/>
+        </a:xfrm>
+      </p:grpSpPr>
+      <p:sp>
+        <p:nvSpPr>
+          <p:cNvPr id="2" name="Slide Image Placeholder 1"/>
+          <p:cNvSpPr>
+            <a:spLocks noGrp="1" noRot="1" noChangeAspect="1"/>
+          </p:cNvSpPr>
+          <p:nvPr>
+            <p:ph type="sldImg"/>
+          </p:nvPr>
+        </p:nvSpPr>
+        <p:spPr/>
+      </p:sp>
+      <p:sp>
+        <p:nvSpPr>
+          <p:cNvPr id="3" name="Notes Placeholder 2"/>
+          <p:cNvSpPr>
+            <a:spLocks noGrp="1"/>
+          </p:cNvSpPr>
+          <p:nvPr>
+            <p:ph type="body" idx="1"/>
+          </p:nvPr>
+        </p:nvSpPr>
+        <p:spPr/>
+        <p:txBody>
+          <a:bodyPr/>
+          <a:lstStyle/>
+          <a:p>
+            <a:r>
+              <a:rPr lang="en-US" dirty="0"/>
+              <a:t>Homework: multiple choice 7, 11, 16, 22, 26</a:t>
+            </a:r>
+          </a:p>
+        </p:txBody>
+      </p:sp>
+      <p:sp>
+        <p:nvSpPr>
+          <p:cNvPr id="4" name="Slide Number Placeholder 3"/>
+          <p:cNvSpPr>
+            <a:spLocks noGrp="1"/>
+          </p:cNvSpPr>
+          <p:nvPr>
+            <p:ph type="sldNum" sz="quarter" idx="5"/>
+          </p:nvPr>
+        </p:nvSpPr>
+        <p:spPr/>
+        <p:txBody>
+          <a:bodyPr/>
+          <a:lstStyle/>
+          <a:p>
+            <a:fld id="{E55F63DC-8FAD-8940-A824-2859A47FFA6E}" type="slidenum">
+              <a:rPr lang="en-US" smtClean="0"/>
+              <a:t>21</a:t>
+            </a:fld>
+            <a:endParaRPr lang="en-US"/>
+          </a:p>
+        </p:txBody>
+      </p:sp>
+    </p:spTree>
+    <p:extLst>
+      <p:ext uri="{BB962C8B-B14F-4D97-AF65-F5344CB8AC3E}">
+        <p14:creationId xmlns:p14="http://schemas.microsoft.com/office/powerpoint/2010/main" val="3278144642"/>
+      </p:ext>
+    </p:extLst>
+  </p:cSld>
+  <p:clrMapOvr>
+    <a:masterClrMapping/>
+  </p:clrMapOvr>
+</p:notes>
 </file>
 
 <file path=ppt/slideLayouts/slideLayout1.xml><?xml version="1.0" encoding="utf-8"?>
@@ -1775,7 +2247,7 @@
           <a:p>
             <a:fld id="{8F72BA41-EC5B-4197-BCC8-0FD2E523CD7A}" type="datetimeFigureOut">
               <a:rPr lang="en-US" smtClean="0"/>
-              <a:t>7/6/22</a:t>
+              <a:t>7/12/22</a:t>
             </a:fld>
             <a:endParaRPr lang="en-US"/>
           </a:p>
@@ -1978,7 +2450,7 @@
           <a:p>
             <a:fld id="{8F72BA41-EC5B-4197-BCC8-0FD2E523CD7A}" type="datetimeFigureOut">
               <a:rPr lang="en-US" smtClean="0"/>
-              <a:t>7/6/22</a:t>
+              <a:t>7/12/22</a:t>
             </a:fld>
             <a:endParaRPr lang="en-US"/>
           </a:p>
@@ -3699,7 +4171,7 @@
           <a:p>
             <a:fld id="{8F72BA41-EC5B-4197-BCC8-0FD2E523CD7A}" type="datetimeFigureOut">
               <a:rPr lang="en-US" smtClean="0"/>
-              <a:t>7/6/22</a:t>
+              <a:t>7/12/22</a:t>
             </a:fld>
             <a:endParaRPr lang="en-US"/>
           </a:p>
@@ -3898,7 +4370,7 @@
           <a:p>
             <a:fld id="{8F72BA41-EC5B-4197-BCC8-0FD2E523CD7A}" type="datetimeFigureOut">
               <a:rPr lang="en-US" smtClean="0"/>
-              <a:t>7/6/22</a:t>
+              <a:t>7/12/22</a:t>
             </a:fld>
             <a:endParaRPr lang="en-US"/>
           </a:p>
@@ -5688,7 +6160,7 @@
           <a:p>
             <a:fld id="{8F72BA41-EC5B-4197-BCC8-0FD2E523CD7A}" type="datetimeFigureOut">
               <a:rPr lang="en-US" smtClean="0"/>
-              <a:t>7/6/22</a:t>
+              <a:t>7/12/22</a:t>
             </a:fld>
             <a:endParaRPr lang="en-US"/>
           </a:p>
@@ -5961,7 +6433,7 @@
           <a:p>
             <a:fld id="{8F72BA41-EC5B-4197-BCC8-0FD2E523CD7A}" type="datetimeFigureOut">
               <a:rPr lang="en-US" smtClean="0"/>
-              <a:t>7/6/22</a:t>
+              <a:t>7/12/22</a:t>
             </a:fld>
             <a:endParaRPr lang="en-US"/>
           </a:p>
@@ -6381,7 +6853,7 @@
           <a:p>
             <a:fld id="{8F72BA41-EC5B-4197-BCC8-0FD2E523CD7A}" type="datetimeFigureOut">
               <a:rPr lang="en-US" smtClean="0"/>
-              <a:t>7/6/22</a:t>
+              <a:t>7/12/22</a:t>
             </a:fld>
             <a:endParaRPr lang="en-US"/>
           </a:p>
@@ -6537,7 +7009,7 @@
           <a:p>
             <a:fld id="{8F72BA41-EC5B-4197-BCC8-0FD2E523CD7A}" type="datetimeFigureOut">
               <a:rPr lang="en-US" smtClean="0"/>
-              <a:t>7/6/22</a:t>
+              <a:t>7/12/22</a:t>
             </a:fld>
             <a:endParaRPr lang="en-US"/>
           </a:p>
@@ -8105,7 +8577,7 @@
           <a:p>
             <a:fld id="{8F72BA41-EC5B-4197-BCC8-0FD2E523CD7A}" type="datetimeFigureOut">
               <a:rPr lang="en-US" smtClean="0"/>
-              <a:t>7/6/22</a:t>
+              <a:t>7/12/22</a:t>
             </a:fld>
             <a:endParaRPr lang="en-US"/>
           </a:p>
@@ -9956,7 +10428,7 @@
           <a:p>
             <a:fld id="{8F72BA41-EC5B-4197-BCC8-0FD2E523CD7A}" type="datetimeFigureOut">
               <a:rPr lang="en-US" smtClean="0"/>
-              <a:t>7/6/22</a:t>
+              <a:t>7/12/22</a:t>
             </a:fld>
             <a:endParaRPr lang="en-US"/>
           </a:p>
@@ -11769,7 +12241,7 @@
           <a:p>
             <a:fld id="{8F72BA41-EC5B-4197-BCC8-0FD2E523CD7A}" type="datetimeFigureOut">
               <a:rPr lang="en-US" smtClean="0"/>
-              <a:t>7/6/22</a:t>
+              <a:t>7/12/22</a:t>
             </a:fld>
             <a:endParaRPr lang="en-US"/>
           </a:p>
@@ -13463,7 +13935,7 @@
             <a:fld id="{8F72BA41-EC5B-4197-BCC8-0FD2E523CD7A}" type="datetimeFigureOut">
               <a:rPr lang="en-US" smtClean="0"/>
               <a:pPr/>
-              <a:t>7/6/22</a:t>
+              <a:t>7/12/22</a:t>
             </a:fld>
             <a:endParaRPr lang="en-US" dirty="0"/>
           </a:p>
@@ -16015,6 +16487,1171 @@
 </p:sld>
 </file>
 
+<file path=ppt/slides/slide10.xml><?xml version="1.0" encoding="utf-8"?>
+<p:sld xmlns:a="http://schemas.openxmlformats.org/drawingml/2006/main" xmlns:r="http://schemas.openxmlformats.org/officeDocument/2006/relationships" xmlns:p="http://schemas.openxmlformats.org/presentationml/2006/main">
+  <p:cSld>
+    <p:spTree>
+      <p:nvGrpSpPr>
+        <p:cNvPr id="1" name=""/>
+        <p:cNvGrpSpPr/>
+        <p:nvPr/>
+      </p:nvGrpSpPr>
+      <p:grpSpPr>
+        <a:xfrm>
+          <a:off x="0" y="0"/>
+          <a:ext cx="0" cy="0"/>
+          <a:chOff x="0" y="0"/>
+          <a:chExt cx="0" cy="0"/>
+        </a:xfrm>
+      </p:grpSpPr>
+      <p:sp>
+        <p:nvSpPr>
+          <p:cNvPr id="2" name="Title 1">
+            <a:extLst>
+              <a:ext uri="{FF2B5EF4-FFF2-40B4-BE49-F238E27FC236}">
+                <a16:creationId xmlns:a16="http://schemas.microsoft.com/office/drawing/2014/main" id="{683639D8-EC8F-7A46-B2DE-6E3B6A9F489D}"/>
+              </a:ext>
+            </a:extLst>
+          </p:cNvPr>
+          <p:cNvSpPr>
+            <a:spLocks noGrp="1"/>
+          </p:cNvSpPr>
+          <p:nvPr>
+            <p:ph type="title"/>
+          </p:nvPr>
+        </p:nvSpPr>
+        <p:spPr>
+          <a:xfrm>
+            <a:off x="691079" y="4483602"/>
+            <a:ext cx="10325000" cy="711085"/>
+          </a:xfrm>
+        </p:spPr>
+        <p:txBody>
+          <a:bodyPr>
+            <a:normAutofit/>
+          </a:bodyPr>
+          <a:lstStyle/>
+          <a:p>
+            <a:r>
+              <a:rPr lang="en-US" sz="3200" dirty="0"/>
+              <a:t>In a client method, the declaration is:</a:t>
+            </a:r>
+          </a:p>
+        </p:txBody>
+      </p:sp>
+      <p:pic>
+        <p:nvPicPr>
+          <p:cNvPr id="4" name="Content Placeholder 3">
+            <a:extLst>
+              <a:ext uri="{FF2B5EF4-FFF2-40B4-BE49-F238E27FC236}">
+                <a16:creationId xmlns:a16="http://schemas.microsoft.com/office/drawing/2014/main" id="{3AB72600-5A1D-F448-8DE3-3EE6A66A2918}"/>
+              </a:ext>
+            </a:extLst>
+          </p:cNvPr>
+          <p:cNvPicPr>
+            <a:picLocks noGrp="1" noChangeAspect="1"/>
+          </p:cNvPicPr>
+          <p:nvPr>
+            <p:ph idx="1"/>
+          </p:nvPr>
+        </p:nvPicPr>
+        <p:blipFill>
+          <a:blip r:embed="rId2"/>
+          <a:stretch>
+            <a:fillRect/>
+          </a:stretch>
+        </p:blipFill>
+        <p:spPr>
+          <a:xfrm>
+            <a:off x="691079" y="1447182"/>
+            <a:ext cx="9982463" cy="2911551"/>
+          </a:xfrm>
+          <a:prstGeom prst="rect">
+            <a:avLst/>
+          </a:prstGeom>
+        </p:spPr>
+      </p:pic>
+      <p:pic>
+        <p:nvPicPr>
+          <p:cNvPr id="5" name="Picture 4">
+            <a:extLst>
+              <a:ext uri="{FF2B5EF4-FFF2-40B4-BE49-F238E27FC236}">
+                <a16:creationId xmlns:a16="http://schemas.microsoft.com/office/drawing/2014/main" id="{528BA2BD-4B2A-DA4D-9064-3AD2BE16F131}"/>
+              </a:ext>
+            </a:extLst>
+          </p:cNvPr>
+          <p:cNvPicPr>
+            <a:picLocks noChangeAspect="1"/>
+          </p:cNvPicPr>
+          <p:nvPr/>
+        </p:nvPicPr>
+        <p:blipFill>
+          <a:blip r:embed="rId3"/>
+          <a:stretch>
+            <a:fillRect/>
+          </a:stretch>
+        </p:blipFill>
+        <p:spPr>
+          <a:xfrm>
+            <a:off x="691079" y="5381723"/>
+            <a:ext cx="8600742" cy="711085"/>
+          </a:xfrm>
+          <a:prstGeom prst="rect">
+            <a:avLst/>
+          </a:prstGeom>
+        </p:spPr>
+      </p:pic>
+    </p:spTree>
+    <p:extLst>
+      <p:ext uri="{BB962C8B-B14F-4D97-AF65-F5344CB8AC3E}">
+        <p14:creationId xmlns:p14="http://schemas.microsoft.com/office/powerpoint/2010/main" val="1205480776"/>
+      </p:ext>
+    </p:extLst>
+  </p:cSld>
+  <p:clrMapOvr>
+    <a:masterClrMapping/>
+  </p:clrMapOvr>
+</p:sld>
+</file>
+
+<file path=ppt/slides/slide11.xml><?xml version="1.0" encoding="utf-8"?>
+<p:sld xmlns:a="http://schemas.openxmlformats.org/drawingml/2006/main" xmlns:r="http://schemas.openxmlformats.org/officeDocument/2006/relationships" xmlns:p="http://schemas.openxmlformats.org/presentationml/2006/main">
+  <p:cSld>
+    <p:spTree>
+      <p:nvGrpSpPr>
+        <p:cNvPr id="1" name=""/>
+        <p:cNvGrpSpPr/>
+        <p:nvPr/>
+      </p:nvGrpSpPr>
+      <p:grpSpPr>
+        <a:xfrm>
+          <a:off x="0" y="0"/>
+          <a:ext cx="0" cy="0"/>
+          <a:chOff x="0" y="0"/>
+          <a:chExt cx="0" cy="0"/>
+        </a:xfrm>
+      </p:grpSpPr>
+      <p:pic>
+        <p:nvPicPr>
+          <p:cNvPr id="5" name="Picture 4">
+            <a:extLst>
+              <a:ext uri="{FF2B5EF4-FFF2-40B4-BE49-F238E27FC236}">
+                <a16:creationId xmlns:a16="http://schemas.microsoft.com/office/drawing/2014/main" id="{175161DC-146C-624C-A96F-497BEDA91135}"/>
+              </a:ext>
+            </a:extLst>
+          </p:cNvPr>
+          <p:cNvPicPr>
+            <a:picLocks noChangeAspect="1"/>
+          </p:cNvPicPr>
+          <p:nvPr/>
+        </p:nvPicPr>
+        <p:blipFill>
+          <a:blip r:embed="rId2"/>
+          <a:stretch>
+            <a:fillRect/>
+          </a:stretch>
+        </p:blipFill>
+        <p:spPr>
+          <a:xfrm>
+            <a:off x="1263753" y="1723518"/>
+            <a:ext cx="7455394" cy="3410964"/>
+          </a:xfrm>
+          <a:prstGeom prst="rect">
+            <a:avLst/>
+          </a:prstGeom>
+        </p:spPr>
+      </p:pic>
+      <p:sp>
+        <p:nvSpPr>
+          <p:cNvPr id="3" name="Content Placeholder 2">
+            <a:extLst>
+              <a:ext uri="{FF2B5EF4-FFF2-40B4-BE49-F238E27FC236}">
+                <a16:creationId xmlns:a16="http://schemas.microsoft.com/office/drawing/2014/main" id="{1A23816E-8CCA-5F43-879C-1E4AF92B0E4A}"/>
+              </a:ext>
+            </a:extLst>
+          </p:cNvPr>
+          <p:cNvSpPr>
+            <a:spLocks noGrp="1"/>
+          </p:cNvSpPr>
+          <p:nvPr>
+            <p:ph idx="1"/>
+          </p:nvPr>
+        </p:nvSpPr>
+        <p:spPr>
+          <a:xfrm>
+            <a:off x="691079" y="4904509"/>
+            <a:ext cx="10325000" cy="1000058"/>
+          </a:xfrm>
+        </p:spPr>
+        <p:txBody>
+          <a:bodyPr>
+            <a:normAutofit/>
+          </a:bodyPr>
+          <a:lstStyle/>
+          <a:p>
+            <a:r>
+              <a:rPr lang="en-US" sz="3200" dirty="0"/>
+              <a:t>b is a reference to the object</a:t>
+            </a:r>
+          </a:p>
+        </p:txBody>
+      </p:sp>
+      <p:pic>
+        <p:nvPicPr>
+          <p:cNvPr id="4" name="Picture 3">
+            <a:extLst>
+              <a:ext uri="{FF2B5EF4-FFF2-40B4-BE49-F238E27FC236}">
+                <a16:creationId xmlns:a16="http://schemas.microsoft.com/office/drawing/2014/main" id="{B77ACB21-CBDB-BB4F-A508-07FD678A05BF}"/>
+              </a:ext>
+            </a:extLst>
+          </p:cNvPr>
+          <p:cNvPicPr>
+            <a:picLocks noChangeAspect="1"/>
+          </p:cNvPicPr>
+          <p:nvPr/>
+        </p:nvPicPr>
+        <p:blipFill>
+          <a:blip r:embed="rId3"/>
+          <a:stretch>
+            <a:fillRect/>
+          </a:stretch>
+        </p:blipFill>
+        <p:spPr>
+          <a:xfrm>
+            <a:off x="691079" y="794815"/>
+            <a:ext cx="8600742" cy="711085"/>
+          </a:xfrm>
+          <a:prstGeom prst="rect">
+            <a:avLst/>
+          </a:prstGeom>
+        </p:spPr>
+      </p:pic>
+    </p:spTree>
+    <p:extLst>
+      <p:ext uri="{BB962C8B-B14F-4D97-AF65-F5344CB8AC3E}">
+        <p14:creationId xmlns:p14="http://schemas.microsoft.com/office/powerpoint/2010/main" val="3351326953"/>
+      </p:ext>
+    </p:extLst>
+  </p:cSld>
+  <p:clrMapOvr>
+    <a:masterClrMapping/>
+  </p:clrMapOvr>
+</p:sld>
+</file>
+
+<file path=ppt/slides/slide12.xml><?xml version="1.0" encoding="utf-8"?>
+<p:sld xmlns:a="http://schemas.openxmlformats.org/drawingml/2006/main" xmlns:r="http://schemas.openxmlformats.org/officeDocument/2006/relationships" xmlns:p="http://schemas.openxmlformats.org/presentationml/2006/main">
+  <p:cSld>
+    <p:spTree>
+      <p:nvGrpSpPr>
+        <p:cNvPr id="1" name=""/>
+        <p:cNvGrpSpPr/>
+        <p:nvPr/>
+      </p:nvGrpSpPr>
+      <p:grpSpPr>
+        <a:xfrm>
+          <a:off x="0" y="0"/>
+          <a:ext cx="0" cy="0"/>
+          <a:chOff x="0" y="0"/>
+          <a:chExt cx="0" cy="0"/>
+        </a:xfrm>
+      </p:grpSpPr>
+      <p:sp>
+        <p:nvSpPr>
+          <p:cNvPr id="2" name="Title 1">
+            <a:extLst>
+              <a:ext uri="{FF2B5EF4-FFF2-40B4-BE49-F238E27FC236}">
+                <a16:creationId xmlns:a16="http://schemas.microsoft.com/office/drawing/2014/main" id="{683639D8-EC8F-7A46-B2DE-6E3B6A9F489D}"/>
+              </a:ext>
+            </a:extLst>
+          </p:cNvPr>
+          <p:cNvSpPr>
+            <a:spLocks noGrp="1"/>
+          </p:cNvSpPr>
+          <p:nvPr>
+            <p:ph type="title"/>
+          </p:nvPr>
+        </p:nvSpPr>
+        <p:spPr>
+          <a:xfrm>
+            <a:off x="691079" y="4483602"/>
+            <a:ext cx="10325000" cy="711085"/>
+          </a:xfrm>
+        </p:spPr>
+        <p:txBody>
+          <a:bodyPr>
+            <a:normAutofit/>
+          </a:bodyPr>
+          <a:lstStyle/>
+          <a:p>
+            <a:r>
+              <a:rPr lang="en-US" sz="3200" dirty="0"/>
+              <a:t>In a client method, the declaration is:</a:t>
+            </a:r>
+          </a:p>
+        </p:txBody>
+      </p:sp>
+      <p:pic>
+        <p:nvPicPr>
+          <p:cNvPr id="7" name="Content Placeholder 6">
+            <a:extLst>
+              <a:ext uri="{FF2B5EF4-FFF2-40B4-BE49-F238E27FC236}">
+                <a16:creationId xmlns:a16="http://schemas.microsoft.com/office/drawing/2014/main" id="{880C3C48-2B02-6C43-830D-8189F25F2FBD}"/>
+              </a:ext>
+            </a:extLst>
+          </p:cNvPr>
+          <p:cNvPicPr>
+            <a:picLocks noGrp="1" noChangeAspect="1"/>
+          </p:cNvPicPr>
+          <p:nvPr>
+            <p:ph idx="1"/>
+          </p:nvPr>
+        </p:nvPicPr>
+        <p:blipFill>
+          <a:blip r:embed="rId2"/>
+          <a:stretch>
+            <a:fillRect/>
+          </a:stretch>
+        </p:blipFill>
+        <p:spPr>
+          <a:xfrm>
+            <a:off x="644048" y="1313411"/>
+            <a:ext cx="10903904" cy="2788213"/>
+          </a:xfrm>
+          <a:prstGeom prst="rect">
+            <a:avLst/>
+          </a:prstGeom>
+        </p:spPr>
+      </p:pic>
+      <p:pic>
+        <p:nvPicPr>
+          <p:cNvPr id="8" name="Picture 7">
+            <a:extLst>
+              <a:ext uri="{FF2B5EF4-FFF2-40B4-BE49-F238E27FC236}">
+                <a16:creationId xmlns:a16="http://schemas.microsoft.com/office/drawing/2014/main" id="{C9BBEBC4-EDD6-FB42-9573-80826EF9C1D5}"/>
+              </a:ext>
+            </a:extLst>
+          </p:cNvPr>
+          <p:cNvPicPr>
+            <a:picLocks noChangeAspect="1"/>
+          </p:cNvPicPr>
+          <p:nvPr/>
+        </p:nvPicPr>
+        <p:blipFill>
+          <a:blip r:embed="rId3"/>
+          <a:stretch>
+            <a:fillRect/>
+          </a:stretch>
+        </p:blipFill>
+        <p:spPr>
+          <a:xfrm>
+            <a:off x="691079" y="5430615"/>
+            <a:ext cx="11130010" cy="711084"/>
+          </a:xfrm>
+          <a:prstGeom prst="rect">
+            <a:avLst/>
+          </a:prstGeom>
+        </p:spPr>
+      </p:pic>
+    </p:spTree>
+    <p:extLst>
+      <p:ext uri="{BB962C8B-B14F-4D97-AF65-F5344CB8AC3E}">
+        <p14:creationId xmlns:p14="http://schemas.microsoft.com/office/powerpoint/2010/main" val="1352522697"/>
+      </p:ext>
+    </p:extLst>
+  </p:cSld>
+  <p:clrMapOvr>
+    <a:masterClrMapping/>
+  </p:clrMapOvr>
+</p:sld>
+</file>
+
+<file path=ppt/slides/slide13.xml><?xml version="1.0" encoding="utf-8"?>
+<p:sld xmlns:a="http://schemas.openxmlformats.org/drawingml/2006/main" xmlns:r="http://schemas.openxmlformats.org/officeDocument/2006/relationships" xmlns:p="http://schemas.openxmlformats.org/presentationml/2006/main">
+  <p:cSld>
+    <p:spTree>
+      <p:nvGrpSpPr>
+        <p:cNvPr id="1" name=""/>
+        <p:cNvGrpSpPr/>
+        <p:nvPr/>
+      </p:nvGrpSpPr>
+      <p:grpSpPr>
+        <a:xfrm>
+          <a:off x="0" y="0"/>
+          <a:ext cx="0" cy="0"/>
+          <a:chOff x="0" y="0"/>
+          <a:chExt cx="0" cy="0"/>
+        </a:xfrm>
+      </p:grpSpPr>
+      <p:pic>
+        <p:nvPicPr>
+          <p:cNvPr id="4" name="Content Placeholder 3">
+            <a:extLst>
+              <a:ext uri="{FF2B5EF4-FFF2-40B4-BE49-F238E27FC236}">
+                <a16:creationId xmlns:a16="http://schemas.microsoft.com/office/drawing/2014/main" id="{02D4F980-8F95-C248-8D2F-BFEDE1D2C937}"/>
+              </a:ext>
+            </a:extLst>
+          </p:cNvPr>
+          <p:cNvPicPr>
+            <a:picLocks noGrp="1" noChangeAspect="1"/>
+          </p:cNvPicPr>
+          <p:nvPr>
+            <p:ph idx="1"/>
+          </p:nvPr>
+        </p:nvPicPr>
+        <p:blipFill>
+          <a:blip r:embed="rId2"/>
+          <a:stretch>
+            <a:fillRect/>
+          </a:stretch>
+        </p:blipFill>
+        <p:spPr>
+          <a:xfrm>
+            <a:off x="563002" y="1160688"/>
+            <a:ext cx="11065996" cy="706994"/>
+          </a:xfrm>
+          <a:prstGeom prst="rect">
+            <a:avLst/>
+          </a:prstGeom>
+        </p:spPr>
+      </p:pic>
+      <p:pic>
+        <p:nvPicPr>
+          <p:cNvPr id="5" name="Picture 4">
+            <a:extLst>
+              <a:ext uri="{FF2B5EF4-FFF2-40B4-BE49-F238E27FC236}">
+                <a16:creationId xmlns:a16="http://schemas.microsoft.com/office/drawing/2014/main" id="{F9C71476-8FA2-3C42-ADB1-FE67CF18F275}"/>
+              </a:ext>
+            </a:extLst>
+          </p:cNvPr>
+          <p:cNvPicPr>
+            <a:picLocks noChangeAspect="1"/>
+          </p:cNvPicPr>
+          <p:nvPr/>
+        </p:nvPicPr>
+        <p:blipFill>
+          <a:blip r:embed="rId3"/>
+          <a:stretch>
+            <a:fillRect/>
+          </a:stretch>
+        </p:blipFill>
+        <p:spPr>
+          <a:xfrm>
+            <a:off x="563002" y="2280341"/>
+            <a:ext cx="7500343" cy="3418189"/>
+          </a:xfrm>
+          <a:prstGeom prst="rect">
+            <a:avLst/>
+          </a:prstGeom>
+        </p:spPr>
+      </p:pic>
+    </p:spTree>
+    <p:extLst>
+      <p:ext uri="{BB962C8B-B14F-4D97-AF65-F5344CB8AC3E}">
+        <p14:creationId xmlns:p14="http://schemas.microsoft.com/office/powerpoint/2010/main" val="2777304401"/>
+      </p:ext>
+    </p:extLst>
+  </p:cSld>
+  <p:clrMapOvr>
+    <a:masterClrMapping/>
+  </p:clrMapOvr>
+</p:sld>
+</file>
+
+<file path=ppt/slides/slide14.xml><?xml version="1.0" encoding="utf-8"?>
+<p:sld xmlns:a="http://schemas.openxmlformats.org/drawingml/2006/main" xmlns:r="http://schemas.openxmlformats.org/officeDocument/2006/relationships" xmlns:p="http://schemas.openxmlformats.org/presentationml/2006/main">
+  <p:cSld>
+    <p:spTree>
+      <p:nvGrpSpPr>
+        <p:cNvPr id="1" name=""/>
+        <p:cNvGrpSpPr/>
+        <p:nvPr/>
+      </p:nvGrpSpPr>
+      <p:grpSpPr>
+        <a:xfrm>
+          <a:off x="0" y="0"/>
+          <a:ext cx="0" cy="0"/>
+          <a:chOff x="0" y="0"/>
+          <a:chExt cx="0" cy="0"/>
+        </a:xfrm>
+      </p:grpSpPr>
+      <p:sp>
+        <p:nvSpPr>
+          <p:cNvPr id="2" name="Title 1">
+            <a:extLst>
+              <a:ext uri="{FF2B5EF4-FFF2-40B4-BE49-F238E27FC236}">
+                <a16:creationId xmlns:a16="http://schemas.microsoft.com/office/drawing/2014/main" id="{3935B3DD-0128-0C4D-ACA4-1D3AD35AC34F}"/>
+              </a:ext>
+            </a:extLst>
+          </p:cNvPr>
+          <p:cNvSpPr>
+            <a:spLocks noGrp="1"/>
+          </p:cNvSpPr>
+          <p:nvPr>
+            <p:ph type="title"/>
+          </p:nvPr>
+        </p:nvSpPr>
+        <p:spPr/>
+        <p:txBody>
+          <a:bodyPr/>
+          <a:lstStyle/>
+          <a:p>
+            <a:r>
+              <a:rPr lang="en-US" dirty="0"/>
+              <a:t>Accessors/Getters</a:t>
+            </a:r>
+          </a:p>
+        </p:txBody>
+      </p:sp>
+      <p:sp>
+        <p:nvSpPr>
+          <p:cNvPr id="3" name="Content Placeholder 2">
+            <a:extLst>
+              <a:ext uri="{FF2B5EF4-FFF2-40B4-BE49-F238E27FC236}">
+                <a16:creationId xmlns:a16="http://schemas.microsoft.com/office/drawing/2014/main" id="{EC10630F-B0B8-0947-8C6E-0110F0B62BAB}"/>
+              </a:ext>
+            </a:extLst>
+          </p:cNvPr>
+          <p:cNvSpPr>
+            <a:spLocks noGrp="1"/>
+          </p:cNvSpPr>
+          <p:nvPr>
+            <p:ph idx="1"/>
+          </p:nvPr>
+        </p:nvSpPr>
+        <p:spPr/>
+        <p:txBody>
+          <a:bodyPr>
+            <a:normAutofit/>
+          </a:bodyPr>
+          <a:lstStyle/>
+          <a:p>
+            <a:r>
+              <a:rPr lang="en-US" sz="2800" dirty="0"/>
+              <a:t>An accessor method accesses a class object without altering the object</a:t>
+            </a:r>
+          </a:p>
+          <a:p>
+            <a:r>
+              <a:rPr lang="en-US" sz="2800" dirty="0"/>
+              <a:t>It returns some information about the object</a:t>
+            </a:r>
+          </a:p>
+        </p:txBody>
+      </p:sp>
+    </p:spTree>
+    <p:extLst>
+      <p:ext uri="{BB962C8B-B14F-4D97-AF65-F5344CB8AC3E}">
+        <p14:creationId xmlns:p14="http://schemas.microsoft.com/office/powerpoint/2010/main" val="3647075782"/>
+      </p:ext>
+    </p:extLst>
+  </p:cSld>
+  <p:clrMapOvr>
+    <a:masterClrMapping/>
+  </p:clrMapOvr>
+</p:sld>
+</file>
+
+<file path=ppt/slides/slide15.xml><?xml version="1.0" encoding="utf-8"?>
+<p:sld xmlns:a="http://schemas.openxmlformats.org/drawingml/2006/main" xmlns:r="http://schemas.openxmlformats.org/officeDocument/2006/relationships" xmlns:p="http://schemas.openxmlformats.org/presentationml/2006/main">
+  <p:cSld>
+    <p:spTree>
+      <p:nvGrpSpPr>
+        <p:cNvPr id="1" name=""/>
+        <p:cNvGrpSpPr/>
+        <p:nvPr/>
+      </p:nvGrpSpPr>
+      <p:grpSpPr>
+        <a:xfrm>
+          <a:off x="0" y="0"/>
+          <a:ext cx="0" cy="0"/>
+          <a:chOff x="0" y="0"/>
+          <a:chExt cx="0" cy="0"/>
+        </a:xfrm>
+      </p:grpSpPr>
+      <p:sp>
+        <p:nvSpPr>
+          <p:cNvPr id="2" name="Title 1">
+            <a:extLst>
+              <a:ext uri="{FF2B5EF4-FFF2-40B4-BE49-F238E27FC236}">
+                <a16:creationId xmlns:a16="http://schemas.microsoft.com/office/drawing/2014/main" id="{36E020FF-99EA-114D-873C-2F28546CFFEC}"/>
+              </a:ext>
+            </a:extLst>
+          </p:cNvPr>
+          <p:cNvSpPr>
+            <a:spLocks noGrp="1"/>
+          </p:cNvSpPr>
+          <p:nvPr>
+            <p:ph type="title"/>
+          </p:nvPr>
+        </p:nvSpPr>
+        <p:spPr>
+          <a:xfrm>
+            <a:off x="691079" y="4871462"/>
+            <a:ext cx="10325000" cy="1442463"/>
+          </a:xfrm>
+        </p:spPr>
+        <p:txBody>
+          <a:bodyPr>
+            <a:noAutofit/>
+          </a:bodyPr>
+          <a:lstStyle/>
+          <a:p>
+            <a:r>
+              <a:rPr lang="en-US" sz="2800" dirty="0"/>
+              <a:t>The . Operator indicates </a:t>
+            </a:r>
+            <a:r>
+              <a:rPr lang="en-US" sz="2800" dirty="0" err="1"/>
+              <a:t>getBalance</a:t>
+            </a:r>
+            <a:r>
+              <a:rPr lang="en-US" sz="2800" dirty="0"/>
+              <a:t>() is a method of the class to which b1 and b2 belong</a:t>
+            </a:r>
+          </a:p>
+        </p:txBody>
+      </p:sp>
+      <p:pic>
+        <p:nvPicPr>
+          <p:cNvPr id="5" name="Content Placeholder 4">
+            <a:extLst>
+              <a:ext uri="{FF2B5EF4-FFF2-40B4-BE49-F238E27FC236}">
+                <a16:creationId xmlns:a16="http://schemas.microsoft.com/office/drawing/2014/main" id="{6C45F61E-914F-6C48-8B5C-092C908C1692}"/>
+              </a:ext>
+            </a:extLst>
+          </p:cNvPr>
+          <p:cNvPicPr>
+            <a:picLocks noGrp="1" noChangeAspect="1"/>
+          </p:cNvPicPr>
+          <p:nvPr>
+            <p:ph idx="1"/>
+          </p:nvPr>
+        </p:nvPicPr>
+        <p:blipFill>
+          <a:blip r:embed="rId2"/>
+          <a:stretch>
+            <a:fillRect/>
+          </a:stretch>
+        </p:blipFill>
+        <p:spPr>
+          <a:xfrm>
+            <a:off x="691079" y="3429000"/>
+            <a:ext cx="9439269" cy="1442462"/>
+          </a:xfrm>
+          <a:prstGeom prst="rect">
+            <a:avLst/>
+          </a:prstGeom>
+        </p:spPr>
+      </p:pic>
+      <p:pic>
+        <p:nvPicPr>
+          <p:cNvPr id="4" name="Picture 3">
+            <a:extLst>
+              <a:ext uri="{FF2B5EF4-FFF2-40B4-BE49-F238E27FC236}">
+                <a16:creationId xmlns:a16="http://schemas.microsoft.com/office/drawing/2014/main" id="{4715BE6F-36B5-834C-B6C1-5552241692BA}"/>
+              </a:ext>
+            </a:extLst>
+          </p:cNvPr>
+          <p:cNvPicPr>
+            <a:picLocks noChangeAspect="1"/>
+          </p:cNvPicPr>
+          <p:nvPr/>
+        </p:nvPicPr>
+        <p:blipFill>
+          <a:blip r:embed="rId3"/>
+          <a:stretch>
+            <a:fillRect/>
+          </a:stretch>
+        </p:blipFill>
+        <p:spPr>
+          <a:xfrm>
+            <a:off x="691079" y="1284315"/>
+            <a:ext cx="9425806" cy="1625139"/>
+          </a:xfrm>
+          <a:prstGeom prst="rect">
+            <a:avLst/>
+          </a:prstGeom>
+        </p:spPr>
+      </p:pic>
+    </p:spTree>
+    <p:extLst>
+      <p:ext uri="{BB962C8B-B14F-4D97-AF65-F5344CB8AC3E}">
+        <p14:creationId xmlns:p14="http://schemas.microsoft.com/office/powerpoint/2010/main" val="3884171352"/>
+      </p:ext>
+    </p:extLst>
+  </p:cSld>
+  <p:clrMapOvr>
+    <a:masterClrMapping/>
+  </p:clrMapOvr>
+</p:sld>
+</file>
+
+<file path=ppt/slides/slide16.xml><?xml version="1.0" encoding="utf-8"?>
+<p:sld xmlns:a="http://schemas.openxmlformats.org/drawingml/2006/main" xmlns:r="http://schemas.openxmlformats.org/officeDocument/2006/relationships" xmlns:p="http://schemas.openxmlformats.org/presentationml/2006/main">
+  <p:cSld>
+    <p:spTree>
+      <p:nvGrpSpPr>
+        <p:cNvPr id="1" name=""/>
+        <p:cNvGrpSpPr/>
+        <p:nvPr/>
+      </p:nvGrpSpPr>
+      <p:grpSpPr>
+        <a:xfrm>
+          <a:off x="0" y="0"/>
+          <a:ext cx="0" cy="0"/>
+          <a:chOff x="0" y="0"/>
+          <a:chExt cx="0" cy="0"/>
+        </a:xfrm>
+      </p:grpSpPr>
+      <p:sp>
+        <p:nvSpPr>
+          <p:cNvPr id="2" name="Title 1">
+            <a:extLst>
+              <a:ext uri="{FF2B5EF4-FFF2-40B4-BE49-F238E27FC236}">
+                <a16:creationId xmlns:a16="http://schemas.microsoft.com/office/drawing/2014/main" id="{687A0594-F2AD-A349-9414-65293109DCA9}"/>
+              </a:ext>
+            </a:extLst>
+          </p:cNvPr>
+          <p:cNvSpPr>
+            <a:spLocks noGrp="1"/>
+          </p:cNvSpPr>
+          <p:nvPr>
+            <p:ph type="title"/>
+          </p:nvPr>
+        </p:nvSpPr>
+        <p:spPr/>
+        <p:txBody>
+          <a:bodyPr/>
+          <a:lstStyle/>
+          <a:p>
+            <a:r>
+              <a:rPr lang="en-US" dirty="0"/>
+              <a:t>Mutators/Setters</a:t>
+            </a:r>
+          </a:p>
+        </p:txBody>
+      </p:sp>
+      <p:sp>
+        <p:nvSpPr>
+          <p:cNvPr id="3" name="Content Placeholder 2">
+            <a:extLst>
+              <a:ext uri="{FF2B5EF4-FFF2-40B4-BE49-F238E27FC236}">
+                <a16:creationId xmlns:a16="http://schemas.microsoft.com/office/drawing/2014/main" id="{177A7071-5057-BC46-87F8-EFA246B38A3A}"/>
+              </a:ext>
+            </a:extLst>
+          </p:cNvPr>
+          <p:cNvSpPr>
+            <a:spLocks noGrp="1"/>
+          </p:cNvSpPr>
+          <p:nvPr>
+            <p:ph idx="1"/>
+          </p:nvPr>
+        </p:nvSpPr>
+        <p:spPr/>
+        <p:txBody>
+          <a:bodyPr>
+            <a:normAutofit/>
+          </a:bodyPr>
+          <a:lstStyle/>
+          <a:p>
+            <a:r>
+              <a:rPr lang="en-US" sz="2800" dirty="0"/>
+              <a:t>Changes the state of an object by modifying at least one of its instance variables</a:t>
+            </a:r>
+          </a:p>
+        </p:txBody>
+      </p:sp>
+      <p:pic>
+        <p:nvPicPr>
+          <p:cNvPr id="4" name="Picture 3">
+            <a:extLst>
+              <a:ext uri="{FF2B5EF4-FFF2-40B4-BE49-F238E27FC236}">
+                <a16:creationId xmlns:a16="http://schemas.microsoft.com/office/drawing/2014/main" id="{8BB7093E-4FCB-B047-BF18-C9D24177787C}"/>
+              </a:ext>
+            </a:extLst>
+          </p:cNvPr>
+          <p:cNvPicPr>
+            <a:picLocks noChangeAspect="1"/>
+          </p:cNvPicPr>
+          <p:nvPr/>
+        </p:nvPicPr>
+        <p:blipFill>
+          <a:blip r:embed="rId2"/>
+          <a:stretch>
+            <a:fillRect/>
+          </a:stretch>
+        </p:blipFill>
+        <p:spPr>
+          <a:xfrm>
+            <a:off x="956886" y="3429000"/>
+            <a:ext cx="7621847" cy="2994297"/>
+          </a:xfrm>
+          <a:prstGeom prst="rect">
+            <a:avLst/>
+          </a:prstGeom>
+        </p:spPr>
+      </p:pic>
+    </p:spTree>
+    <p:extLst>
+      <p:ext uri="{BB962C8B-B14F-4D97-AF65-F5344CB8AC3E}">
+        <p14:creationId xmlns:p14="http://schemas.microsoft.com/office/powerpoint/2010/main" val="2315873032"/>
+      </p:ext>
+    </p:extLst>
+  </p:cSld>
+  <p:clrMapOvr>
+    <a:masterClrMapping/>
+  </p:clrMapOvr>
+</p:sld>
+</file>
+
+<file path=ppt/slides/slide17.xml><?xml version="1.0" encoding="utf-8"?>
+<p:sld xmlns:a="http://schemas.openxmlformats.org/drawingml/2006/main" xmlns:r="http://schemas.openxmlformats.org/officeDocument/2006/relationships" xmlns:p="http://schemas.openxmlformats.org/presentationml/2006/main">
+  <p:cSld>
+    <p:spTree>
+      <p:nvGrpSpPr>
+        <p:cNvPr id="1" name=""/>
+        <p:cNvGrpSpPr/>
+        <p:nvPr/>
+      </p:nvGrpSpPr>
+      <p:grpSpPr>
+        <a:xfrm>
+          <a:off x="0" y="0"/>
+          <a:ext cx="0" cy="0"/>
+          <a:chOff x="0" y="0"/>
+          <a:chExt cx="0" cy="0"/>
+        </a:xfrm>
+      </p:grpSpPr>
+      <p:sp>
+        <p:nvSpPr>
+          <p:cNvPr id="2" name="Title 1">
+            <a:extLst>
+              <a:ext uri="{FF2B5EF4-FFF2-40B4-BE49-F238E27FC236}">
+                <a16:creationId xmlns:a16="http://schemas.microsoft.com/office/drawing/2014/main" id="{FC62BC4F-7D0B-AD44-B548-21C7A5E812A0}"/>
+              </a:ext>
+            </a:extLst>
+          </p:cNvPr>
+          <p:cNvSpPr>
+            <a:spLocks noGrp="1"/>
+          </p:cNvSpPr>
+          <p:nvPr>
+            <p:ph type="title"/>
+          </p:nvPr>
+        </p:nvSpPr>
+        <p:spPr/>
+        <p:txBody>
+          <a:bodyPr/>
+          <a:lstStyle/>
+          <a:p>
+            <a:endParaRPr lang="en-US"/>
+          </a:p>
+        </p:txBody>
+      </p:sp>
+      <p:pic>
+        <p:nvPicPr>
+          <p:cNvPr id="4" name="Content Placeholder 3">
+            <a:extLst>
+              <a:ext uri="{FF2B5EF4-FFF2-40B4-BE49-F238E27FC236}">
+                <a16:creationId xmlns:a16="http://schemas.microsoft.com/office/drawing/2014/main" id="{9156FA4E-4020-634F-B325-3FE4C887B225}"/>
+              </a:ext>
+            </a:extLst>
+          </p:cNvPr>
+          <p:cNvPicPr>
+            <a:picLocks noGrp="1" noChangeAspect="1"/>
+          </p:cNvPicPr>
+          <p:nvPr>
+            <p:ph idx="1"/>
+          </p:nvPr>
+        </p:nvPicPr>
+        <p:blipFill>
+          <a:blip r:embed="rId2"/>
+          <a:stretch>
+            <a:fillRect/>
+          </a:stretch>
+        </p:blipFill>
+        <p:spPr>
+          <a:xfrm>
+            <a:off x="691079" y="365760"/>
+            <a:ext cx="8108274" cy="4831643"/>
+          </a:xfrm>
+          <a:prstGeom prst="rect">
+            <a:avLst/>
+          </a:prstGeom>
+        </p:spPr>
+      </p:pic>
+      <p:pic>
+        <p:nvPicPr>
+          <p:cNvPr id="5" name="Picture 4">
+            <a:extLst>
+              <a:ext uri="{FF2B5EF4-FFF2-40B4-BE49-F238E27FC236}">
+                <a16:creationId xmlns:a16="http://schemas.microsoft.com/office/drawing/2014/main" id="{D418576F-1F50-D041-A0C4-1CAF30A87220}"/>
+              </a:ext>
+            </a:extLst>
+          </p:cNvPr>
+          <p:cNvPicPr>
+            <a:picLocks noChangeAspect="1"/>
+          </p:cNvPicPr>
+          <p:nvPr/>
+        </p:nvPicPr>
+        <p:blipFill>
+          <a:blip r:embed="rId3"/>
+          <a:stretch>
+            <a:fillRect/>
+          </a:stretch>
+        </p:blipFill>
+        <p:spPr>
+          <a:xfrm>
+            <a:off x="691079" y="5518380"/>
+            <a:ext cx="5404921" cy="973860"/>
+          </a:xfrm>
+          <a:prstGeom prst="rect">
+            <a:avLst/>
+          </a:prstGeom>
+        </p:spPr>
+      </p:pic>
+    </p:spTree>
+    <p:extLst>
+      <p:ext uri="{BB962C8B-B14F-4D97-AF65-F5344CB8AC3E}">
+        <p14:creationId xmlns:p14="http://schemas.microsoft.com/office/powerpoint/2010/main" val="1949990618"/>
+      </p:ext>
+    </p:extLst>
+  </p:cSld>
+  <p:clrMapOvr>
+    <a:masterClrMapping/>
+  </p:clrMapOvr>
+</p:sld>
+</file>
+
+<file path=ppt/slides/slide18.xml><?xml version="1.0" encoding="utf-8"?>
+<p:sld xmlns:a="http://schemas.openxmlformats.org/drawingml/2006/main" xmlns:r="http://schemas.openxmlformats.org/officeDocument/2006/relationships" xmlns:p="http://schemas.openxmlformats.org/presentationml/2006/main">
+  <p:cSld>
+    <p:spTree>
+      <p:nvGrpSpPr>
+        <p:cNvPr id="1" name=""/>
+        <p:cNvGrpSpPr/>
+        <p:nvPr/>
+      </p:nvGrpSpPr>
+      <p:grpSpPr>
+        <a:xfrm>
+          <a:off x="0" y="0"/>
+          <a:ext cx="0" cy="0"/>
+          <a:chOff x="0" y="0"/>
+          <a:chExt cx="0" cy="0"/>
+        </a:xfrm>
+      </p:grpSpPr>
+      <p:sp>
+        <p:nvSpPr>
+          <p:cNvPr id="2" name="Title 1">
+            <a:extLst>
+              <a:ext uri="{FF2B5EF4-FFF2-40B4-BE49-F238E27FC236}">
+                <a16:creationId xmlns:a16="http://schemas.microsoft.com/office/drawing/2014/main" id="{C3292B18-3AF7-624F-8094-4A607875430E}"/>
+              </a:ext>
+            </a:extLst>
+          </p:cNvPr>
+          <p:cNvSpPr>
+            <a:spLocks noGrp="1"/>
+          </p:cNvSpPr>
+          <p:nvPr>
+            <p:ph type="title"/>
+          </p:nvPr>
+        </p:nvSpPr>
+        <p:spPr/>
+        <p:txBody>
+          <a:bodyPr/>
+          <a:lstStyle/>
+          <a:p>
+            <a:r>
+              <a:rPr lang="en-US" dirty="0"/>
+              <a:t>Static Methods</a:t>
+            </a:r>
+          </a:p>
+        </p:txBody>
+      </p:sp>
+      <p:sp>
+        <p:nvSpPr>
+          <p:cNvPr id="3" name="Content Placeholder 2">
+            <a:extLst>
+              <a:ext uri="{FF2B5EF4-FFF2-40B4-BE49-F238E27FC236}">
+                <a16:creationId xmlns:a16="http://schemas.microsoft.com/office/drawing/2014/main" id="{84AA5BEA-1BAA-714D-9FAA-73B8D3E3F1DC}"/>
+              </a:ext>
+            </a:extLst>
+          </p:cNvPr>
+          <p:cNvSpPr>
+            <a:spLocks noGrp="1"/>
+          </p:cNvSpPr>
+          <p:nvPr>
+            <p:ph idx="1"/>
+          </p:nvPr>
+        </p:nvSpPr>
+        <p:spPr/>
+        <p:txBody>
+          <a:bodyPr>
+            <a:normAutofit lnSpcReduction="10000"/>
+          </a:bodyPr>
+          <a:lstStyle/>
+          <a:p>
+            <a:r>
+              <a:rPr lang="en-US" sz="2800" dirty="0"/>
+              <a:t>Constructors, accessors, and mutators are all </a:t>
+            </a:r>
+            <a:r>
+              <a:rPr lang="en-US" sz="2800" b="1" dirty="0"/>
+              <a:t>instance methods</a:t>
+            </a:r>
+          </a:p>
+          <a:p>
+            <a:r>
+              <a:rPr lang="en-US" sz="2800" dirty="0"/>
+              <a:t>Instance methods operate on individual objects of a class</a:t>
+            </a:r>
+          </a:p>
+          <a:p>
+            <a:r>
+              <a:rPr lang="en-US" sz="2800" dirty="0"/>
+              <a:t>Static methods (class methods) perform operations for the entire class, not its individual objects</a:t>
+            </a:r>
+          </a:p>
+          <a:p>
+            <a:r>
+              <a:rPr lang="en-US" sz="2800" dirty="0"/>
+              <a:t>Static methods cannot use instance methods or instance variables, but static variables can be used</a:t>
+            </a:r>
+          </a:p>
+        </p:txBody>
+      </p:sp>
+    </p:spTree>
+    <p:extLst>
+      <p:ext uri="{BB962C8B-B14F-4D97-AF65-F5344CB8AC3E}">
+        <p14:creationId xmlns:p14="http://schemas.microsoft.com/office/powerpoint/2010/main" val="657588634"/>
+      </p:ext>
+    </p:extLst>
+  </p:cSld>
+  <p:clrMapOvr>
+    <a:masterClrMapping/>
+  </p:clrMapOvr>
+</p:sld>
+</file>
+
+<file path=ppt/slides/slide19.xml><?xml version="1.0" encoding="utf-8"?>
+<p:sld xmlns:a="http://schemas.openxmlformats.org/drawingml/2006/main" xmlns:r="http://schemas.openxmlformats.org/officeDocument/2006/relationships" xmlns:p="http://schemas.openxmlformats.org/presentationml/2006/main">
+  <p:cSld>
+    <p:spTree>
+      <p:nvGrpSpPr>
+        <p:cNvPr id="1" name=""/>
+        <p:cNvGrpSpPr/>
+        <p:nvPr/>
+      </p:nvGrpSpPr>
+      <p:grpSpPr>
+        <a:xfrm>
+          <a:off x="0" y="0"/>
+          <a:ext cx="0" cy="0"/>
+          <a:chOff x="0" y="0"/>
+          <a:chExt cx="0" cy="0"/>
+        </a:xfrm>
+      </p:grpSpPr>
+      <p:pic>
+        <p:nvPicPr>
+          <p:cNvPr id="4" name="Picture 3">
+            <a:extLst>
+              <a:ext uri="{FF2B5EF4-FFF2-40B4-BE49-F238E27FC236}">
+                <a16:creationId xmlns:a16="http://schemas.microsoft.com/office/drawing/2014/main" id="{357DAD36-B039-AE4C-B012-8380B8666AC5}"/>
+              </a:ext>
+            </a:extLst>
+          </p:cNvPr>
+          <p:cNvPicPr>
+            <a:picLocks noChangeAspect="1"/>
+          </p:cNvPicPr>
+          <p:nvPr/>
+        </p:nvPicPr>
+        <p:blipFill>
+          <a:blip r:embed="rId2"/>
+          <a:stretch>
+            <a:fillRect/>
+          </a:stretch>
+        </p:blipFill>
+        <p:spPr>
+          <a:xfrm>
+            <a:off x="691079" y="700231"/>
+            <a:ext cx="8955454" cy="1241018"/>
+          </a:xfrm>
+          <a:prstGeom prst="rect">
+            <a:avLst/>
+          </a:prstGeom>
+        </p:spPr>
+      </p:pic>
+      <p:pic>
+        <p:nvPicPr>
+          <p:cNvPr id="5" name="Picture 4">
+            <a:extLst>
+              <a:ext uri="{FF2B5EF4-FFF2-40B4-BE49-F238E27FC236}">
+                <a16:creationId xmlns:a16="http://schemas.microsoft.com/office/drawing/2014/main" id="{31C83ED3-C449-D041-A41C-6D77171670C6}"/>
+              </a:ext>
+            </a:extLst>
+          </p:cNvPr>
+          <p:cNvPicPr>
+            <a:picLocks noChangeAspect="1"/>
+          </p:cNvPicPr>
+          <p:nvPr/>
+        </p:nvPicPr>
+        <p:blipFill>
+          <a:blip r:embed="rId3"/>
+          <a:stretch>
+            <a:fillRect/>
+          </a:stretch>
+        </p:blipFill>
+        <p:spPr>
+          <a:xfrm>
+            <a:off x="691079" y="2468881"/>
+            <a:ext cx="10534388" cy="2702902"/>
+          </a:xfrm>
+          <a:prstGeom prst="rect">
+            <a:avLst/>
+          </a:prstGeom>
+        </p:spPr>
+      </p:pic>
+      <p:pic>
+        <p:nvPicPr>
+          <p:cNvPr id="6" name="Picture 5">
+            <a:extLst>
+              <a:ext uri="{FF2B5EF4-FFF2-40B4-BE49-F238E27FC236}">
+                <a16:creationId xmlns:a16="http://schemas.microsoft.com/office/drawing/2014/main" id="{74E4DC6A-AAA6-3E4E-8534-8C470381FD11}"/>
+              </a:ext>
+            </a:extLst>
+          </p:cNvPr>
+          <p:cNvPicPr>
+            <a:picLocks noChangeAspect="1"/>
+          </p:cNvPicPr>
+          <p:nvPr/>
+        </p:nvPicPr>
+        <p:blipFill>
+          <a:blip r:embed="rId4"/>
+          <a:stretch>
+            <a:fillRect/>
+          </a:stretch>
+        </p:blipFill>
+        <p:spPr>
+          <a:xfrm>
+            <a:off x="647467" y="5699415"/>
+            <a:ext cx="10107174" cy="618258"/>
+          </a:xfrm>
+          <a:prstGeom prst="rect">
+            <a:avLst/>
+          </a:prstGeom>
+        </p:spPr>
+      </p:pic>
+    </p:spTree>
+    <p:extLst>
+      <p:ext uri="{BB962C8B-B14F-4D97-AF65-F5344CB8AC3E}">
+        <p14:creationId xmlns:p14="http://schemas.microsoft.com/office/powerpoint/2010/main" val="3252794675"/>
+      </p:ext>
+    </p:extLst>
+  </p:cSld>
+  <p:clrMapOvr>
+    <a:masterClrMapping/>
+  </p:clrMapOvr>
+</p:sld>
+</file>
+
 <file path=ppt/slides/slide2.xml><?xml version="1.0" encoding="utf-8"?>
 <p:sld xmlns:a="http://schemas.openxmlformats.org/drawingml/2006/main" xmlns:r="http://schemas.openxmlformats.org/officeDocument/2006/relationships" xmlns:p="http://schemas.openxmlformats.org/presentationml/2006/main">
   <p:cSld>
@@ -16133,6 +17770,947 @@
 </p:sld>
 </file>
 
+<file path=ppt/slides/slide20.xml><?xml version="1.0" encoding="utf-8"?>
+<p:sld xmlns:a="http://schemas.openxmlformats.org/drawingml/2006/main" xmlns:r="http://schemas.openxmlformats.org/officeDocument/2006/relationships" xmlns:p="http://schemas.openxmlformats.org/presentationml/2006/main">
+  <p:cSld>
+    <p:spTree>
+      <p:nvGrpSpPr>
+        <p:cNvPr id="1" name=""/>
+        <p:cNvGrpSpPr/>
+        <p:nvPr/>
+      </p:nvGrpSpPr>
+      <p:grpSpPr>
+        <a:xfrm>
+          <a:off x="0" y="0"/>
+          <a:ext cx="0" cy="0"/>
+          <a:chOff x="0" y="0"/>
+          <a:chExt cx="0" cy="0"/>
+        </a:xfrm>
+      </p:grpSpPr>
+      <p:sp>
+        <p:nvSpPr>
+          <p:cNvPr id="2" name="Title 1">
+            <a:extLst>
+              <a:ext uri="{FF2B5EF4-FFF2-40B4-BE49-F238E27FC236}">
+                <a16:creationId xmlns:a16="http://schemas.microsoft.com/office/drawing/2014/main" id="{56E78687-D8A0-494F-8958-39BD615EBCB2}"/>
+              </a:ext>
+            </a:extLst>
+          </p:cNvPr>
+          <p:cNvSpPr>
+            <a:spLocks noGrp="1"/>
+          </p:cNvSpPr>
+          <p:nvPr>
+            <p:ph type="title"/>
+          </p:nvPr>
+        </p:nvSpPr>
+        <p:spPr/>
+        <p:txBody>
+          <a:bodyPr/>
+          <a:lstStyle/>
+          <a:p>
+            <a:r>
+              <a:rPr lang="en-US" dirty="0"/>
+              <a:t>Method Overloading</a:t>
+            </a:r>
+          </a:p>
+        </p:txBody>
+      </p:sp>
+      <p:sp>
+        <p:nvSpPr>
+          <p:cNvPr id="3" name="Content Placeholder 2">
+            <a:extLst>
+              <a:ext uri="{FF2B5EF4-FFF2-40B4-BE49-F238E27FC236}">
+                <a16:creationId xmlns:a16="http://schemas.microsoft.com/office/drawing/2014/main" id="{5C699884-50DA-7B48-80C4-FF2C00FA7B42}"/>
+              </a:ext>
+            </a:extLst>
+          </p:cNvPr>
+          <p:cNvSpPr>
+            <a:spLocks noGrp="1"/>
+          </p:cNvSpPr>
+          <p:nvPr>
+            <p:ph idx="1"/>
+          </p:nvPr>
+        </p:nvSpPr>
+        <p:spPr/>
+        <p:txBody>
+          <a:bodyPr>
+            <a:normAutofit/>
+          </a:bodyPr>
+          <a:lstStyle/>
+          <a:p>
+            <a:r>
+              <a:rPr lang="en-US" sz="2800" dirty="0"/>
+              <a:t>Two or more methods in the same class with the same name but different parameter lists</a:t>
+            </a:r>
+          </a:p>
+          <a:p>
+            <a:r>
+              <a:rPr lang="en-US" sz="2800" dirty="0"/>
+              <a:t>Having multiple constructors is an example of overloading</a:t>
+            </a:r>
+          </a:p>
+        </p:txBody>
+      </p:sp>
+      <p:pic>
+        <p:nvPicPr>
+          <p:cNvPr id="4" name="Picture 3">
+            <a:extLst>
+              <a:ext uri="{FF2B5EF4-FFF2-40B4-BE49-F238E27FC236}">
+                <a16:creationId xmlns:a16="http://schemas.microsoft.com/office/drawing/2014/main" id="{E13FEB1D-E236-FF43-8217-A99E53D4FD56}"/>
+              </a:ext>
+            </a:extLst>
+          </p:cNvPr>
+          <p:cNvPicPr>
+            <a:picLocks noChangeAspect="1"/>
+          </p:cNvPicPr>
+          <p:nvPr/>
+        </p:nvPicPr>
+        <p:blipFill>
+          <a:blip r:embed="rId2"/>
+          <a:stretch>
+            <a:fillRect/>
+          </a:stretch>
+        </p:blipFill>
+        <p:spPr>
+          <a:xfrm>
+            <a:off x="691079" y="4164819"/>
+            <a:ext cx="8083173" cy="1967230"/>
+          </a:xfrm>
+          <a:prstGeom prst="rect">
+            <a:avLst/>
+          </a:prstGeom>
+        </p:spPr>
+      </p:pic>
+      <p:pic>
+        <p:nvPicPr>
+          <p:cNvPr id="5" name="Picture 4">
+            <a:extLst>
+              <a:ext uri="{FF2B5EF4-FFF2-40B4-BE49-F238E27FC236}">
+                <a16:creationId xmlns:a16="http://schemas.microsoft.com/office/drawing/2014/main" id="{0AE98FC1-90C3-B34B-9C6F-3311E5ED3A17}"/>
+              </a:ext>
+            </a:extLst>
+          </p:cNvPr>
+          <p:cNvPicPr>
+            <a:picLocks noChangeAspect="1"/>
+          </p:cNvPicPr>
+          <p:nvPr/>
+        </p:nvPicPr>
+        <p:blipFill>
+          <a:blip r:embed="rId3"/>
+          <a:stretch>
+            <a:fillRect/>
+          </a:stretch>
+        </p:blipFill>
+        <p:spPr>
+          <a:xfrm>
+            <a:off x="8774252" y="4689587"/>
+            <a:ext cx="2812110" cy="1190528"/>
+          </a:xfrm>
+          <a:prstGeom prst="rect">
+            <a:avLst/>
+          </a:prstGeom>
+        </p:spPr>
+      </p:pic>
+    </p:spTree>
+    <p:extLst>
+      <p:ext uri="{BB962C8B-B14F-4D97-AF65-F5344CB8AC3E}">
+        <p14:creationId xmlns:p14="http://schemas.microsoft.com/office/powerpoint/2010/main" val="4083941909"/>
+      </p:ext>
+    </p:extLst>
+  </p:cSld>
+  <p:clrMapOvr>
+    <a:masterClrMapping/>
+  </p:clrMapOvr>
+</p:sld>
+</file>
+
+<file path=ppt/slides/slide21.xml><?xml version="1.0" encoding="utf-8"?>
+<p:sld xmlns:a="http://schemas.openxmlformats.org/drawingml/2006/main" xmlns:r="http://schemas.openxmlformats.org/officeDocument/2006/relationships" xmlns:p="http://schemas.openxmlformats.org/presentationml/2006/main">
+  <p:cSld>
+    <p:spTree>
+      <p:nvGrpSpPr>
+        <p:cNvPr id="1" name=""/>
+        <p:cNvGrpSpPr/>
+        <p:nvPr/>
+      </p:nvGrpSpPr>
+      <p:grpSpPr>
+        <a:xfrm>
+          <a:off x="0" y="0"/>
+          <a:ext cx="0" cy="0"/>
+          <a:chOff x="0" y="0"/>
+          <a:chExt cx="0" cy="0"/>
+        </a:xfrm>
+      </p:grpSpPr>
+      <p:sp>
+        <p:nvSpPr>
+          <p:cNvPr id="2" name="Title 1">
+            <a:extLst>
+              <a:ext uri="{FF2B5EF4-FFF2-40B4-BE49-F238E27FC236}">
+                <a16:creationId xmlns:a16="http://schemas.microsoft.com/office/drawing/2014/main" id="{FE8738F2-C42C-0B47-9F80-0EA1406B5090}"/>
+              </a:ext>
+            </a:extLst>
+          </p:cNvPr>
+          <p:cNvSpPr>
+            <a:spLocks noGrp="1"/>
+          </p:cNvSpPr>
+          <p:nvPr>
+            <p:ph type="title"/>
+          </p:nvPr>
+        </p:nvSpPr>
+        <p:spPr/>
+        <p:txBody>
+          <a:bodyPr/>
+          <a:lstStyle/>
+          <a:p>
+            <a:r>
+              <a:rPr lang="en-US" dirty="0"/>
+              <a:t>Scope</a:t>
+            </a:r>
+          </a:p>
+        </p:txBody>
+      </p:sp>
+      <p:sp>
+        <p:nvSpPr>
+          <p:cNvPr id="3" name="Content Placeholder 2">
+            <a:extLst>
+              <a:ext uri="{FF2B5EF4-FFF2-40B4-BE49-F238E27FC236}">
+                <a16:creationId xmlns:a16="http://schemas.microsoft.com/office/drawing/2014/main" id="{4207DC41-E057-6C45-BF44-C835DB58B382}"/>
+              </a:ext>
+            </a:extLst>
+          </p:cNvPr>
+          <p:cNvSpPr>
+            <a:spLocks noGrp="1"/>
+          </p:cNvSpPr>
+          <p:nvPr>
+            <p:ph idx="1"/>
+          </p:nvPr>
+        </p:nvSpPr>
+        <p:spPr/>
+        <p:txBody>
+          <a:bodyPr>
+            <a:normAutofit/>
+          </a:bodyPr>
+          <a:lstStyle/>
+          <a:p>
+            <a:r>
+              <a:rPr lang="en-US" sz="2800" dirty="0"/>
+              <a:t>The scope of a variable or method = the region in which that variable or method is visible and can be accessed</a:t>
+            </a:r>
+          </a:p>
+          <a:p>
+            <a:r>
+              <a:rPr lang="en-US" sz="2800" dirty="0"/>
+              <a:t>A </a:t>
+            </a:r>
+            <a:r>
+              <a:rPr lang="en-US" sz="2800" b="1" dirty="0"/>
+              <a:t>local variable </a:t>
+            </a:r>
+            <a:r>
+              <a:rPr lang="en-US" sz="2800" dirty="0"/>
+              <a:t>is defined inside a method, so the scope is only inside the method</a:t>
+            </a:r>
+          </a:p>
+        </p:txBody>
+      </p:sp>
+    </p:spTree>
+    <p:extLst>
+      <p:ext uri="{BB962C8B-B14F-4D97-AF65-F5344CB8AC3E}">
+        <p14:creationId xmlns:p14="http://schemas.microsoft.com/office/powerpoint/2010/main" val="3104326012"/>
+      </p:ext>
+    </p:extLst>
+  </p:cSld>
+  <p:clrMapOvr>
+    <a:masterClrMapping/>
+  </p:clrMapOvr>
+</p:sld>
+</file>
+
+<file path=ppt/slides/slide22.xml><?xml version="1.0" encoding="utf-8"?>
+<p:sld xmlns:a="http://schemas.openxmlformats.org/drawingml/2006/main" xmlns:r="http://schemas.openxmlformats.org/officeDocument/2006/relationships" xmlns:p="http://schemas.openxmlformats.org/presentationml/2006/main">
+  <p:cSld>
+    <p:spTree>
+      <p:nvGrpSpPr>
+        <p:cNvPr id="1" name=""/>
+        <p:cNvGrpSpPr/>
+        <p:nvPr/>
+      </p:nvGrpSpPr>
+      <p:grpSpPr>
+        <a:xfrm>
+          <a:off x="0" y="0"/>
+          <a:ext cx="0" cy="0"/>
+          <a:chOff x="0" y="0"/>
+          <a:chExt cx="0" cy="0"/>
+        </a:xfrm>
+      </p:grpSpPr>
+      <p:sp>
+        <p:nvSpPr>
+          <p:cNvPr id="2" name="Title 1">
+            <a:extLst>
+              <a:ext uri="{FF2B5EF4-FFF2-40B4-BE49-F238E27FC236}">
+                <a16:creationId xmlns:a16="http://schemas.microsoft.com/office/drawing/2014/main" id="{68467FD1-C077-144F-89A4-A847674AAB7D}"/>
+              </a:ext>
+            </a:extLst>
+          </p:cNvPr>
+          <p:cNvSpPr>
+            <a:spLocks noGrp="1"/>
+          </p:cNvSpPr>
+          <p:nvPr>
+            <p:ph type="title"/>
+          </p:nvPr>
+        </p:nvSpPr>
+        <p:spPr/>
+        <p:txBody>
+          <a:bodyPr/>
+          <a:lstStyle/>
+          <a:p>
+            <a:r>
+              <a:rPr lang="en-US" dirty="0"/>
+              <a:t>Keyword: this</a:t>
+            </a:r>
+          </a:p>
+        </p:txBody>
+      </p:sp>
+      <p:sp>
+        <p:nvSpPr>
+          <p:cNvPr id="3" name="Content Placeholder 2">
+            <a:extLst>
+              <a:ext uri="{FF2B5EF4-FFF2-40B4-BE49-F238E27FC236}">
+                <a16:creationId xmlns:a16="http://schemas.microsoft.com/office/drawing/2014/main" id="{AD046999-233D-454B-8C03-D6E40CC8AEB3}"/>
+              </a:ext>
+            </a:extLst>
+          </p:cNvPr>
+          <p:cNvSpPr>
+            <a:spLocks noGrp="1"/>
+          </p:cNvSpPr>
+          <p:nvPr>
+            <p:ph idx="1"/>
+          </p:nvPr>
+        </p:nvSpPr>
+        <p:spPr/>
+        <p:txBody>
+          <a:bodyPr>
+            <a:normAutofit/>
+          </a:bodyPr>
+          <a:lstStyle/>
+          <a:p>
+            <a:r>
+              <a:rPr lang="en-US" sz="2800" dirty="0"/>
+              <a:t>All instance variables can be written with the prefix </a:t>
+            </a:r>
+            <a:r>
+              <a:rPr lang="en-US" sz="2800" b="1" dirty="0"/>
+              <a:t>this</a:t>
+            </a:r>
+            <a:r>
+              <a:rPr lang="en-US" sz="2800" dirty="0"/>
+              <a:t> followed by the dot operator</a:t>
+            </a:r>
+          </a:p>
+          <a:p>
+            <a:r>
+              <a:rPr lang="en-US" sz="2800" b="1" dirty="0"/>
+              <a:t>this</a:t>
+            </a:r>
+            <a:r>
+              <a:rPr lang="en-US" sz="2800" dirty="0"/>
+              <a:t> represents an object, which is an </a:t>
+            </a:r>
+            <a:r>
+              <a:rPr lang="en-US" sz="2800" b="1" dirty="0"/>
+              <a:t>implicit parameter</a:t>
+            </a:r>
+            <a:r>
+              <a:rPr lang="en-US" sz="2800" dirty="0"/>
+              <a:t> to any methods that is invoked using </a:t>
+            </a:r>
+            <a:r>
+              <a:rPr lang="en-US" sz="2800" b="1" dirty="0"/>
+              <a:t>this</a:t>
+            </a:r>
+          </a:p>
+        </p:txBody>
+      </p:sp>
+    </p:spTree>
+    <p:extLst>
+      <p:ext uri="{BB962C8B-B14F-4D97-AF65-F5344CB8AC3E}">
+        <p14:creationId xmlns:p14="http://schemas.microsoft.com/office/powerpoint/2010/main" val="839681557"/>
+      </p:ext>
+    </p:extLst>
+  </p:cSld>
+  <p:clrMapOvr>
+    <a:masterClrMapping/>
+  </p:clrMapOvr>
+</p:sld>
+</file>
+
+<file path=ppt/slides/slide23.xml><?xml version="1.0" encoding="utf-8"?>
+<p:sld xmlns:a="http://schemas.openxmlformats.org/drawingml/2006/main" xmlns:r="http://schemas.openxmlformats.org/officeDocument/2006/relationships" xmlns:p="http://schemas.openxmlformats.org/presentationml/2006/main">
+  <p:cSld>
+    <p:spTree>
+      <p:nvGrpSpPr>
+        <p:cNvPr id="1" name=""/>
+        <p:cNvGrpSpPr/>
+        <p:nvPr/>
+      </p:nvGrpSpPr>
+      <p:grpSpPr>
+        <a:xfrm>
+          <a:off x="0" y="0"/>
+          <a:ext cx="0" cy="0"/>
+          <a:chOff x="0" y="0"/>
+          <a:chExt cx="0" cy="0"/>
+        </a:xfrm>
+      </p:grpSpPr>
+      <p:sp>
+        <p:nvSpPr>
+          <p:cNvPr id="2" name="Title 1">
+            <a:extLst>
+              <a:ext uri="{FF2B5EF4-FFF2-40B4-BE49-F238E27FC236}">
+                <a16:creationId xmlns:a16="http://schemas.microsoft.com/office/drawing/2014/main" id="{C89AD0A9-D2FC-F445-ACB2-5551816C6CF0}"/>
+              </a:ext>
+            </a:extLst>
+          </p:cNvPr>
+          <p:cNvSpPr>
+            <a:spLocks noGrp="1"/>
+          </p:cNvSpPr>
+          <p:nvPr>
+            <p:ph type="title"/>
+          </p:nvPr>
+        </p:nvSpPr>
+        <p:spPr/>
+        <p:txBody>
+          <a:bodyPr/>
+          <a:lstStyle/>
+          <a:p>
+            <a:endParaRPr lang="en-US"/>
+          </a:p>
+        </p:txBody>
+      </p:sp>
+      <p:pic>
+        <p:nvPicPr>
+          <p:cNvPr id="4" name="Content Placeholder 3">
+            <a:extLst>
+              <a:ext uri="{FF2B5EF4-FFF2-40B4-BE49-F238E27FC236}">
+                <a16:creationId xmlns:a16="http://schemas.microsoft.com/office/drawing/2014/main" id="{0F915CF7-2366-E24C-8524-FBBC2A02209C}"/>
+              </a:ext>
+            </a:extLst>
+          </p:cNvPr>
+          <p:cNvPicPr>
+            <a:picLocks noGrp="1" noChangeAspect="1"/>
+          </p:cNvPicPr>
+          <p:nvPr>
+            <p:ph idx="1"/>
+          </p:nvPr>
+        </p:nvPicPr>
+        <p:blipFill>
+          <a:blip r:embed="rId2"/>
+          <a:stretch>
+            <a:fillRect/>
+          </a:stretch>
+        </p:blipFill>
+        <p:spPr>
+          <a:xfrm>
+            <a:off x="691079" y="2643447"/>
+            <a:ext cx="10703732" cy="1852569"/>
+          </a:xfrm>
+          <a:prstGeom prst="rect">
+            <a:avLst/>
+          </a:prstGeom>
+        </p:spPr>
+      </p:pic>
+    </p:spTree>
+    <p:extLst>
+      <p:ext uri="{BB962C8B-B14F-4D97-AF65-F5344CB8AC3E}">
+        <p14:creationId xmlns:p14="http://schemas.microsoft.com/office/powerpoint/2010/main" val="3089568761"/>
+      </p:ext>
+    </p:extLst>
+  </p:cSld>
+  <p:clrMapOvr>
+    <a:masterClrMapping/>
+  </p:clrMapOvr>
+</p:sld>
+</file>
+
+<file path=ppt/slides/slide24.xml><?xml version="1.0" encoding="utf-8"?>
+<p:sld xmlns:a="http://schemas.openxmlformats.org/drawingml/2006/main" xmlns:r="http://schemas.openxmlformats.org/officeDocument/2006/relationships" xmlns:p="http://schemas.openxmlformats.org/presentationml/2006/main">
+  <p:cSld>
+    <p:spTree>
+      <p:nvGrpSpPr>
+        <p:cNvPr id="1" name=""/>
+        <p:cNvGrpSpPr/>
+        <p:nvPr/>
+      </p:nvGrpSpPr>
+      <p:grpSpPr>
+        <a:xfrm>
+          <a:off x="0" y="0"/>
+          <a:ext cx="0" cy="0"/>
+          <a:chOff x="0" y="0"/>
+          <a:chExt cx="0" cy="0"/>
+        </a:xfrm>
+      </p:grpSpPr>
+      <p:sp>
+        <p:nvSpPr>
+          <p:cNvPr id="2" name="Title 1">
+            <a:extLst>
+              <a:ext uri="{FF2B5EF4-FFF2-40B4-BE49-F238E27FC236}">
+                <a16:creationId xmlns:a16="http://schemas.microsoft.com/office/drawing/2014/main" id="{77B1E52A-1EBA-2D4C-BBDC-598580BCA726}"/>
+              </a:ext>
+            </a:extLst>
+          </p:cNvPr>
+          <p:cNvSpPr>
+            <a:spLocks noGrp="1"/>
+          </p:cNvSpPr>
+          <p:nvPr>
+            <p:ph type="title"/>
+          </p:nvPr>
+        </p:nvSpPr>
+        <p:spPr/>
+        <p:txBody>
+          <a:bodyPr/>
+          <a:lstStyle/>
+          <a:p>
+            <a:endParaRPr lang="en-US"/>
+          </a:p>
+        </p:txBody>
+      </p:sp>
+      <p:sp>
+        <p:nvSpPr>
+          <p:cNvPr id="3" name="Content Placeholder 2">
+            <a:extLst>
+              <a:ext uri="{FF2B5EF4-FFF2-40B4-BE49-F238E27FC236}">
+                <a16:creationId xmlns:a16="http://schemas.microsoft.com/office/drawing/2014/main" id="{CCAE0616-82D9-3944-9A4A-7192CD4F1575}"/>
+              </a:ext>
+            </a:extLst>
+          </p:cNvPr>
+          <p:cNvSpPr>
+            <a:spLocks noGrp="1"/>
+          </p:cNvSpPr>
+          <p:nvPr>
+            <p:ph idx="1"/>
+          </p:nvPr>
+        </p:nvSpPr>
+        <p:spPr/>
+        <p:txBody>
+          <a:bodyPr/>
+          <a:lstStyle/>
+          <a:p>
+            <a:endParaRPr lang="en-US"/>
+          </a:p>
+        </p:txBody>
+      </p:sp>
+    </p:spTree>
+    <p:extLst>
+      <p:ext uri="{BB962C8B-B14F-4D97-AF65-F5344CB8AC3E}">
+        <p14:creationId xmlns:p14="http://schemas.microsoft.com/office/powerpoint/2010/main" val="1536012881"/>
+      </p:ext>
+    </p:extLst>
+  </p:cSld>
+  <p:clrMapOvr>
+    <a:masterClrMapping/>
+  </p:clrMapOvr>
+</p:sld>
+</file>
+
+<file path=ppt/slides/slide25.xml><?xml version="1.0" encoding="utf-8"?>
+<p:sld xmlns:a="http://schemas.openxmlformats.org/drawingml/2006/main" xmlns:r="http://schemas.openxmlformats.org/officeDocument/2006/relationships" xmlns:p="http://schemas.openxmlformats.org/presentationml/2006/main">
+  <p:cSld>
+    <p:spTree>
+      <p:nvGrpSpPr>
+        <p:cNvPr id="1" name=""/>
+        <p:cNvGrpSpPr/>
+        <p:nvPr/>
+      </p:nvGrpSpPr>
+      <p:grpSpPr>
+        <a:xfrm>
+          <a:off x="0" y="0"/>
+          <a:ext cx="0" cy="0"/>
+          <a:chOff x="0" y="0"/>
+          <a:chExt cx="0" cy="0"/>
+        </a:xfrm>
+      </p:grpSpPr>
+      <p:sp>
+        <p:nvSpPr>
+          <p:cNvPr id="2" name="Title 1">
+            <a:extLst>
+              <a:ext uri="{FF2B5EF4-FFF2-40B4-BE49-F238E27FC236}">
+                <a16:creationId xmlns:a16="http://schemas.microsoft.com/office/drawing/2014/main" id="{EF99502A-AB3D-E041-A9C2-37FAB28F687C}"/>
+              </a:ext>
+            </a:extLst>
+          </p:cNvPr>
+          <p:cNvSpPr>
+            <a:spLocks noGrp="1"/>
+          </p:cNvSpPr>
+          <p:nvPr>
+            <p:ph type="title"/>
+          </p:nvPr>
+        </p:nvSpPr>
+        <p:spPr/>
+        <p:txBody>
+          <a:bodyPr/>
+          <a:lstStyle/>
+          <a:p>
+            <a:endParaRPr lang="en-US"/>
+          </a:p>
+        </p:txBody>
+      </p:sp>
+      <p:sp>
+        <p:nvSpPr>
+          <p:cNvPr id="3" name="Content Placeholder 2">
+            <a:extLst>
+              <a:ext uri="{FF2B5EF4-FFF2-40B4-BE49-F238E27FC236}">
+                <a16:creationId xmlns:a16="http://schemas.microsoft.com/office/drawing/2014/main" id="{6C2D1120-FDF5-3B4F-8DB3-D230E48F7812}"/>
+              </a:ext>
+            </a:extLst>
+          </p:cNvPr>
+          <p:cNvSpPr>
+            <a:spLocks noGrp="1"/>
+          </p:cNvSpPr>
+          <p:nvPr>
+            <p:ph idx="1"/>
+          </p:nvPr>
+        </p:nvSpPr>
+        <p:spPr/>
+        <p:txBody>
+          <a:bodyPr/>
+          <a:lstStyle/>
+          <a:p>
+            <a:endParaRPr lang="en-US"/>
+          </a:p>
+        </p:txBody>
+      </p:sp>
+    </p:spTree>
+    <p:extLst>
+      <p:ext uri="{BB962C8B-B14F-4D97-AF65-F5344CB8AC3E}">
+        <p14:creationId xmlns:p14="http://schemas.microsoft.com/office/powerpoint/2010/main" val="1725611656"/>
+      </p:ext>
+    </p:extLst>
+  </p:cSld>
+  <p:clrMapOvr>
+    <a:masterClrMapping/>
+  </p:clrMapOvr>
+</p:sld>
+</file>
+
+<file path=ppt/slides/slide26.xml><?xml version="1.0" encoding="utf-8"?>
+<p:sld xmlns:a="http://schemas.openxmlformats.org/drawingml/2006/main" xmlns:r="http://schemas.openxmlformats.org/officeDocument/2006/relationships" xmlns:p="http://schemas.openxmlformats.org/presentationml/2006/main">
+  <p:cSld>
+    <p:spTree>
+      <p:nvGrpSpPr>
+        <p:cNvPr id="1" name=""/>
+        <p:cNvGrpSpPr/>
+        <p:nvPr/>
+      </p:nvGrpSpPr>
+      <p:grpSpPr>
+        <a:xfrm>
+          <a:off x="0" y="0"/>
+          <a:ext cx="0" cy="0"/>
+          <a:chOff x="0" y="0"/>
+          <a:chExt cx="0" cy="0"/>
+        </a:xfrm>
+      </p:grpSpPr>
+      <p:sp>
+        <p:nvSpPr>
+          <p:cNvPr id="2" name="Title 1">
+            <a:extLst>
+              <a:ext uri="{FF2B5EF4-FFF2-40B4-BE49-F238E27FC236}">
+                <a16:creationId xmlns:a16="http://schemas.microsoft.com/office/drawing/2014/main" id="{E2C262FF-2E4C-ED48-901E-6CDADA1FAEE5}"/>
+              </a:ext>
+            </a:extLst>
+          </p:cNvPr>
+          <p:cNvSpPr>
+            <a:spLocks noGrp="1"/>
+          </p:cNvSpPr>
+          <p:nvPr>
+            <p:ph type="title"/>
+          </p:nvPr>
+        </p:nvSpPr>
+        <p:spPr/>
+        <p:txBody>
+          <a:bodyPr/>
+          <a:lstStyle/>
+          <a:p>
+            <a:endParaRPr lang="en-US"/>
+          </a:p>
+        </p:txBody>
+      </p:sp>
+      <p:sp>
+        <p:nvSpPr>
+          <p:cNvPr id="3" name="Content Placeholder 2">
+            <a:extLst>
+              <a:ext uri="{FF2B5EF4-FFF2-40B4-BE49-F238E27FC236}">
+                <a16:creationId xmlns:a16="http://schemas.microsoft.com/office/drawing/2014/main" id="{104EF5DE-3264-964C-88C7-F0273F60CB7B}"/>
+              </a:ext>
+            </a:extLst>
+          </p:cNvPr>
+          <p:cNvSpPr>
+            <a:spLocks noGrp="1"/>
+          </p:cNvSpPr>
+          <p:nvPr>
+            <p:ph idx="1"/>
+          </p:nvPr>
+        </p:nvSpPr>
+        <p:spPr/>
+        <p:txBody>
+          <a:bodyPr/>
+          <a:lstStyle/>
+          <a:p>
+            <a:endParaRPr lang="en-US"/>
+          </a:p>
+        </p:txBody>
+      </p:sp>
+    </p:spTree>
+    <p:extLst>
+      <p:ext uri="{BB962C8B-B14F-4D97-AF65-F5344CB8AC3E}">
+        <p14:creationId xmlns:p14="http://schemas.microsoft.com/office/powerpoint/2010/main" val="267207249"/>
+      </p:ext>
+    </p:extLst>
+  </p:cSld>
+  <p:clrMapOvr>
+    <a:masterClrMapping/>
+  </p:clrMapOvr>
+</p:sld>
+</file>
+
+<file path=ppt/slides/slide27.xml><?xml version="1.0" encoding="utf-8"?>
+<p:sld xmlns:a="http://schemas.openxmlformats.org/drawingml/2006/main" xmlns:r="http://schemas.openxmlformats.org/officeDocument/2006/relationships" xmlns:p="http://schemas.openxmlformats.org/presentationml/2006/main">
+  <p:cSld>
+    <p:spTree>
+      <p:nvGrpSpPr>
+        <p:cNvPr id="1" name=""/>
+        <p:cNvGrpSpPr/>
+        <p:nvPr/>
+      </p:nvGrpSpPr>
+      <p:grpSpPr>
+        <a:xfrm>
+          <a:off x="0" y="0"/>
+          <a:ext cx="0" cy="0"/>
+          <a:chOff x="0" y="0"/>
+          <a:chExt cx="0" cy="0"/>
+        </a:xfrm>
+      </p:grpSpPr>
+      <p:sp>
+        <p:nvSpPr>
+          <p:cNvPr id="2" name="Title 1">
+            <a:extLst>
+              <a:ext uri="{FF2B5EF4-FFF2-40B4-BE49-F238E27FC236}">
+                <a16:creationId xmlns:a16="http://schemas.microsoft.com/office/drawing/2014/main" id="{BAC59146-024F-6E4C-9AA0-C00F5B9E7B51}"/>
+              </a:ext>
+            </a:extLst>
+          </p:cNvPr>
+          <p:cNvSpPr>
+            <a:spLocks noGrp="1"/>
+          </p:cNvSpPr>
+          <p:nvPr>
+            <p:ph type="title"/>
+          </p:nvPr>
+        </p:nvSpPr>
+        <p:spPr/>
+        <p:txBody>
+          <a:bodyPr/>
+          <a:lstStyle/>
+          <a:p>
+            <a:endParaRPr lang="en-US"/>
+          </a:p>
+        </p:txBody>
+      </p:sp>
+      <p:sp>
+        <p:nvSpPr>
+          <p:cNvPr id="3" name="Content Placeholder 2">
+            <a:extLst>
+              <a:ext uri="{FF2B5EF4-FFF2-40B4-BE49-F238E27FC236}">
+                <a16:creationId xmlns:a16="http://schemas.microsoft.com/office/drawing/2014/main" id="{266C86B9-BE17-DF4B-ABDA-9BB419CB841D}"/>
+              </a:ext>
+            </a:extLst>
+          </p:cNvPr>
+          <p:cNvSpPr>
+            <a:spLocks noGrp="1"/>
+          </p:cNvSpPr>
+          <p:nvPr>
+            <p:ph idx="1"/>
+          </p:nvPr>
+        </p:nvSpPr>
+        <p:spPr/>
+        <p:txBody>
+          <a:bodyPr/>
+          <a:lstStyle/>
+          <a:p>
+            <a:endParaRPr lang="en-US"/>
+          </a:p>
+        </p:txBody>
+      </p:sp>
+    </p:spTree>
+    <p:extLst>
+      <p:ext uri="{BB962C8B-B14F-4D97-AF65-F5344CB8AC3E}">
+        <p14:creationId xmlns:p14="http://schemas.microsoft.com/office/powerpoint/2010/main" val="3199182123"/>
+      </p:ext>
+    </p:extLst>
+  </p:cSld>
+  <p:clrMapOvr>
+    <a:masterClrMapping/>
+  </p:clrMapOvr>
+</p:sld>
+</file>
+
+<file path=ppt/slides/slide28.xml><?xml version="1.0" encoding="utf-8"?>
+<p:sld xmlns:a="http://schemas.openxmlformats.org/drawingml/2006/main" xmlns:r="http://schemas.openxmlformats.org/officeDocument/2006/relationships" xmlns:p="http://schemas.openxmlformats.org/presentationml/2006/main">
+  <p:cSld>
+    <p:spTree>
+      <p:nvGrpSpPr>
+        <p:cNvPr id="1" name=""/>
+        <p:cNvGrpSpPr/>
+        <p:nvPr/>
+      </p:nvGrpSpPr>
+      <p:grpSpPr>
+        <a:xfrm>
+          <a:off x="0" y="0"/>
+          <a:ext cx="0" cy="0"/>
+          <a:chOff x="0" y="0"/>
+          <a:chExt cx="0" cy="0"/>
+        </a:xfrm>
+      </p:grpSpPr>
+      <p:sp>
+        <p:nvSpPr>
+          <p:cNvPr id="2" name="Title 1">
+            <a:extLst>
+              <a:ext uri="{FF2B5EF4-FFF2-40B4-BE49-F238E27FC236}">
+                <a16:creationId xmlns:a16="http://schemas.microsoft.com/office/drawing/2014/main" id="{EB23C597-84F6-D44F-8D07-B7685D01969B}"/>
+              </a:ext>
+            </a:extLst>
+          </p:cNvPr>
+          <p:cNvSpPr>
+            <a:spLocks noGrp="1"/>
+          </p:cNvSpPr>
+          <p:nvPr>
+            <p:ph type="title"/>
+          </p:nvPr>
+        </p:nvSpPr>
+        <p:spPr/>
+        <p:txBody>
+          <a:bodyPr/>
+          <a:lstStyle/>
+          <a:p>
+            <a:endParaRPr lang="en-US"/>
+          </a:p>
+        </p:txBody>
+      </p:sp>
+      <p:sp>
+        <p:nvSpPr>
+          <p:cNvPr id="3" name="Content Placeholder 2">
+            <a:extLst>
+              <a:ext uri="{FF2B5EF4-FFF2-40B4-BE49-F238E27FC236}">
+                <a16:creationId xmlns:a16="http://schemas.microsoft.com/office/drawing/2014/main" id="{9E513CFE-580A-3E47-B0F2-502BB0F16A2E}"/>
+              </a:ext>
+            </a:extLst>
+          </p:cNvPr>
+          <p:cNvSpPr>
+            <a:spLocks noGrp="1"/>
+          </p:cNvSpPr>
+          <p:nvPr>
+            <p:ph idx="1"/>
+          </p:nvPr>
+        </p:nvSpPr>
+        <p:spPr/>
+        <p:txBody>
+          <a:bodyPr/>
+          <a:lstStyle/>
+          <a:p>
+            <a:endParaRPr lang="en-US"/>
+          </a:p>
+        </p:txBody>
+      </p:sp>
+    </p:spTree>
+    <p:extLst>
+      <p:ext uri="{BB962C8B-B14F-4D97-AF65-F5344CB8AC3E}">
+        <p14:creationId xmlns:p14="http://schemas.microsoft.com/office/powerpoint/2010/main" val="1977368275"/>
+      </p:ext>
+    </p:extLst>
+  </p:cSld>
+  <p:clrMapOvr>
+    <a:masterClrMapping/>
+  </p:clrMapOvr>
+</p:sld>
+</file>
+
+<file path=ppt/slides/slide29.xml><?xml version="1.0" encoding="utf-8"?>
+<p:sld xmlns:a="http://schemas.openxmlformats.org/drawingml/2006/main" xmlns:r="http://schemas.openxmlformats.org/officeDocument/2006/relationships" xmlns:p="http://schemas.openxmlformats.org/presentationml/2006/main">
+  <p:cSld>
+    <p:spTree>
+      <p:nvGrpSpPr>
+        <p:cNvPr id="1" name=""/>
+        <p:cNvGrpSpPr/>
+        <p:nvPr/>
+      </p:nvGrpSpPr>
+      <p:grpSpPr>
+        <a:xfrm>
+          <a:off x="0" y="0"/>
+          <a:ext cx="0" cy="0"/>
+          <a:chOff x="0" y="0"/>
+          <a:chExt cx="0" cy="0"/>
+        </a:xfrm>
+      </p:grpSpPr>
+      <p:sp>
+        <p:nvSpPr>
+          <p:cNvPr id="2" name="Title 1">
+            <a:extLst>
+              <a:ext uri="{FF2B5EF4-FFF2-40B4-BE49-F238E27FC236}">
+                <a16:creationId xmlns:a16="http://schemas.microsoft.com/office/drawing/2014/main" id="{1DEE1E12-8EAB-BD41-8A02-55F18012F9AB}"/>
+              </a:ext>
+            </a:extLst>
+          </p:cNvPr>
+          <p:cNvSpPr>
+            <a:spLocks noGrp="1"/>
+          </p:cNvSpPr>
+          <p:nvPr>
+            <p:ph type="title"/>
+          </p:nvPr>
+        </p:nvSpPr>
+        <p:spPr/>
+        <p:txBody>
+          <a:bodyPr/>
+          <a:lstStyle/>
+          <a:p>
+            <a:endParaRPr lang="en-US"/>
+          </a:p>
+        </p:txBody>
+      </p:sp>
+      <p:sp>
+        <p:nvSpPr>
+          <p:cNvPr id="3" name="Content Placeholder 2">
+            <a:extLst>
+              <a:ext uri="{FF2B5EF4-FFF2-40B4-BE49-F238E27FC236}">
+                <a16:creationId xmlns:a16="http://schemas.microsoft.com/office/drawing/2014/main" id="{4D2427DD-6841-B547-9399-0B73A6126883}"/>
+              </a:ext>
+            </a:extLst>
+          </p:cNvPr>
+          <p:cNvSpPr>
+            <a:spLocks noGrp="1"/>
+          </p:cNvSpPr>
+          <p:nvPr>
+            <p:ph idx="1"/>
+          </p:nvPr>
+        </p:nvSpPr>
+        <p:spPr/>
+        <p:txBody>
+          <a:bodyPr/>
+          <a:lstStyle/>
+          <a:p>
+            <a:endParaRPr lang="en-US"/>
+          </a:p>
+        </p:txBody>
+      </p:sp>
+    </p:spTree>
+    <p:extLst>
+      <p:ext uri="{BB962C8B-B14F-4D97-AF65-F5344CB8AC3E}">
+        <p14:creationId xmlns:p14="http://schemas.microsoft.com/office/powerpoint/2010/main" val="976229135"/>
+      </p:ext>
+    </p:extLst>
+  </p:cSld>
+  <p:clrMapOvr>
+    <a:masterClrMapping/>
+  </p:clrMapOvr>
+</p:sld>
+</file>
+
 <file path=ppt/slides/slide3.xml><?xml version="1.0" encoding="utf-8"?>
 <p:sld xmlns:a="http://schemas.openxmlformats.org/drawingml/2006/main" xmlns:r="http://schemas.openxmlformats.org/officeDocument/2006/relationships" xmlns:p="http://schemas.openxmlformats.org/presentationml/2006/main">
   <p:cSld>
@@ -16224,6 +18802,809 @@
     <p:extLst>
       <p:ext uri="{BB962C8B-B14F-4D97-AF65-F5344CB8AC3E}">
         <p14:creationId xmlns:p14="http://schemas.microsoft.com/office/powerpoint/2010/main" val="3771358291"/>
+      </p:ext>
+    </p:extLst>
+  </p:cSld>
+  <p:clrMapOvr>
+    <a:masterClrMapping/>
+  </p:clrMapOvr>
+</p:sld>
+</file>
+
+<file path=ppt/slides/slide30.xml><?xml version="1.0" encoding="utf-8"?>
+<p:sld xmlns:a="http://schemas.openxmlformats.org/drawingml/2006/main" xmlns:r="http://schemas.openxmlformats.org/officeDocument/2006/relationships" xmlns:p="http://schemas.openxmlformats.org/presentationml/2006/main">
+  <p:cSld>
+    <p:spTree>
+      <p:nvGrpSpPr>
+        <p:cNvPr id="1" name=""/>
+        <p:cNvGrpSpPr/>
+        <p:nvPr/>
+      </p:nvGrpSpPr>
+      <p:grpSpPr>
+        <a:xfrm>
+          <a:off x="0" y="0"/>
+          <a:ext cx="0" cy="0"/>
+          <a:chOff x="0" y="0"/>
+          <a:chExt cx="0" cy="0"/>
+        </a:xfrm>
+      </p:grpSpPr>
+      <p:sp>
+        <p:nvSpPr>
+          <p:cNvPr id="2" name="Title 1">
+            <a:extLst>
+              <a:ext uri="{FF2B5EF4-FFF2-40B4-BE49-F238E27FC236}">
+                <a16:creationId xmlns:a16="http://schemas.microsoft.com/office/drawing/2014/main" id="{5E0178F0-0A7C-6741-96A2-E1A030C75B30}"/>
+              </a:ext>
+            </a:extLst>
+          </p:cNvPr>
+          <p:cNvSpPr>
+            <a:spLocks noGrp="1"/>
+          </p:cNvSpPr>
+          <p:nvPr>
+            <p:ph type="title"/>
+          </p:nvPr>
+        </p:nvSpPr>
+        <p:spPr/>
+        <p:txBody>
+          <a:bodyPr/>
+          <a:lstStyle/>
+          <a:p>
+            <a:endParaRPr lang="en-US"/>
+          </a:p>
+        </p:txBody>
+      </p:sp>
+      <p:sp>
+        <p:nvSpPr>
+          <p:cNvPr id="3" name="Content Placeholder 2">
+            <a:extLst>
+              <a:ext uri="{FF2B5EF4-FFF2-40B4-BE49-F238E27FC236}">
+                <a16:creationId xmlns:a16="http://schemas.microsoft.com/office/drawing/2014/main" id="{AF262B6A-D628-7943-8C52-AD5211957DAE}"/>
+              </a:ext>
+            </a:extLst>
+          </p:cNvPr>
+          <p:cNvSpPr>
+            <a:spLocks noGrp="1"/>
+          </p:cNvSpPr>
+          <p:nvPr>
+            <p:ph idx="1"/>
+          </p:nvPr>
+        </p:nvSpPr>
+        <p:spPr/>
+        <p:txBody>
+          <a:bodyPr/>
+          <a:lstStyle/>
+          <a:p>
+            <a:endParaRPr lang="en-US"/>
+          </a:p>
+        </p:txBody>
+      </p:sp>
+    </p:spTree>
+    <p:extLst>
+      <p:ext uri="{BB962C8B-B14F-4D97-AF65-F5344CB8AC3E}">
+        <p14:creationId xmlns:p14="http://schemas.microsoft.com/office/powerpoint/2010/main" val="1575268605"/>
+      </p:ext>
+    </p:extLst>
+  </p:cSld>
+  <p:clrMapOvr>
+    <a:masterClrMapping/>
+  </p:clrMapOvr>
+</p:sld>
+</file>
+
+<file path=ppt/slides/slide31.xml><?xml version="1.0" encoding="utf-8"?>
+<p:sld xmlns:a="http://schemas.openxmlformats.org/drawingml/2006/main" xmlns:r="http://schemas.openxmlformats.org/officeDocument/2006/relationships" xmlns:p="http://schemas.openxmlformats.org/presentationml/2006/main">
+  <p:cSld>
+    <p:spTree>
+      <p:nvGrpSpPr>
+        <p:cNvPr id="1" name=""/>
+        <p:cNvGrpSpPr/>
+        <p:nvPr/>
+      </p:nvGrpSpPr>
+      <p:grpSpPr>
+        <a:xfrm>
+          <a:off x="0" y="0"/>
+          <a:ext cx="0" cy="0"/>
+          <a:chOff x="0" y="0"/>
+          <a:chExt cx="0" cy="0"/>
+        </a:xfrm>
+      </p:grpSpPr>
+      <p:sp>
+        <p:nvSpPr>
+          <p:cNvPr id="2" name="Title 1">
+            <a:extLst>
+              <a:ext uri="{FF2B5EF4-FFF2-40B4-BE49-F238E27FC236}">
+                <a16:creationId xmlns:a16="http://schemas.microsoft.com/office/drawing/2014/main" id="{D18D8759-F775-564A-9A3C-AB3D4F0B0D2F}"/>
+              </a:ext>
+            </a:extLst>
+          </p:cNvPr>
+          <p:cNvSpPr>
+            <a:spLocks noGrp="1"/>
+          </p:cNvSpPr>
+          <p:nvPr>
+            <p:ph type="title"/>
+          </p:nvPr>
+        </p:nvSpPr>
+        <p:spPr/>
+        <p:txBody>
+          <a:bodyPr/>
+          <a:lstStyle/>
+          <a:p>
+            <a:endParaRPr lang="en-US"/>
+          </a:p>
+        </p:txBody>
+      </p:sp>
+      <p:sp>
+        <p:nvSpPr>
+          <p:cNvPr id="3" name="Content Placeholder 2">
+            <a:extLst>
+              <a:ext uri="{FF2B5EF4-FFF2-40B4-BE49-F238E27FC236}">
+                <a16:creationId xmlns:a16="http://schemas.microsoft.com/office/drawing/2014/main" id="{C0F1454E-E851-4847-B06A-9FD5E29A41BF}"/>
+              </a:ext>
+            </a:extLst>
+          </p:cNvPr>
+          <p:cNvSpPr>
+            <a:spLocks noGrp="1"/>
+          </p:cNvSpPr>
+          <p:nvPr>
+            <p:ph idx="1"/>
+          </p:nvPr>
+        </p:nvSpPr>
+        <p:spPr/>
+        <p:txBody>
+          <a:bodyPr/>
+          <a:lstStyle/>
+          <a:p>
+            <a:endParaRPr lang="en-US"/>
+          </a:p>
+        </p:txBody>
+      </p:sp>
+    </p:spTree>
+    <p:extLst>
+      <p:ext uri="{BB962C8B-B14F-4D97-AF65-F5344CB8AC3E}">
+        <p14:creationId xmlns:p14="http://schemas.microsoft.com/office/powerpoint/2010/main" val="996985274"/>
+      </p:ext>
+    </p:extLst>
+  </p:cSld>
+  <p:clrMapOvr>
+    <a:masterClrMapping/>
+  </p:clrMapOvr>
+</p:sld>
+</file>
+
+<file path=ppt/slides/slide4.xml><?xml version="1.0" encoding="utf-8"?>
+<p:sld xmlns:a="http://schemas.openxmlformats.org/drawingml/2006/main" xmlns:r="http://schemas.openxmlformats.org/officeDocument/2006/relationships" xmlns:p="http://schemas.openxmlformats.org/presentationml/2006/main">
+  <p:cSld>
+    <p:spTree>
+      <p:nvGrpSpPr>
+        <p:cNvPr id="1" name=""/>
+        <p:cNvGrpSpPr/>
+        <p:nvPr/>
+      </p:nvGrpSpPr>
+      <p:grpSpPr>
+        <a:xfrm>
+          <a:off x="0" y="0"/>
+          <a:ext cx="0" cy="0"/>
+          <a:chOff x="0" y="0"/>
+          <a:chExt cx="0" cy="0"/>
+        </a:xfrm>
+      </p:grpSpPr>
+      <p:sp>
+        <p:nvSpPr>
+          <p:cNvPr id="2" name="Title 1">
+            <a:extLst>
+              <a:ext uri="{FF2B5EF4-FFF2-40B4-BE49-F238E27FC236}">
+                <a16:creationId xmlns:a16="http://schemas.microsoft.com/office/drawing/2014/main" id="{9607661A-6BB4-C449-92DC-00F293FBD958}"/>
+              </a:ext>
+            </a:extLst>
+          </p:cNvPr>
+          <p:cNvSpPr>
+            <a:spLocks noGrp="1"/>
+          </p:cNvSpPr>
+          <p:nvPr>
+            <p:ph type="title"/>
+          </p:nvPr>
+        </p:nvSpPr>
+        <p:spPr/>
+        <p:txBody>
+          <a:bodyPr/>
+          <a:lstStyle/>
+          <a:p>
+            <a:r>
+              <a:rPr lang="en-US" dirty="0"/>
+              <a:t>Keyword: public</a:t>
+            </a:r>
+          </a:p>
+        </p:txBody>
+      </p:sp>
+      <p:sp>
+        <p:nvSpPr>
+          <p:cNvPr id="3" name="Content Placeholder 2">
+            <a:extLst>
+              <a:ext uri="{FF2B5EF4-FFF2-40B4-BE49-F238E27FC236}">
+                <a16:creationId xmlns:a16="http://schemas.microsoft.com/office/drawing/2014/main" id="{D770A882-DEC4-FD4D-98F1-A0ED293F6315}"/>
+              </a:ext>
+            </a:extLst>
+          </p:cNvPr>
+          <p:cNvSpPr>
+            <a:spLocks noGrp="1"/>
+          </p:cNvSpPr>
+          <p:nvPr>
+            <p:ph idx="1"/>
+          </p:nvPr>
+        </p:nvSpPr>
+        <p:spPr/>
+        <p:txBody>
+          <a:bodyPr>
+            <a:normAutofit/>
+          </a:bodyPr>
+          <a:lstStyle/>
+          <a:p>
+            <a:r>
+              <a:rPr lang="en-US" sz="3200" dirty="0"/>
+              <a:t>Public classes are usable by all client programs</a:t>
+            </a:r>
+          </a:p>
+          <a:p>
+            <a:r>
+              <a:rPr lang="en-US" sz="3200" dirty="0"/>
+              <a:t>Public methods are accessible to all client programs</a:t>
+            </a:r>
+          </a:p>
+        </p:txBody>
+      </p:sp>
+    </p:spTree>
+    <p:extLst>
+      <p:ext uri="{BB962C8B-B14F-4D97-AF65-F5344CB8AC3E}">
+        <p14:creationId xmlns:p14="http://schemas.microsoft.com/office/powerpoint/2010/main" val="2235595431"/>
+      </p:ext>
+    </p:extLst>
+  </p:cSld>
+  <p:clrMapOvr>
+    <a:masterClrMapping/>
+  </p:clrMapOvr>
+</p:sld>
+</file>
+
+<file path=ppt/slides/slide5.xml><?xml version="1.0" encoding="utf-8"?>
+<p:sld xmlns:a="http://schemas.openxmlformats.org/drawingml/2006/main" xmlns:r="http://schemas.openxmlformats.org/officeDocument/2006/relationships" xmlns:p="http://schemas.openxmlformats.org/presentationml/2006/main">
+  <p:cSld>
+    <p:spTree>
+      <p:nvGrpSpPr>
+        <p:cNvPr id="1" name=""/>
+        <p:cNvGrpSpPr/>
+        <p:nvPr/>
+      </p:nvGrpSpPr>
+      <p:grpSpPr>
+        <a:xfrm>
+          <a:off x="0" y="0"/>
+          <a:ext cx="0" cy="0"/>
+          <a:chOff x="0" y="0"/>
+          <a:chExt cx="0" cy="0"/>
+        </a:xfrm>
+      </p:grpSpPr>
+      <p:sp>
+        <p:nvSpPr>
+          <p:cNvPr id="2" name="Title 1">
+            <a:extLst>
+              <a:ext uri="{FF2B5EF4-FFF2-40B4-BE49-F238E27FC236}">
+                <a16:creationId xmlns:a16="http://schemas.microsoft.com/office/drawing/2014/main" id="{3120EDD3-BC4D-0546-BEAB-DB23205AE909}"/>
+              </a:ext>
+            </a:extLst>
+          </p:cNvPr>
+          <p:cNvSpPr>
+            <a:spLocks noGrp="1"/>
+          </p:cNvSpPr>
+          <p:nvPr>
+            <p:ph type="title"/>
+          </p:nvPr>
+        </p:nvSpPr>
+        <p:spPr/>
+        <p:txBody>
+          <a:bodyPr/>
+          <a:lstStyle/>
+          <a:p>
+            <a:r>
+              <a:rPr lang="en-US" dirty="0"/>
+              <a:t>Keyword: private</a:t>
+            </a:r>
+          </a:p>
+        </p:txBody>
+      </p:sp>
+      <p:sp>
+        <p:nvSpPr>
+          <p:cNvPr id="3" name="Content Placeholder 2">
+            <a:extLst>
+              <a:ext uri="{FF2B5EF4-FFF2-40B4-BE49-F238E27FC236}">
+                <a16:creationId xmlns:a16="http://schemas.microsoft.com/office/drawing/2014/main" id="{E63EA27C-D0C8-6646-AF6F-91199E6D1AE9}"/>
+              </a:ext>
+            </a:extLst>
+          </p:cNvPr>
+          <p:cNvSpPr>
+            <a:spLocks noGrp="1"/>
+          </p:cNvSpPr>
+          <p:nvPr>
+            <p:ph idx="1"/>
+          </p:nvPr>
+        </p:nvSpPr>
+        <p:spPr/>
+        <p:txBody>
+          <a:bodyPr>
+            <a:normAutofit/>
+          </a:bodyPr>
+          <a:lstStyle/>
+          <a:p>
+            <a:r>
+              <a:rPr lang="en-US" sz="2800" dirty="0"/>
+              <a:t>Clients cannot access private instance variables or private methods of the class</a:t>
+            </a:r>
+          </a:p>
+          <a:p>
+            <a:r>
+              <a:rPr lang="en-US" sz="2800" dirty="0"/>
+              <a:t>Restriction of access is known as </a:t>
+            </a:r>
+            <a:r>
+              <a:rPr lang="en-US" sz="2800" b="1" dirty="0"/>
+              <a:t>information hiding</a:t>
+            </a:r>
+          </a:p>
+          <a:p>
+            <a:r>
+              <a:rPr lang="en-US" sz="2800" dirty="0"/>
+              <a:t>Private methods and variables in a class can be accessed only by methods of that class</a:t>
+            </a:r>
+          </a:p>
+        </p:txBody>
+      </p:sp>
+    </p:spTree>
+    <p:extLst>
+      <p:ext uri="{BB962C8B-B14F-4D97-AF65-F5344CB8AC3E}">
+        <p14:creationId xmlns:p14="http://schemas.microsoft.com/office/powerpoint/2010/main" val="2291466419"/>
+      </p:ext>
+    </p:extLst>
+  </p:cSld>
+  <p:clrMapOvr>
+    <a:masterClrMapping/>
+  </p:clrMapOvr>
+</p:sld>
+</file>
+
+<file path=ppt/slides/slide6.xml><?xml version="1.0" encoding="utf-8"?>
+<p:sld xmlns:a="http://schemas.openxmlformats.org/drawingml/2006/main" xmlns:r="http://schemas.openxmlformats.org/officeDocument/2006/relationships" xmlns:p="http://schemas.openxmlformats.org/presentationml/2006/main">
+  <p:cSld>
+    <p:spTree>
+      <p:nvGrpSpPr>
+        <p:cNvPr id="1" name=""/>
+        <p:cNvGrpSpPr/>
+        <p:nvPr/>
+      </p:nvGrpSpPr>
+      <p:grpSpPr>
+        <a:xfrm>
+          <a:off x="0" y="0"/>
+          <a:ext cx="0" cy="0"/>
+          <a:chOff x="0" y="0"/>
+          <a:chExt cx="0" cy="0"/>
+        </a:xfrm>
+      </p:grpSpPr>
+      <p:sp>
+        <p:nvSpPr>
+          <p:cNvPr id="2" name="Title 1">
+            <a:extLst>
+              <a:ext uri="{FF2B5EF4-FFF2-40B4-BE49-F238E27FC236}">
+                <a16:creationId xmlns:a16="http://schemas.microsoft.com/office/drawing/2014/main" id="{A6506C93-AE16-5E42-A125-7BE11E5F5610}"/>
+              </a:ext>
+            </a:extLst>
+          </p:cNvPr>
+          <p:cNvSpPr>
+            <a:spLocks noGrp="1"/>
+          </p:cNvSpPr>
+          <p:nvPr>
+            <p:ph type="title"/>
+          </p:nvPr>
+        </p:nvSpPr>
+        <p:spPr/>
+        <p:txBody>
+          <a:bodyPr/>
+          <a:lstStyle/>
+          <a:p>
+            <a:r>
+              <a:rPr lang="en-US" dirty="0"/>
+              <a:t>Keyword: static</a:t>
+            </a:r>
+          </a:p>
+        </p:txBody>
+      </p:sp>
+      <p:sp>
+        <p:nvSpPr>
+          <p:cNvPr id="3" name="Content Placeholder 2">
+            <a:extLst>
+              <a:ext uri="{FF2B5EF4-FFF2-40B4-BE49-F238E27FC236}">
+                <a16:creationId xmlns:a16="http://schemas.microsoft.com/office/drawing/2014/main" id="{6FE9C92C-7C6C-EC4D-90E7-BEF4B5A164D8}"/>
+              </a:ext>
+            </a:extLst>
+          </p:cNvPr>
+          <p:cNvSpPr>
+            <a:spLocks noGrp="1"/>
+          </p:cNvSpPr>
+          <p:nvPr>
+            <p:ph idx="1"/>
+          </p:nvPr>
+        </p:nvSpPr>
+        <p:spPr/>
+        <p:txBody>
+          <a:bodyPr>
+            <a:normAutofit/>
+          </a:bodyPr>
+          <a:lstStyle/>
+          <a:p>
+            <a:r>
+              <a:rPr lang="en-US" sz="2800" dirty="0"/>
+              <a:t>A static variable contains a value that is shared by all instances of the class</a:t>
+            </a:r>
+          </a:p>
+          <a:p>
+            <a:r>
+              <a:rPr lang="en-US" sz="2800" dirty="0"/>
+              <a:t>Static means memory allocation happens once</a:t>
+            </a:r>
+          </a:p>
+          <a:p>
+            <a:r>
+              <a:rPr lang="en-US" sz="2800" dirty="0"/>
+              <a:t>Static final variables in a class cannot be changed</a:t>
+            </a:r>
+          </a:p>
+        </p:txBody>
+      </p:sp>
+    </p:spTree>
+    <p:extLst>
+      <p:ext uri="{BB962C8B-B14F-4D97-AF65-F5344CB8AC3E}">
+        <p14:creationId xmlns:p14="http://schemas.microsoft.com/office/powerpoint/2010/main" val="3974505974"/>
+      </p:ext>
+    </p:extLst>
+  </p:cSld>
+  <p:clrMapOvr>
+    <a:masterClrMapping/>
+  </p:clrMapOvr>
+</p:sld>
+</file>
+
+<file path=ppt/slides/slide7.xml><?xml version="1.0" encoding="utf-8"?>
+<p:sld xmlns:a="http://schemas.openxmlformats.org/drawingml/2006/main" xmlns:r="http://schemas.openxmlformats.org/officeDocument/2006/relationships" xmlns:p="http://schemas.openxmlformats.org/presentationml/2006/main">
+  <p:cSld>
+    <p:spTree>
+      <p:nvGrpSpPr>
+        <p:cNvPr id="1" name=""/>
+        <p:cNvGrpSpPr/>
+        <p:nvPr/>
+      </p:nvGrpSpPr>
+      <p:grpSpPr>
+        <a:xfrm>
+          <a:off x="0" y="0"/>
+          <a:ext cx="0" cy="0"/>
+          <a:chOff x="0" y="0"/>
+          <a:chExt cx="0" cy="0"/>
+        </a:xfrm>
+      </p:grpSpPr>
+      <p:sp>
+        <p:nvSpPr>
+          <p:cNvPr id="2" name="Title 1">
+            <a:extLst>
+              <a:ext uri="{FF2B5EF4-FFF2-40B4-BE49-F238E27FC236}">
+                <a16:creationId xmlns:a16="http://schemas.microsoft.com/office/drawing/2014/main" id="{B2431CF4-D04C-3147-8CC2-4733230CA9CE}"/>
+              </a:ext>
+            </a:extLst>
+          </p:cNvPr>
+          <p:cNvSpPr>
+            <a:spLocks noGrp="1"/>
+          </p:cNvSpPr>
+          <p:nvPr>
+            <p:ph type="title"/>
+          </p:nvPr>
+        </p:nvSpPr>
+        <p:spPr>
+          <a:xfrm>
+            <a:off x="1016649" y="4959130"/>
+            <a:ext cx="10325000" cy="1164575"/>
+          </a:xfrm>
+        </p:spPr>
+        <p:txBody>
+          <a:bodyPr>
+            <a:normAutofit/>
+          </a:bodyPr>
+          <a:lstStyle/>
+          <a:p>
+            <a:r>
+              <a:rPr lang="en-US" sz="2800" dirty="0"/>
+              <a:t>Employee employee1 = new Employee();</a:t>
+            </a:r>
+            <a:br>
+              <a:rPr lang="en-US" sz="2800" dirty="0"/>
+            </a:br>
+            <a:r>
+              <a:rPr lang="en-US" sz="2800" dirty="0"/>
+              <a:t>Employee employee2 = new Employee();</a:t>
+            </a:r>
+          </a:p>
+        </p:txBody>
+      </p:sp>
+      <p:pic>
+        <p:nvPicPr>
+          <p:cNvPr id="4" name="Content Placeholder 3">
+            <a:extLst>
+              <a:ext uri="{FF2B5EF4-FFF2-40B4-BE49-F238E27FC236}">
+                <a16:creationId xmlns:a16="http://schemas.microsoft.com/office/drawing/2014/main" id="{56955775-497A-B940-9135-0E37599E2DB8}"/>
+              </a:ext>
+            </a:extLst>
+          </p:cNvPr>
+          <p:cNvPicPr>
+            <a:picLocks noGrp="1" noChangeAspect="1"/>
+          </p:cNvPicPr>
+          <p:nvPr>
+            <p:ph idx="1"/>
+          </p:nvPr>
+        </p:nvPicPr>
+        <p:blipFill>
+          <a:blip r:embed="rId2"/>
+          <a:stretch>
+            <a:fillRect/>
+          </a:stretch>
+        </p:blipFill>
+        <p:spPr>
+          <a:xfrm>
+            <a:off x="1016649" y="820159"/>
+            <a:ext cx="9460505" cy="4138971"/>
+          </a:xfrm>
+          <a:prstGeom prst="rect">
+            <a:avLst/>
+          </a:prstGeom>
+        </p:spPr>
+      </p:pic>
+    </p:spTree>
+    <p:extLst>
+      <p:ext uri="{BB962C8B-B14F-4D97-AF65-F5344CB8AC3E}">
+        <p14:creationId xmlns:p14="http://schemas.microsoft.com/office/powerpoint/2010/main" val="3083040459"/>
+      </p:ext>
+    </p:extLst>
+  </p:cSld>
+  <p:clrMapOvr>
+    <a:masterClrMapping/>
+  </p:clrMapOvr>
+</p:sld>
+</file>
+
+<file path=ppt/slides/slide8.xml><?xml version="1.0" encoding="utf-8"?>
+<p:sld xmlns:a="http://schemas.openxmlformats.org/drawingml/2006/main" xmlns:r="http://schemas.openxmlformats.org/officeDocument/2006/relationships" xmlns:p="http://schemas.openxmlformats.org/presentationml/2006/main">
+  <p:cSld>
+    <p:spTree>
+      <p:nvGrpSpPr>
+        <p:cNvPr id="1" name=""/>
+        <p:cNvGrpSpPr/>
+        <p:nvPr/>
+      </p:nvGrpSpPr>
+      <p:grpSpPr>
+        <a:xfrm>
+          <a:off x="0" y="0"/>
+          <a:ext cx="0" cy="0"/>
+          <a:chOff x="0" y="0"/>
+          <a:chExt cx="0" cy="0"/>
+        </a:xfrm>
+      </p:grpSpPr>
+      <p:sp>
+        <p:nvSpPr>
+          <p:cNvPr id="2" name="Title 1">
+            <a:extLst>
+              <a:ext uri="{FF2B5EF4-FFF2-40B4-BE49-F238E27FC236}">
+                <a16:creationId xmlns:a16="http://schemas.microsoft.com/office/drawing/2014/main" id="{B8A68712-44BD-054D-BDD1-949DA2A6AE7C}"/>
+              </a:ext>
+            </a:extLst>
+          </p:cNvPr>
+          <p:cNvSpPr>
+            <a:spLocks noGrp="1"/>
+          </p:cNvSpPr>
+          <p:nvPr>
+            <p:ph type="title"/>
+          </p:nvPr>
+        </p:nvSpPr>
+        <p:spPr/>
+        <p:txBody>
+          <a:bodyPr/>
+          <a:lstStyle/>
+          <a:p>
+            <a:r>
+              <a:rPr lang="en-US" dirty="0"/>
+              <a:t>Method Headers</a:t>
+            </a:r>
+          </a:p>
+        </p:txBody>
+      </p:sp>
+      <p:sp>
+        <p:nvSpPr>
+          <p:cNvPr id="3" name="Content Placeholder 2">
+            <a:extLst>
+              <a:ext uri="{FF2B5EF4-FFF2-40B4-BE49-F238E27FC236}">
+                <a16:creationId xmlns:a16="http://schemas.microsoft.com/office/drawing/2014/main" id="{ACDB9469-EA60-AA44-8438-F698973A17BC}"/>
+              </a:ext>
+            </a:extLst>
+          </p:cNvPr>
+          <p:cNvSpPr>
+            <a:spLocks noGrp="1"/>
+          </p:cNvSpPr>
+          <p:nvPr>
+            <p:ph idx="1"/>
+          </p:nvPr>
+        </p:nvSpPr>
+        <p:spPr>
+          <a:xfrm>
+            <a:off x="691079" y="3906981"/>
+            <a:ext cx="10325000" cy="1997585"/>
+          </a:xfrm>
+        </p:spPr>
+        <p:txBody>
+          <a:bodyPr>
+            <a:normAutofit fontScale="92500" lnSpcReduction="10000"/>
+          </a:bodyPr>
+          <a:lstStyle/>
+          <a:p>
+            <a:r>
+              <a:rPr lang="en-US" sz="2800" dirty="0"/>
+              <a:t>The access specifier/modifier tells other methods who can call this method</a:t>
+            </a:r>
+          </a:p>
+          <a:p>
+            <a:r>
+              <a:rPr lang="en-US" sz="2800" dirty="0"/>
+              <a:t>A return type of void signals no return value</a:t>
+            </a:r>
+          </a:p>
+          <a:p>
+            <a:r>
+              <a:rPr lang="en-US" sz="2800" dirty="0"/>
+              <a:t>Items in the parameter list are separated by commas</a:t>
+            </a:r>
+          </a:p>
+        </p:txBody>
+      </p:sp>
+      <p:pic>
+        <p:nvPicPr>
+          <p:cNvPr id="4" name="Picture 3">
+            <a:extLst>
+              <a:ext uri="{FF2B5EF4-FFF2-40B4-BE49-F238E27FC236}">
+                <a16:creationId xmlns:a16="http://schemas.microsoft.com/office/drawing/2014/main" id="{221030CA-FA4B-1644-BFB3-2D0E8993EC50}"/>
+              </a:ext>
+            </a:extLst>
+          </p:cNvPr>
+          <p:cNvPicPr>
+            <a:picLocks noChangeAspect="1"/>
+          </p:cNvPicPr>
+          <p:nvPr/>
+        </p:nvPicPr>
+        <p:blipFill>
+          <a:blip r:embed="rId2"/>
+          <a:stretch>
+            <a:fillRect/>
+          </a:stretch>
+        </p:blipFill>
+        <p:spPr>
+          <a:xfrm>
+            <a:off x="868910" y="2327662"/>
+            <a:ext cx="9527019" cy="1280062"/>
+          </a:xfrm>
+          <a:prstGeom prst="rect">
+            <a:avLst/>
+          </a:prstGeom>
+        </p:spPr>
+      </p:pic>
+    </p:spTree>
+    <p:extLst>
+      <p:ext uri="{BB962C8B-B14F-4D97-AF65-F5344CB8AC3E}">
+        <p14:creationId xmlns:p14="http://schemas.microsoft.com/office/powerpoint/2010/main" val="2715649705"/>
+      </p:ext>
+    </p:extLst>
+  </p:cSld>
+  <p:clrMapOvr>
+    <a:masterClrMapping/>
+  </p:clrMapOvr>
+</p:sld>
+</file>
+
+<file path=ppt/slides/slide9.xml><?xml version="1.0" encoding="utf-8"?>
+<p:sld xmlns:a="http://schemas.openxmlformats.org/drawingml/2006/main" xmlns:r="http://schemas.openxmlformats.org/officeDocument/2006/relationships" xmlns:p="http://schemas.openxmlformats.org/presentationml/2006/main">
+  <p:cSld>
+    <p:spTree>
+      <p:nvGrpSpPr>
+        <p:cNvPr id="1" name=""/>
+        <p:cNvGrpSpPr/>
+        <p:nvPr/>
+      </p:nvGrpSpPr>
+      <p:grpSpPr>
+        <a:xfrm>
+          <a:off x="0" y="0"/>
+          <a:ext cx="0" cy="0"/>
+          <a:chOff x="0" y="0"/>
+          <a:chExt cx="0" cy="0"/>
+        </a:xfrm>
+      </p:grpSpPr>
+      <p:sp>
+        <p:nvSpPr>
+          <p:cNvPr id="2" name="Title 1">
+            <a:extLst>
+              <a:ext uri="{FF2B5EF4-FFF2-40B4-BE49-F238E27FC236}">
+                <a16:creationId xmlns:a16="http://schemas.microsoft.com/office/drawing/2014/main" id="{46754C4C-610A-8F47-A4C4-A5B09175F920}"/>
+              </a:ext>
+            </a:extLst>
+          </p:cNvPr>
+          <p:cNvSpPr>
+            <a:spLocks noGrp="1"/>
+          </p:cNvSpPr>
+          <p:nvPr>
+            <p:ph type="title"/>
+          </p:nvPr>
+        </p:nvSpPr>
+        <p:spPr/>
+        <p:txBody>
+          <a:bodyPr/>
+          <a:lstStyle/>
+          <a:p>
+            <a:r>
+              <a:rPr lang="en-US" dirty="0"/>
+              <a:t>Constructors</a:t>
+            </a:r>
+          </a:p>
+        </p:txBody>
+      </p:sp>
+      <p:sp>
+        <p:nvSpPr>
+          <p:cNvPr id="3" name="Content Placeholder 2">
+            <a:extLst>
+              <a:ext uri="{FF2B5EF4-FFF2-40B4-BE49-F238E27FC236}">
+                <a16:creationId xmlns:a16="http://schemas.microsoft.com/office/drawing/2014/main" id="{34D09A91-16C3-4144-9B7A-B0FA98611A2C}"/>
+              </a:ext>
+            </a:extLst>
+          </p:cNvPr>
+          <p:cNvSpPr>
+            <a:spLocks noGrp="1"/>
+          </p:cNvSpPr>
+          <p:nvPr>
+            <p:ph idx="1"/>
+          </p:nvPr>
+        </p:nvSpPr>
+        <p:spPr/>
+        <p:txBody>
+          <a:bodyPr>
+            <a:normAutofit/>
+          </a:bodyPr>
+          <a:lstStyle/>
+          <a:p>
+            <a:r>
+              <a:rPr lang="en-US" sz="2800" dirty="0"/>
+              <a:t>Gets called when we create an object of the class</a:t>
+            </a:r>
+          </a:p>
+          <a:p>
+            <a:r>
+              <a:rPr lang="en-US" sz="2800" dirty="0"/>
+              <a:t>Name of the constructor is always the same as the class name</a:t>
+            </a:r>
+          </a:p>
+          <a:p>
+            <a:r>
+              <a:rPr lang="en-US" sz="2800" dirty="0"/>
+              <a:t>A constructor has no return type</a:t>
+            </a:r>
+          </a:p>
+          <a:p>
+            <a:r>
+              <a:rPr lang="en-US" sz="2800" dirty="0"/>
+              <a:t>Multiple constructors provide different ways of initializing class objects</a:t>
+            </a:r>
+          </a:p>
+        </p:txBody>
+      </p:sp>
+    </p:spTree>
+    <p:extLst>
+      <p:ext uri="{BB962C8B-B14F-4D97-AF65-F5344CB8AC3E}">
+        <p14:creationId xmlns:p14="http://schemas.microsoft.com/office/powerpoint/2010/main" val="2088749547"/>
       </p:ext>
     </p:extLst>
   </p:cSld>
@@ -16432,4 +19813,299 @@
     </a:ext>
   </a:extLst>
 </a:theme>
+</file>
+
+<file path=ppt/theme/theme2.xml><?xml version="1.0" encoding="utf-8"?>
+<a:theme xmlns:a="http://schemas.openxmlformats.org/drawingml/2006/main" name="Office Theme">
+  <a:themeElements>
+    <a:clrScheme name="Office">
+      <a:dk1>
+        <a:sysClr val="windowText" lastClr="000000"/>
+      </a:dk1>
+      <a:lt1>
+        <a:sysClr val="window" lastClr="FFFFFF"/>
+      </a:lt1>
+      <a:dk2>
+        <a:srgbClr val="44546A"/>
+      </a:dk2>
+      <a:lt2>
+        <a:srgbClr val="E7E6E6"/>
+      </a:lt2>
+      <a:accent1>
+        <a:srgbClr val="4472C4"/>
+      </a:accent1>
+      <a:accent2>
+        <a:srgbClr val="ED7D31"/>
+      </a:accent2>
+      <a:accent3>
+        <a:srgbClr val="A5A5A5"/>
+      </a:accent3>
+      <a:accent4>
+        <a:srgbClr val="FFC000"/>
+      </a:accent4>
+      <a:accent5>
+        <a:srgbClr val="5B9BD5"/>
+      </a:accent5>
+      <a:accent6>
+        <a:srgbClr val="70AD47"/>
+      </a:accent6>
+      <a:hlink>
+        <a:srgbClr val="0563C1"/>
+      </a:hlink>
+      <a:folHlink>
+        <a:srgbClr val="954F72"/>
+      </a:folHlink>
+    </a:clrScheme>
+    <a:fontScheme name="Office">
+      <a:majorFont>
+        <a:latin typeface="Calibri Light" panose="020F0302020204030204"/>
+        <a:ea typeface=""/>
+        <a:cs typeface=""/>
+        <a:font script="Jpan" typeface="游ゴシック Light"/>
+        <a:font script="Hang" typeface="맑은 고딕"/>
+        <a:font script="Hans" typeface="等线 Light"/>
+        <a:font script="Hant" typeface="新細明體"/>
+        <a:font script="Arab" typeface="Times New Roman"/>
+        <a:font script="Hebr" typeface="Times New Roman"/>
+        <a:font script="Thai" typeface="Angsana New"/>
+        <a:font script="Ethi" typeface="Nyala"/>
+        <a:font script="Beng" typeface="Vrinda"/>
+        <a:font script="Gujr" typeface="Shruti"/>
+        <a:font script="Khmr" typeface="MoolBoran"/>
+        <a:font script="Knda" typeface="Tunga"/>
+        <a:font script="Guru" typeface="Raavi"/>
+        <a:font script="Cans" typeface="Euphemia"/>
+        <a:font script="Cher" typeface="Plantagenet Cherokee"/>
+        <a:font script="Yiii" typeface="Microsoft Yi Baiti"/>
+        <a:font script="Tibt" typeface="Microsoft Himalaya"/>
+        <a:font script="Thaa" typeface="MV Boli"/>
+        <a:font script="Deva" typeface="Mangal"/>
+        <a:font script="Telu" typeface="Gautami"/>
+        <a:font script="Taml" typeface="Latha"/>
+        <a:font script="Syrc" typeface="Estrangelo Edessa"/>
+        <a:font script="Orya" typeface="Kalinga"/>
+        <a:font script="Mlym" typeface="Kartika"/>
+        <a:font script="Laoo" typeface="DokChampa"/>
+        <a:font script="Sinh" typeface="Iskoola Pota"/>
+        <a:font script="Mong" typeface="Mongolian Baiti"/>
+        <a:font script="Viet" typeface="Times New Roman"/>
+        <a:font script="Uigh" typeface="Microsoft Uighur"/>
+        <a:font script="Geor" typeface="Sylfaen"/>
+        <a:font script="Armn" typeface="Arial"/>
+        <a:font script="Bugi" typeface="Leelawadee UI"/>
+        <a:font script="Bopo" typeface="Microsoft JhengHei"/>
+        <a:font script="Java" typeface="Javanese Text"/>
+        <a:font script="Lisu" typeface="Segoe UI"/>
+        <a:font script="Mymr" typeface="Myanmar Text"/>
+        <a:font script="Nkoo" typeface="Ebrima"/>
+        <a:font script="Olck" typeface="Nirmala UI"/>
+        <a:font script="Osma" typeface="Ebrima"/>
+        <a:font script="Phag" typeface="Phagspa"/>
+        <a:font script="Syrn" typeface="Estrangelo Edessa"/>
+        <a:font script="Syrj" typeface="Estrangelo Edessa"/>
+        <a:font script="Syre" typeface="Estrangelo Edessa"/>
+        <a:font script="Sora" typeface="Nirmala UI"/>
+        <a:font script="Tale" typeface="Microsoft Tai Le"/>
+        <a:font script="Talu" typeface="Microsoft New Tai Lue"/>
+        <a:font script="Tfng" typeface="Ebrima"/>
+      </a:majorFont>
+      <a:minorFont>
+        <a:latin typeface="Calibri" panose="020F0502020204030204"/>
+        <a:ea typeface=""/>
+        <a:cs typeface=""/>
+        <a:font script="Jpan" typeface="游ゴシック"/>
+        <a:font script="Hang" typeface="맑은 고딕"/>
+        <a:font script="Hans" typeface="等线"/>
+        <a:font script="Hant" typeface="新細明體"/>
+        <a:font script="Arab" typeface="Arial"/>
+        <a:font script="Hebr" typeface="Arial"/>
+        <a:font script="Thai" typeface="Cordia New"/>
+        <a:font script="Ethi" typeface="Nyala"/>
+        <a:font script="Beng" typeface="Vrinda"/>
+        <a:font script="Gujr" typeface="Shruti"/>
+        <a:font script="Khmr" typeface="DaunPenh"/>
+        <a:font script="Knda" typeface="Tunga"/>
+        <a:font script="Guru" typeface="Raavi"/>
+        <a:font script="Cans" typeface="Euphemia"/>
+        <a:font script="Cher" typeface="Plantagenet Cherokee"/>
+        <a:font script="Yiii" typeface="Microsoft Yi Baiti"/>
+        <a:font script="Tibt" typeface="Microsoft Himalaya"/>
+        <a:font script="Thaa" typeface="MV Boli"/>
+        <a:font script="Deva" typeface="Mangal"/>
+        <a:font script="Telu" typeface="Gautami"/>
+        <a:font script="Taml" typeface="Latha"/>
+        <a:font script="Syrc" typeface="Estrangelo Edessa"/>
+        <a:font script="Orya" typeface="Kalinga"/>
+        <a:font script="Mlym" typeface="Kartika"/>
+        <a:font script="Laoo" typeface="DokChampa"/>
+        <a:font script="Sinh" typeface="Iskoola Pota"/>
+        <a:font script="Mong" typeface="Mongolian Baiti"/>
+        <a:font script="Viet" typeface="Arial"/>
+        <a:font script="Uigh" typeface="Microsoft Uighur"/>
+        <a:font script="Geor" typeface="Sylfaen"/>
+        <a:font script="Armn" typeface="Arial"/>
+        <a:font script="Bugi" typeface="Leelawadee UI"/>
+        <a:font script="Bopo" typeface="Microsoft JhengHei"/>
+        <a:font script="Java" typeface="Javanese Text"/>
+        <a:font script="Lisu" typeface="Segoe UI"/>
+        <a:font script="Mymr" typeface="Myanmar Text"/>
+        <a:font script="Nkoo" typeface="Ebrima"/>
+        <a:font script="Olck" typeface="Nirmala UI"/>
+        <a:font script="Osma" typeface="Ebrima"/>
+        <a:font script="Phag" typeface="Phagspa"/>
+        <a:font script="Syrn" typeface="Estrangelo Edessa"/>
+        <a:font script="Syrj" typeface="Estrangelo Edessa"/>
+        <a:font script="Syre" typeface="Estrangelo Edessa"/>
+        <a:font script="Sora" typeface="Nirmala UI"/>
+        <a:font script="Tale" typeface="Microsoft Tai Le"/>
+        <a:font script="Talu" typeface="Microsoft New Tai Lue"/>
+        <a:font script="Tfng" typeface="Ebrima"/>
+      </a:minorFont>
+    </a:fontScheme>
+    <a:fmtScheme name="Office">
+      <a:fillStyleLst>
+        <a:solidFill>
+          <a:schemeClr val="phClr"/>
+        </a:solidFill>
+        <a:gradFill rotWithShape="1">
+          <a:gsLst>
+            <a:gs pos="0">
+              <a:schemeClr val="phClr">
+                <a:lumMod val="110000"/>
+                <a:satMod val="105000"/>
+                <a:tint val="67000"/>
+              </a:schemeClr>
+            </a:gs>
+            <a:gs pos="50000">
+              <a:schemeClr val="phClr">
+                <a:lumMod val="105000"/>
+                <a:satMod val="103000"/>
+                <a:tint val="73000"/>
+              </a:schemeClr>
+            </a:gs>
+            <a:gs pos="100000">
+              <a:schemeClr val="phClr">
+                <a:lumMod val="105000"/>
+                <a:satMod val="109000"/>
+                <a:tint val="81000"/>
+              </a:schemeClr>
+            </a:gs>
+          </a:gsLst>
+          <a:lin ang="5400000" scaled="0"/>
+        </a:gradFill>
+        <a:gradFill rotWithShape="1">
+          <a:gsLst>
+            <a:gs pos="0">
+              <a:schemeClr val="phClr">
+                <a:satMod val="103000"/>
+                <a:lumMod val="102000"/>
+                <a:tint val="94000"/>
+              </a:schemeClr>
+            </a:gs>
+            <a:gs pos="50000">
+              <a:schemeClr val="phClr">
+                <a:satMod val="110000"/>
+                <a:lumMod val="100000"/>
+                <a:shade val="100000"/>
+              </a:schemeClr>
+            </a:gs>
+            <a:gs pos="100000">
+              <a:schemeClr val="phClr">
+                <a:lumMod val="99000"/>
+                <a:satMod val="120000"/>
+                <a:shade val="78000"/>
+              </a:schemeClr>
+            </a:gs>
+          </a:gsLst>
+          <a:lin ang="5400000" scaled="0"/>
+        </a:gradFill>
+      </a:fillStyleLst>
+      <a:lnStyleLst>
+        <a:ln w="6350" cap="flat" cmpd="sng" algn="ctr">
+          <a:solidFill>
+            <a:schemeClr val="phClr"/>
+          </a:solidFill>
+          <a:prstDash val="solid"/>
+          <a:miter lim="800000"/>
+        </a:ln>
+        <a:ln w="12700" cap="flat" cmpd="sng" algn="ctr">
+          <a:solidFill>
+            <a:schemeClr val="phClr"/>
+          </a:solidFill>
+          <a:prstDash val="solid"/>
+          <a:miter lim="800000"/>
+        </a:ln>
+        <a:ln w="19050" cap="flat" cmpd="sng" algn="ctr">
+          <a:solidFill>
+            <a:schemeClr val="phClr"/>
+          </a:solidFill>
+          <a:prstDash val="solid"/>
+          <a:miter lim="800000"/>
+        </a:ln>
+      </a:lnStyleLst>
+      <a:effectStyleLst>
+        <a:effectStyle>
+          <a:effectLst/>
+        </a:effectStyle>
+        <a:effectStyle>
+          <a:effectLst/>
+        </a:effectStyle>
+        <a:effectStyle>
+          <a:effectLst>
+            <a:outerShdw blurRad="57150" dist="19050" dir="5400000" algn="ctr" rotWithShape="0">
+              <a:srgbClr val="000000">
+                <a:alpha val="63000"/>
+              </a:srgbClr>
+            </a:outerShdw>
+          </a:effectLst>
+        </a:effectStyle>
+      </a:effectStyleLst>
+      <a:bgFillStyleLst>
+        <a:solidFill>
+          <a:schemeClr val="phClr"/>
+        </a:solidFill>
+        <a:solidFill>
+          <a:schemeClr val="phClr">
+            <a:tint val="95000"/>
+            <a:satMod val="170000"/>
+          </a:schemeClr>
+        </a:solidFill>
+        <a:gradFill rotWithShape="1">
+          <a:gsLst>
+            <a:gs pos="0">
+              <a:schemeClr val="phClr">
+                <a:tint val="93000"/>
+                <a:satMod val="150000"/>
+                <a:shade val="98000"/>
+                <a:lumMod val="102000"/>
+              </a:schemeClr>
+            </a:gs>
+            <a:gs pos="50000">
+              <a:schemeClr val="phClr">
+                <a:tint val="98000"/>
+                <a:satMod val="130000"/>
+                <a:shade val="90000"/>
+                <a:lumMod val="103000"/>
+              </a:schemeClr>
+            </a:gs>
+            <a:gs pos="100000">
+              <a:schemeClr val="phClr">
+                <a:shade val="63000"/>
+                <a:satMod val="120000"/>
+              </a:schemeClr>
+            </a:gs>
+          </a:gsLst>
+          <a:lin ang="5400000" scaled="0"/>
+        </a:gradFill>
+      </a:bgFillStyleLst>
+    </a:fmtScheme>
+  </a:themeElements>
+  <a:objectDefaults/>
+  <a:extraClrSchemeLst/>
+  <a:extLst>
+    <a:ext uri="{05A4C25C-085E-4340-85A3-A5531E510DB2}">
+      <thm15:themeFamily xmlns:thm15="http://schemas.microsoft.com/office/thememl/2012/main" name="Office Theme" id="{62F939B6-93AF-4DB8-9C6B-D6C7DFDC589F}" vid="{4A3C46E8-61CC-4603-A589-7422A47A8E4A}"/>
+    </a:ext>
+  </a:extLst>
+</a:theme>
 </file>
--- a/AP Java/Week3/Week3.pptx
+++ b/AP Java/Week3/Week3.pptx
@@ -5,7 +5,7 @@
     <p:sldMasterId id="2147483673" r:id="rId1"/>
   </p:sldMasterIdLst>
   <p:notesMasterIdLst>
-    <p:notesMasterId r:id="rId33"/>
+    <p:notesMasterId r:id="rId50"/>
   </p:notesMasterIdLst>
   <p:sldIdLst>
     <p:sldId id="256" r:id="rId2"/>
@@ -39,6 +39,23 @@
     <p:sldId id="283" r:id="rId30"/>
     <p:sldId id="284" r:id="rId31"/>
     <p:sldId id="285" r:id="rId32"/>
+    <p:sldId id="287" r:id="rId33"/>
+    <p:sldId id="288" r:id="rId34"/>
+    <p:sldId id="289" r:id="rId35"/>
+    <p:sldId id="290" r:id="rId36"/>
+    <p:sldId id="291" r:id="rId37"/>
+    <p:sldId id="292" r:id="rId38"/>
+    <p:sldId id="293" r:id="rId39"/>
+    <p:sldId id="294" r:id="rId40"/>
+    <p:sldId id="295" r:id="rId41"/>
+    <p:sldId id="296" r:id="rId42"/>
+    <p:sldId id="297" r:id="rId43"/>
+    <p:sldId id="298" r:id="rId44"/>
+    <p:sldId id="299" r:id="rId45"/>
+    <p:sldId id="300" r:id="rId46"/>
+    <p:sldId id="301" r:id="rId47"/>
+    <p:sldId id="306" r:id="rId48"/>
+    <p:sldId id="302" r:id="rId49"/>
   </p:sldIdLst>
   <p:sldSz cx="12192000" cy="6858000"/>
   <p:notesSz cx="6858000" cy="9144000"/>
@@ -227,7 +244,7 @@
           <a:p>
             <a:fld id="{1640351A-262A-F74E-9918-6D56AEE96A05}" type="datetimeFigureOut">
               <a:rPr lang="en-US" smtClean="0"/>
-              <a:t>7/12/22</a:t>
+              <a:t>7/14/22</a:t>
             </a:fld>
             <a:endParaRPr lang="en-US"/>
           </a:p>
@@ -581,6 +598,90 @@
 </p:notes>
 </file>
 
+<file path=ppt/notesSlides/notesSlide2.xml><?xml version="1.0" encoding="utf-8"?>
+<p:notes xmlns:a="http://schemas.openxmlformats.org/drawingml/2006/main" xmlns:r="http://schemas.openxmlformats.org/officeDocument/2006/relationships" xmlns:p="http://schemas.openxmlformats.org/presentationml/2006/main">
+  <p:cSld>
+    <p:spTree>
+      <p:nvGrpSpPr>
+        <p:cNvPr id="1" name=""/>
+        <p:cNvGrpSpPr/>
+        <p:nvPr/>
+      </p:nvGrpSpPr>
+      <p:grpSpPr>
+        <a:xfrm>
+          <a:off x="0" y="0"/>
+          <a:ext cx="0" cy="0"/>
+          <a:chOff x="0" y="0"/>
+          <a:chExt cx="0" cy="0"/>
+        </a:xfrm>
+      </p:grpSpPr>
+      <p:sp>
+        <p:nvSpPr>
+          <p:cNvPr id="2" name="Slide Image Placeholder 1"/>
+          <p:cNvSpPr>
+            <a:spLocks noGrp="1" noRot="1" noChangeAspect="1"/>
+          </p:cNvSpPr>
+          <p:nvPr>
+            <p:ph type="sldImg"/>
+          </p:nvPr>
+        </p:nvSpPr>
+        <p:spPr/>
+      </p:sp>
+      <p:sp>
+        <p:nvSpPr>
+          <p:cNvPr id="3" name="Notes Placeholder 2"/>
+          <p:cNvSpPr>
+            <a:spLocks noGrp="1"/>
+          </p:cNvSpPr>
+          <p:nvPr>
+            <p:ph type="body" idx="1"/>
+          </p:nvPr>
+        </p:nvSpPr>
+        <p:spPr/>
+        <p:txBody>
+          <a:bodyPr/>
+          <a:lstStyle/>
+          <a:p>
+            <a:endParaRPr lang="en-US" dirty="0"/>
+          </a:p>
+        </p:txBody>
+      </p:sp>
+      <p:sp>
+        <p:nvSpPr>
+          <p:cNvPr id="4" name="Slide Number Placeholder 3"/>
+          <p:cNvSpPr>
+            <a:spLocks noGrp="1"/>
+          </p:cNvSpPr>
+          <p:nvPr>
+            <p:ph type="sldNum" sz="quarter" idx="5"/>
+          </p:nvPr>
+        </p:nvSpPr>
+        <p:spPr/>
+        <p:txBody>
+          <a:bodyPr/>
+          <a:lstStyle/>
+          <a:p>
+            <a:fld id="{E55F63DC-8FAD-8940-A824-2859A47FFA6E}" type="slidenum">
+              <a:rPr lang="en-US" smtClean="0"/>
+              <a:t>39</a:t>
+            </a:fld>
+            <a:endParaRPr lang="en-US"/>
+          </a:p>
+        </p:txBody>
+      </p:sp>
+    </p:spTree>
+    <p:extLst>
+      <p:ext uri="{BB962C8B-B14F-4D97-AF65-F5344CB8AC3E}">
+        <p14:creationId xmlns:p14="http://schemas.microsoft.com/office/powerpoint/2010/main" val="66862977"/>
+      </p:ext>
+    </p:extLst>
+  </p:cSld>
+  <p:clrMapOvr>
+    <a:masterClrMapping/>
+  </p:clrMapOvr>
+</p:notes>
+</file>
+
 <file path=ppt/slideLayouts/slideLayout1.xml><?xml version="1.0" encoding="utf-8"?>
 <p:sldLayout xmlns:a="http://schemas.openxmlformats.org/drawingml/2006/main" xmlns:r="http://schemas.openxmlformats.org/officeDocument/2006/relationships" xmlns:p="http://schemas.openxmlformats.org/presentationml/2006/main" showMasterSp="0" type="title" preserve="1">
   <p:cSld name="Title Slide">
@@ -2247,7 +2348,7 @@
           <a:p>
             <a:fld id="{8F72BA41-EC5B-4197-BCC8-0FD2E523CD7A}" type="datetimeFigureOut">
               <a:rPr lang="en-US" smtClean="0"/>
-              <a:t>7/12/22</a:t>
+              <a:t>7/14/22</a:t>
             </a:fld>
             <a:endParaRPr lang="en-US"/>
           </a:p>
@@ -2450,7 +2551,7 @@
           <a:p>
             <a:fld id="{8F72BA41-EC5B-4197-BCC8-0FD2E523CD7A}" type="datetimeFigureOut">
               <a:rPr lang="en-US" smtClean="0"/>
-              <a:t>7/12/22</a:t>
+              <a:t>7/14/22</a:t>
             </a:fld>
             <a:endParaRPr lang="en-US"/>
           </a:p>
@@ -4171,7 +4272,7 @@
           <a:p>
             <a:fld id="{8F72BA41-EC5B-4197-BCC8-0FD2E523CD7A}" type="datetimeFigureOut">
               <a:rPr lang="en-US" smtClean="0"/>
-              <a:t>7/12/22</a:t>
+              <a:t>7/14/22</a:t>
             </a:fld>
             <a:endParaRPr lang="en-US"/>
           </a:p>
@@ -4370,7 +4471,7 @@
           <a:p>
             <a:fld id="{8F72BA41-EC5B-4197-BCC8-0FD2E523CD7A}" type="datetimeFigureOut">
               <a:rPr lang="en-US" smtClean="0"/>
-              <a:t>7/12/22</a:t>
+              <a:t>7/14/22</a:t>
             </a:fld>
             <a:endParaRPr lang="en-US"/>
           </a:p>
@@ -6160,7 +6261,7 @@
           <a:p>
             <a:fld id="{8F72BA41-EC5B-4197-BCC8-0FD2E523CD7A}" type="datetimeFigureOut">
               <a:rPr lang="en-US" smtClean="0"/>
-              <a:t>7/12/22</a:t>
+              <a:t>7/14/22</a:t>
             </a:fld>
             <a:endParaRPr lang="en-US"/>
           </a:p>
@@ -6433,7 +6534,7 @@
           <a:p>
             <a:fld id="{8F72BA41-EC5B-4197-BCC8-0FD2E523CD7A}" type="datetimeFigureOut">
               <a:rPr lang="en-US" smtClean="0"/>
-              <a:t>7/12/22</a:t>
+              <a:t>7/14/22</a:t>
             </a:fld>
             <a:endParaRPr lang="en-US"/>
           </a:p>
@@ -6853,7 +6954,7 @@
           <a:p>
             <a:fld id="{8F72BA41-EC5B-4197-BCC8-0FD2E523CD7A}" type="datetimeFigureOut">
               <a:rPr lang="en-US" smtClean="0"/>
-              <a:t>7/12/22</a:t>
+              <a:t>7/14/22</a:t>
             </a:fld>
             <a:endParaRPr lang="en-US"/>
           </a:p>
@@ -7009,7 +7110,7 @@
           <a:p>
             <a:fld id="{8F72BA41-EC5B-4197-BCC8-0FD2E523CD7A}" type="datetimeFigureOut">
               <a:rPr lang="en-US" smtClean="0"/>
-              <a:t>7/12/22</a:t>
+              <a:t>7/14/22</a:t>
             </a:fld>
             <a:endParaRPr lang="en-US"/>
           </a:p>
@@ -8577,7 +8678,7 @@
           <a:p>
             <a:fld id="{8F72BA41-EC5B-4197-BCC8-0FD2E523CD7A}" type="datetimeFigureOut">
               <a:rPr lang="en-US" smtClean="0"/>
-              <a:t>7/12/22</a:t>
+              <a:t>7/14/22</a:t>
             </a:fld>
             <a:endParaRPr lang="en-US"/>
           </a:p>
@@ -10428,7 +10529,7 @@
           <a:p>
             <a:fld id="{8F72BA41-EC5B-4197-BCC8-0FD2E523CD7A}" type="datetimeFigureOut">
               <a:rPr lang="en-US" smtClean="0"/>
-              <a:t>7/12/22</a:t>
+              <a:t>7/14/22</a:t>
             </a:fld>
             <a:endParaRPr lang="en-US"/>
           </a:p>
@@ -12241,7 +12342,7 @@
           <a:p>
             <a:fld id="{8F72BA41-EC5B-4197-BCC8-0FD2E523CD7A}" type="datetimeFigureOut">
               <a:rPr lang="en-US" smtClean="0"/>
-              <a:t>7/12/22</a:t>
+              <a:t>7/14/22</a:t>
             </a:fld>
             <a:endParaRPr lang="en-US"/>
           </a:p>
@@ -13935,7 +14036,7 @@
             <a:fld id="{8F72BA41-EC5B-4197-BCC8-0FD2E523CD7A}" type="datetimeFigureOut">
               <a:rPr lang="en-US" smtClean="0"/>
               <a:pPr/>
-              <a:t>7/12/22</a:t>
+              <a:t>7/14/22</a:t>
             </a:fld>
             <a:endParaRPr lang="en-US" dirty="0"/>
           </a:p>
@@ -18269,7 +18370,10 @@
           <a:bodyPr/>
           <a:lstStyle/>
           <a:p>
-            <a:endParaRPr lang="en-US"/>
+            <a:r>
+              <a:rPr lang="en-US" dirty="0"/>
+              <a:t>Reference Data Type</a:t>
+            </a:r>
           </a:p>
         </p:txBody>
       </p:sp>
@@ -18291,10 +18395,27 @@
         </p:nvSpPr>
         <p:spPr/>
         <p:txBody>
-          <a:bodyPr/>
+          <a:bodyPr>
+            <a:normAutofit/>
+          </a:bodyPr>
           <a:lstStyle/>
           <a:p>
-            <a:endParaRPr lang="en-US"/>
+            <a:r>
+              <a:rPr lang="en-US" sz="2800" dirty="0"/>
+              <a:t>Int, boolean, double are primitive data types</a:t>
+            </a:r>
+          </a:p>
+          <a:p>
+            <a:r>
+              <a:rPr lang="en-US" sz="2800" dirty="0"/>
+              <a:t>Objects are reference data types</a:t>
+            </a:r>
+          </a:p>
+          <a:p>
+            <a:r>
+              <a:rPr lang="en-US" sz="2800" dirty="0"/>
+              <a:t>Difference is on how they are stored</a:t>
+            </a:r>
           </a:p>
         </p:txBody>
       </p:sp>
@@ -18328,53 +18449,316 @@
           <a:chExt cx="0" cy="0"/>
         </a:xfrm>
       </p:grpSpPr>
-      <p:sp>
-        <p:nvSpPr>
-          <p:cNvPr id="2" name="Title 1">
+      <p:pic>
+        <p:nvPicPr>
+          <p:cNvPr id="4" name="Content Placeholder 3">
             <a:extLst>
               <a:ext uri="{FF2B5EF4-FFF2-40B4-BE49-F238E27FC236}">
-                <a16:creationId xmlns:a16="http://schemas.microsoft.com/office/drawing/2014/main" id="{EF99502A-AB3D-E041-A9C2-37FAB28F687C}"/>
+                <a16:creationId xmlns:a16="http://schemas.microsoft.com/office/drawing/2014/main" id="{D7A1A234-22D1-594C-8457-09A060F17417}"/>
               </a:ext>
             </a:extLst>
           </p:cNvPr>
-          <p:cNvSpPr>
-            <a:spLocks noGrp="1"/>
-          </p:cNvSpPr>
+          <p:cNvPicPr>
+            <a:picLocks noGrp="1" noChangeAspect="1"/>
+          </p:cNvPicPr>
           <p:nvPr>
-            <p:ph type="title"/>
+            <p:ph idx="1"/>
           </p:nvPr>
-        </p:nvSpPr>
-        <p:spPr/>
-        <p:txBody>
-          <a:bodyPr/>
-          <a:lstStyle/>
-          <a:p>
-            <a:endParaRPr lang="en-US"/>
-          </a:p>
-        </p:txBody>
-      </p:sp>
-      <p:sp>
-        <p:nvSpPr>
-          <p:cNvPr id="3" name="Content Placeholder 2">
+        </p:nvPicPr>
+        <p:blipFill>
+          <a:blip r:embed="rId2"/>
+          <a:stretch>
+            <a:fillRect/>
+          </a:stretch>
+        </p:blipFill>
+        <p:spPr>
+          <a:xfrm>
+            <a:off x="796575" y="1254013"/>
+            <a:ext cx="3633036" cy="1023673"/>
+          </a:xfrm>
+          <a:prstGeom prst="rect">
+            <a:avLst/>
+          </a:prstGeom>
+        </p:spPr>
+      </p:pic>
+      <p:pic>
+        <p:nvPicPr>
+          <p:cNvPr id="5" name="Picture 4">
             <a:extLst>
               <a:ext uri="{FF2B5EF4-FFF2-40B4-BE49-F238E27FC236}">
-                <a16:creationId xmlns:a16="http://schemas.microsoft.com/office/drawing/2014/main" id="{6C2D1120-FDF5-3B4F-8DB3-D230E48F7812}"/>
+                <a16:creationId xmlns:a16="http://schemas.microsoft.com/office/drawing/2014/main" id="{5AEA5706-4C59-144D-83F8-BAECCAD4478B}"/>
               </a:ext>
             </a:extLst>
           </p:cNvPr>
-          <p:cNvSpPr>
-            <a:spLocks noGrp="1"/>
+          <p:cNvPicPr>
+            <a:picLocks noChangeAspect="1"/>
+          </p:cNvPicPr>
+          <p:nvPr/>
+        </p:nvPicPr>
+        <p:blipFill>
+          <a:blip r:embed="rId3"/>
+          <a:stretch>
+            <a:fillRect/>
+          </a:stretch>
+        </p:blipFill>
+        <p:spPr>
+          <a:xfrm>
+            <a:off x="796575" y="3096491"/>
+            <a:ext cx="3462564" cy="1277851"/>
+          </a:xfrm>
+          <a:prstGeom prst="rect">
+            <a:avLst/>
+          </a:prstGeom>
+        </p:spPr>
+      </p:pic>
+      <p:sp>
+        <p:nvSpPr>
+          <p:cNvPr id="9" name="Content Placeholder 2">
+            <a:extLst>
+              <a:ext uri="{FF2B5EF4-FFF2-40B4-BE49-F238E27FC236}">
+                <a16:creationId xmlns:a16="http://schemas.microsoft.com/office/drawing/2014/main" id="{6D759072-5040-FC4C-80EB-224CE871D7E1}"/>
+              </a:ext>
+            </a:extLst>
+          </p:cNvPr>
+          <p:cNvSpPr txBox="1">
+            <a:spLocks/>
           </p:cNvSpPr>
-          <p:nvPr>
-            <p:ph idx="1"/>
-          </p:nvPr>
+          <p:nvPr/>
         </p:nvSpPr>
-        <p:spPr/>
+        <p:spPr>
+          <a:xfrm>
+            <a:off x="5353395" y="1446415"/>
+            <a:ext cx="5662683" cy="4458152"/>
+          </a:xfrm>
+          <a:prstGeom prst="rect">
+            <a:avLst/>
+          </a:prstGeom>
+        </p:spPr>
         <p:txBody>
-          <a:bodyPr/>
-          <a:lstStyle/>
-          <a:p>
-            <a:endParaRPr lang="en-US"/>
+          <a:bodyPr vert="horz" lIns="91440" tIns="45720" rIns="91440" bIns="45720" rtlCol="0">
+            <a:normAutofit/>
+          </a:bodyPr>
+          <a:lstStyle>
+            <a:lvl1pPr marL="228600" indent="-228600" algn="l" defTabSz="914400" rtl="0" eaLnBrk="1" latinLnBrk="0" hangingPunct="1">
+              <a:lnSpc>
+                <a:spcPct val="110000"/>
+              </a:lnSpc>
+              <a:spcBef>
+                <a:spcPts val="1000"/>
+              </a:spcBef>
+              <a:buClr>
+                <a:schemeClr val="tx2">
+                  <a:lumMod val="50000"/>
+                  <a:lumOff val="50000"/>
+                </a:schemeClr>
+              </a:buClr>
+              <a:buSzPct val="75000"/>
+              <a:buFont typeface="Wingdings" panose="05000000000000000000" pitchFamily="2" charset="2"/>
+              <a:buChar char="§"/>
+              <a:defRPr sz="2000" kern="1200">
+                <a:solidFill>
+                  <a:schemeClr val="tx2"/>
+                </a:solidFill>
+                <a:latin typeface="+mn-lt"/>
+                <a:ea typeface="+mn-ea"/>
+                <a:cs typeface="+mn-cs"/>
+              </a:defRPr>
+            </a:lvl1pPr>
+            <a:lvl2pPr marL="457200" indent="-228600" algn="l" defTabSz="914400" rtl="0" eaLnBrk="1" latinLnBrk="0" hangingPunct="1">
+              <a:lnSpc>
+                <a:spcPct val="110000"/>
+              </a:lnSpc>
+              <a:spcBef>
+                <a:spcPts val="500"/>
+              </a:spcBef>
+              <a:buClr>
+                <a:schemeClr val="tx2">
+                  <a:lumMod val="50000"/>
+                  <a:lumOff val="50000"/>
+                </a:schemeClr>
+              </a:buClr>
+              <a:buSzPct val="75000"/>
+              <a:buFont typeface="Wingdings" panose="05000000000000000000" pitchFamily="2" charset="2"/>
+              <a:buChar char="§"/>
+              <a:defRPr sz="1800" kern="1200">
+                <a:solidFill>
+                  <a:schemeClr val="tx2"/>
+                </a:solidFill>
+                <a:latin typeface="+mn-lt"/>
+                <a:ea typeface="+mn-ea"/>
+                <a:cs typeface="+mn-cs"/>
+              </a:defRPr>
+            </a:lvl2pPr>
+            <a:lvl3pPr marL="685800" indent="-228600" algn="l" defTabSz="914400" rtl="0" eaLnBrk="1" latinLnBrk="0" hangingPunct="1">
+              <a:lnSpc>
+                <a:spcPct val="110000"/>
+              </a:lnSpc>
+              <a:spcBef>
+                <a:spcPts val="500"/>
+              </a:spcBef>
+              <a:buClr>
+                <a:schemeClr val="tx2">
+                  <a:lumMod val="50000"/>
+                  <a:lumOff val="50000"/>
+                </a:schemeClr>
+              </a:buClr>
+              <a:buSzPct val="75000"/>
+              <a:buFont typeface="Wingdings" panose="05000000000000000000" pitchFamily="2" charset="2"/>
+              <a:buChar char="§"/>
+              <a:defRPr sz="1600" kern="1200">
+                <a:solidFill>
+                  <a:schemeClr val="tx2"/>
+                </a:solidFill>
+                <a:latin typeface="+mn-lt"/>
+                <a:ea typeface="+mn-ea"/>
+                <a:cs typeface="+mn-cs"/>
+              </a:defRPr>
+            </a:lvl3pPr>
+            <a:lvl4pPr marL="914400" indent="-228600" algn="l" defTabSz="914400" rtl="0" eaLnBrk="1" latinLnBrk="0" hangingPunct="1">
+              <a:lnSpc>
+                <a:spcPct val="110000"/>
+              </a:lnSpc>
+              <a:spcBef>
+                <a:spcPts val="500"/>
+              </a:spcBef>
+              <a:buClr>
+                <a:schemeClr val="tx2">
+                  <a:lumMod val="50000"/>
+                  <a:lumOff val="50000"/>
+                </a:schemeClr>
+              </a:buClr>
+              <a:buSzPct val="75000"/>
+              <a:buFont typeface="Wingdings" panose="05000000000000000000" pitchFamily="2" charset="2"/>
+              <a:buChar char="§"/>
+              <a:defRPr sz="1400" kern="1200">
+                <a:solidFill>
+                  <a:schemeClr val="tx2"/>
+                </a:solidFill>
+                <a:latin typeface="+mn-lt"/>
+                <a:ea typeface="+mn-ea"/>
+                <a:cs typeface="+mn-cs"/>
+              </a:defRPr>
+            </a:lvl4pPr>
+            <a:lvl5pPr marL="1143000" indent="-228600" algn="l" defTabSz="914400" rtl="0" eaLnBrk="1" latinLnBrk="0" hangingPunct="1">
+              <a:lnSpc>
+                <a:spcPct val="110000"/>
+              </a:lnSpc>
+              <a:spcBef>
+                <a:spcPts val="500"/>
+              </a:spcBef>
+              <a:buClr>
+                <a:schemeClr val="tx2">
+                  <a:lumMod val="50000"/>
+                  <a:lumOff val="50000"/>
+                </a:schemeClr>
+              </a:buClr>
+              <a:buSzPct val="75000"/>
+              <a:buFont typeface="Wingdings" panose="05000000000000000000" pitchFamily="2" charset="2"/>
+              <a:buChar char="§"/>
+              <a:defRPr sz="1400" kern="1200">
+                <a:solidFill>
+                  <a:schemeClr val="tx2"/>
+                </a:solidFill>
+                <a:latin typeface="+mn-lt"/>
+                <a:ea typeface="+mn-ea"/>
+                <a:cs typeface="+mn-cs"/>
+              </a:defRPr>
+            </a:lvl5pPr>
+            <a:lvl6pPr marL="2514600" indent="-228600" algn="l" defTabSz="914400" rtl="0" eaLnBrk="1" latinLnBrk="0" hangingPunct="1">
+              <a:lnSpc>
+                <a:spcPct val="90000"/>
+              </a:lnSpc>
+              <a:spcBef>
+                <a:spcPts val="500"/>
+              </a:spcBef>
+              <a:buFont typeface="Arial" panose="020B0604020202020204" pitchFamily="34" charset="0"/>
+              <a:buChar char="•"/>
+              <a:defRPr sz="1800" kern="1200">
+                <a:solidFill>
+                  <a:schemeClr val="tx1"/>
+                </a:solidFill>
+                <a:latin typeface="+mn-lt"/>
+                <a:ea typeface="+mn-ea"/>
+                <a:cs typeface="+mn-cs"/>
+              </a:defRPr>
+            </a:lvl6pPr>
+            <a:lvl7pPr marL="2971800" indent="-228600" algn="l" defTabSz="914400" rtl="0" eaLnBrk="1" latinLnBrk="0" hangingPunct="1">
+              <a:lnSpc>
+                <a:spcPct val="90000"/>
+              </a:lnSpc>
+              <a:spcBef>
+                <a:spcPts val="500"/>
+              </a:spcBef>
+              <a:buFont typeface="Arial" panose="020B0604020202020204" pitchFamily="34" charset="0"/>
+              <a:buChar char="•"/>
+              <a:defRPr sz="1800" kern="1200">
+                <a:solidFill>
+                  <a:schemeClr val="tx1"/>
+                </a:solidFill>
+                <a:latin typeface="+mn-lt"/>
+                <a:ea typeface="+mn-ea"/>
+                <a:cs typeface="+mn-cs"/>
+              </a:defRPr>
+            </a:lvl7pPr>
+            <a:lvl8pPr marL="3429000" indent="-228600" algn="l" defTabSz="914400" rtl="0" eaLnBrk="1" latinLnBrk="0" hangingPunct="1">
+              <a:lnSpc>
+                <a:spcPct val="90000"/>
+              </a:lnSpc>
+              <a:spcBef>
+                <a:spcPts val="500"/>
+              </a:spcBef>
+              <a:buFont typeface="Arial" panose="020B0604020202020204" pitchFamily="34" charset="0"/>
+              <a:buChar char="•"/>
+              <a:defRPr sz="1800" kern="1200">
+                <a:solidFill>
+                  <a:schemeClr val="tx1"/>
+                </a:solidFill>
+                <a:latin typeface="+mn-lt"/>
+                <a:ea typeface="+mn-ea"/>
+                <a:cs typeface="+mn-cs"/>
+              </a:defRPr>
+            </a:lvl8pPr>
+            <a:lvl9pPr marL="3886200" indent="-228600" algn="l" defTabSz="914400" rtl="0" eaLnBrk="1" latinLnBrk="0" hangingPunct="1">
+              <a:lnSpc>
+                <a:spcPct val="90000"/>
+              </a:lnSpc>
+              <a:spcBef>
+                <a:spcPts val="500"/>
+              </a:spcBef>
+              <a:buFont typeface="Arial" panose="020B0604020202020204" pitchFamily="34" charset="0"/>
+              <a:buChar char="•"/>
+              <a:defRPr sz="1800" kern="1200">
+                <a:solidFill>
+                  <a:schemeClr val="tx1"/>
+                </a:solidFill>
+                <a:latin typeface="+mn-lt"/>
+                <a:ea typeface="+mn-ea"/>
+                <a:cs typeface="+mn-cs"/>
+              </a:defRPr>
+            </a:lvl9pPr>
+          </a:lstStyle>
+          <a:p>
+            <a:pPr marL="285750" indent="-285750">
+              <a:buFontTx/>
+              <a:buChar char="-"/>
+            </a:pPr>
+            <a:r>
+              <a:rPr lang="en-US" sz="2800" dirty="0"/>
+              <a:t>Num1 and num2 can be thought of as memory slots</a:t>
+            </a:r>
+          </a:p>
+          <a:p>
+            <a:pPr marL="285750" indent="-285750">
+              <a:buFontTx/>
+              <a:buChar char="-"/>
+            </a:pPr>
+            <a:r>
+              <a:rPr lang="en-US" sz="2800" dirty="0"/>
+              <a:t>If either of the above variables changed, the other is not affected</a:t>
+            </a:r>
+          </a:p>
+          <a:p>
+            <a:endParaRPr lang="en-US" dirty="0"/>
           </a:p>
         </p:txBody>
       </p:sp>
@@ -18408,53 +18792,179 @@
           <a:chExt cx="0" cy="0"/>
         </a:xfrm>
       </p:grpSpPr>
-      <p:sp>
-        <p:nvSpPr>
-          <p:cNvPr id="2" name="Title 1">
+      <p:pic>
+        <p:nvPicPr>
+          <p:cNvPr id="4" name="Content Placeholder 3">
             <a:extLst>
               <a:ext uri="{FF2B5EF4-FFF2-40B4-BE49-F238E27FC236}">
-                <a16:creationId xmlns:a16="http://schemas.microsoft.com/office/drawing/2014/main" id="{E2C262FF-2E4C-ED48-901E-6CDADA1FAEE5}"/>
+                <a16:creationId xmlns:a16="http://schemas.microsoft.com/office/drawing/2014/main" id="{9D260876-6AD2-8442-A9D7-888D1D186B0E}"/>
               </a:ext>
             </a:extLst>
           </p:cNvPr>
-          <p:cNvSpPr>
-            <a:spLocks noGrp="1"/>
-          </p:cNvSpPr>
+          <p:cNvPicPr>
+            <a:picLocks noGrp="1" noChangeAspect="1"/>
+          </p:cNvPicPr>
           <p:nvPr>
-            <p:ph type="title"/>
+            <p:ph idx="1"/>
           </p:nvPr>
-        </p:nvSpPr>
-        <p:spPr/>
-        <p:txBody>
-          <a:bodyPr/>
-          <a:lstStyle/>
-          <a:p>
-            <a:endParaRPr lang="en-US"/>
-          </a:p>
-        </p:txBody>
-      </p:sp>
-      <p:sp>
-        <p:nvSpPr>
-          <p:cNvPr id="3" name="Content Placeholder 2">
+        </p:nvPicPr>
+        <p:blipFill>
+          <a:blip r:embed="rId2"/>
+          <a:stretch>
+            <a:fillRect/>
+          </a:stretch>
+        </p:blipFill>
+        <p:spPr>
+          <a:xfrm>
+            <a:off x="565990" y="1135914"/>
+            <a:ext cx="5823973" cy="395804"/>
+          </a:xfrm>
+          <a:prstGeom prst="rect">
+            <a:avLst/>
+          </a:prstGeom>
+        </p:spPr>
+      </p:pic>
+      <p:pic>
+        <p:nvPicPr>
+          <p:cNvPr id="5" name="Picture 4">
             <a:extLst>
               <a:ext uri="{FF2B5EF4-FFF2-40B4-BE49-F238E27FC236}">
-                <a16:creationId xmlns:a16="http://schemas.microsoft.com/office/drawing/2014/main" id="{104EF5DE-3264-964C-88C7-F0273F60CB7B}"/>
+                <a16:creationId xmlns:a16="http://schemas.microsoft.com/office/drawing/2014/main" id="{A1B3D45C-3A58-0941-93F8-6B6621354806}"/>
               </a:ext>
             </a:extLst>
           </p:cNvPr>
-          <p:cNvSpPr>
-            <a:spLocks noGrp="1"/>
-          </p:cNvSpPr>
-          <p:nvPr>
-            <p:ph idx="1"/>
-          </p:nvPr>
+          <p:cNvPicPr>
+            <a:picLocks noChangeAspect="1"/>
+          </p:cNvPicPr>
+          <p:nvPr/>
+        </p:nvPicPr>
+        <p:blipFill>
+          <a:blip r:embed="rId3"/>
+          <a:stretch>
+            <a:fillRect/>
+          </a:stretch>
+        </p:blipFill>
+        <p:spPr>
+          <a:xfrm>
+            <a:off x="565990" y="1964668"/>
+            <a:ext cx="5212484" cy="2928664"/>
+          </a:xfrm>
+          <a:prstGeom prst="rect">
+            <a:avLst/>
+          </a:prstGeom>
+        </p:spPr>
+      </p:pic>
+      <p:pic>
+        <p:nvPicPr>
+          <p:cNvPr id="6" name="Picture 5">
+            <a:extLst>
+              <a:ext uri="{FF2B5EF4-FFF2-40B4-BE49-F238E27FC236}">
+                <a16:creationId xmlns:a16="http://schemas.microsoft.com/office/drawing/2014/main" id="{91E373D9-5B43-4F41-BE85-2D28B23C0502}"/>
+              </a:ext>
+            </a:extLst>
+          </p:cNvPr>
+          <p:cNvPicPr>
+            <a:picLocks noChangeAspect="1"/>
+          </p:cNvPicPr>
+          <p:nvPr/>
+        </p:nvPicPr>
+        <p:blipFill>
+          <a:blip r:embed="rId4"/>
+          <a:stretch>
+            <a:fillRect/>
+          </a:stretch>
+        </p:blipFill>
+        <p:spPr>
+          <a:xfrm>
+            <a:off x="6966064" y="1135914"/>
+            <a:ext cx="4211057" cy="585494"/>
+          </a:xfrm>
+          <a:prstGeom prst="rect">
+            <a:avLst/>
+          </a:prstGeom>
+        </p:spPr>
+      </p:pic>
+      <p:pic>
+        <p:nvPicPr>
+          <p:cNvPr id="7" name="Picture 6">
+            <a:extLst>
+              <a:ext uri="{FF2B5EF4-FFF2-40B4-BE49-F238E27FC236}">
+                <a16:creationId xmlns:a16="http://schemas.microsoft.com/office/drawing/2014/main" id="{15586915-F5A8-6543-BE2D-2E67703660DB}"/>
+              </a:ext>
+            </a:extLst>
+          </p:cNvPr>
+          <p:cNvPicPr>
+            <a:picLocks noChangeAspect="1"/>
+          </p:cNvPicPr>
+          <p:nvPr/>
+        </p:nvPicPr>
+        <p:blipFill>
+          <a:blip r:embed="rId5"/>
+          <a:stretch>
+            <a:fillRect/>
+          </a:stretch>
+        </p:blipFill>
+        <p:spPr>
+          <a:xfrm>
+            <a:off x="6413528" y="2086632"/>
+            <a:ext cx="5029200" cy="2806700"/>
+          </a:xfrm>
+          <a:prstGeom prst="rect">
+            <a:avLst/>
+          </a:prstGeom>
+        </p:spPr>
+      </p:pic>
+      <p:sp>
+        <p:nvSpPr>
+          <p:cNvPr id="8" name="Rectangle 7">
+            <a:extLst>
+              <a:ext uri="{FF2B5EF4-FFF2-40B4-BE49-F238E27FC236}">
+                <a16:creationId xmlns:a16="http://schemas.microsoft.com/office/drawing/2014/main" id="{03D04F78-DF4D-F74A-ADE4-C6AFA82C1FB0}"/>
+              </a:ext>
+            </a:extLst>
+          </p:cNvPr>
+          <p:cNvSpPr/>
+          <p:nvPr/>
         </p:nvSpPr>
-        <p:spPr/>
+        <p:spPr>
+          <a:xfrm>
+            <a:off x="1050537" y="5153116"/>
+            <a:ext cx="10090925" cy="1137940"/>
+          </a:xfrm>
+          <a:prstGeom prst="rect">
+            <a:avLst/>
+          </a:prstGeom>
+        </p:spPr>
         <p:txBody>
-          <a:bodyPr/>
+          <a:bodyPr wrap="square">
+            <a:spAutoFit/>
+          </a:bodyPr>
           <a:lstStyle/>
           <a:p>
-            <a:endParaRPr lang="en-US"/>
+            <a:pPr>
+              <a:lnSpc>
+                <a:spcPct val="150000"/>
+              </a:lnSpc>
+            </a:pPr>
+            <a:r>
+              <a:rPr lang="en-US" sz="2400" dirty="0"/>
+              <a:t>- Changing one Date object will affect the other</a:t>
+            </a:r>
+          </a:p>
+          <a:p>
+            <a:pPr>
+              <a:lnSpc>
+                <a:spcPct val="150000"/>
+              </a:lnSpc>
+            </a:pPr>
+            <a:r>
+              <a:rPr lang="en-US" sz="2400" dirty="0"/>
+              <a:t>- Having two references for the same object is known as </a:t>
+            </a:r>
+            <a:r>
+              <a:rPr lang="en-US" sz="2400" b="1" dirty="0"/>
+              <a:t>aliasing</a:t>
+            </a:r>
           </a:p>
         </p:txBody>
       </p:sp>
@@ -18509,7 +19019,10 @@
           <a:bodyPr/>
           <a:lstStyle/>
           <a:p>
-            <a:endParaRPr lang="en-US"/>
+            <a:r>
+              <a:rPr lang="en-US" dirty="0"/>
+              <a:t>The Null Reference</a:t>
+            </a:r>
           </a:p>
         </p:txBody>
       </p:sp>
@@ -18529,15 +19042,84 @@
             <p:ph idx="1"/>
           </p:nvPr>
         </p:nvSpPr>
-        <p:spPr/>
+        <p:spPr>
+          <a:xfrm>
+            <a:off x="691079" y="2833485"/>
+            <a:ext cx="10325000" cy="3071082"/>
+          </a:xfrm>
+        </p:spPr>
         <p:txBody>
-          <a:bodyPr/>
+          <a:bodyPr>
+            <a:normAutofit/>
+          </a:bodyPr>
           <a:lstStyle/>
           <a:p>
-            <a:endParaRPr lang="en-US"/>
+            <a:r>
+              <a:rPr lang="en-US" sz="2800" dirty="0"/>
+              <a:t>Is a declaration that defines a reference b that is uninitialized</a:t>
+            </a:r>
+          </a:p>
+          <a:p>
+            <a:r>
+              <a:rPr lang="en-US" sz="2800" dirty="0"/>
+              <a:t>An uninitialized variable is called a </a:t>
+            </a:r>
+            <a:r>
+              <a:rPr lang="en-US" sz="2800" b="1" dirty="0"/>
+              <a:t>null reference </a:t>
+            </a:r>
+            <a:r>
+              <a:rPr lang="en-US" sz="2800" dirty="0"/>
+              <a:t>or </a:t>
+            </a:r>
+            <a:r>
+              <a:rPr lang="en-US" sz="2800" b="1" dirty="0"/>
+              <a:t>null pointer</a:t>
+            </a:r>
+          </a:p>
+          <a:p>
+            <a:r>
+              <a:rPr lang="en-US" sz="2800" dirty="0"/>
+              <a:t>Attempting to invoke a method with a null reference may cause the program to terminate with a </a:t>
+            </a:r>
+            <a:r>
+              <a:rPr lang="en-US" sz="2800" b="1" dirty="0" err="1"/>
+              <a:t>NullPointerException</a:t>
+            </a:r>
+            <a:endParaRPr lang="en-US" sz="2800" b="1" dirty="0"/>
           </a:p>
         </p:txBody>
       </p:sp>
+      <p:pic>
+        <p:nvPicPr>
+          <p:cNvPr id="4" name="Picture 3">
+            <a:extLst>
+              <a:ext uri="{FF2B5EF4-FFF2-40B4-BE49-F238E27FC236}">
+                <a16:creationId xmlns:a16="http://schemas.microsoft.com/office/drawing/2014/main" id="{5006AA2F-6116-444F-B7CF-A081856D4E79}"/>
+              </a:ext>
+            </a:extLst>
+          </p:cNvPr>
+          <p:cNvPicPr>
+            <a:picLocks noChangeAspect="1"/>
+          </p:cNvPicPr>
+          <p:nvPr/>
+        </p:nvPicPr>
+        <p:blipFill>
+          <a:blip r:embed="rId2"/>
+          <a:stretch>
+            <a:fillRect/>
+          </a:stretch>
+        </p:blipFill>
+        <p:spPr>
+          <a:xfrm>
+            <a:off x="691079" y="2272323"/>
+            <a:ext cx="3610956" cy="561162"/>
+          </a:xfrm>
+          <a:prstGeom prst="rect">
+            <a:avLst/>
+          </a:prstGeom>
+        </p:spPr>
+      </p:pic>
     </p:spTree>
     <p:extLst>
       <p:ext uri="{BB962C8B-B14F-4D97-AF65-F5344CB8AC3E}">
@@ -18589,7 +19171,10 @@
           <a:bodyPr/>
           <a:lstStyle/>
           <a:p>
-            <a:endParaRPr lang="en-US"/>
+            <a:r>
+              <a:rPr lang="en-US" dirty="0"/>
+              <a:t>Variable Initialization</a:t>
+            </a:r>
           </a:p>
         </p:txBody>
       </p:sp>
@@ -18609,12 +19194,84 @@
             <p:ph idx="1"/>
           </p:nvPr>
         </p:nvSpPr>
-        <p:spPr/>
+        <p:spPr>
+          <a:xfrm>
+            <a:off x="691079" y="2340131"/>
+            <a:ext cx="10325000" cy="4093920"/>
+          </a:xfrm>
+        </p:spPr>
         <p:txBody>
-          <a:bodyPr/>
+          <a:bodyPr>
+            <a:normAutofit fontScale="70000" lnSpcReduction="20000"/>
+          </a:bodyPr>
           <a:lstStyle/>
           <a:p>
-            <a:endParaRPr lang="en-US"/>
+            <a:pPr>
+              <a:lnSpc>
+                <a:spcPct val="160000"/>
+              </a:lnSpc>
+            </a:pPr>
+            <a:r>
+              <a:rPr lang="en-US" sz="3400" dirty="0"/>
+              <a:t>Not initializing a </a:t>
+            </a:r>
+            <a:r>
+              <a:rPr lang="en-US" sz="3400" b="1" dirty="0"/>
+              <a:t>local variable </a:t>
+            </a:r>
+            <a:r>
+              <a:rPr lang="en-US" sz="3400" dirty="0"/>
+              <a:t>before you use it will result in a compile-time error</a:t>
+            </a:r>
+          </a:p>
+          <a:p>
+            <a:pPr>
+              <a:lnSpc>
+                <a:spcPct val="160000"/>
+              </a:lnSpc>
+            </a:pPr>
+            <a:r>
+              <a:rPr lang="en-US" sz="3400" dirty="0"/>
+              <a:t>Java will give your </a:t>
+            </a:r>
+            <a:r>
+              <a:rPr lang="en-US" sz="3400" b="1" dirty="0"/>
+              <a:t>instance variable </a:t>
+            </a:r>
+            <a:r>
+              <a:rPr lang="en-US" sz="3400" dirty="0"/>
+              <a:t>some default value if you do not initialize it (0 for numbers, false for </a:t>
+            </a:r>
+            <a:r>
+              <a:rPr lang="en-US" sz="3400" dirty="0" err="1"/>
+              <a:t>booleans</a:t>
+            </a:r>
+            <a:r>
+              <a:rPr lang="en-US" sz="3400" dirty="0"/>
+              <a:t>), program may run without error</a:t>
+            </a:r>
+          </a:p>
+          <a:p>
+            <a:pPr>
+              <a:lnSpc>
+                <a:spcPct val="160000"/>
+              </a:lnSpc>
+            </a:pPr>
+            <a:r>
+              <a:rPr lang="en-US" sz="3400" dirty="0"/>
+              <a:t>Java will set your </a:t>
+            </a:r>
+            <a:r>
+              <a:rPr lang="en-US" sz="3400" b="1" dirty="0"/>
+              <a:t>reference instance variables </a:t>
+            </a:r>
+            <a:r>
+              <a:rPr lang="en-US" sz="3400" dirty="0"/>
+              <a:t>to null if you do not initialize it</a:t>
+            </a:r>
+          </a:p>
+          <a:p>
+            <a:endParaRPr lang="en-US" dirty="0"/>
           </a:p>
         </p:txBody>
       </p:sp>
@@ -18664,12 +19321,20 @@
             <p:ph type="title"/>
           </p:nvPr>
         </p:nvSpPr>
-        <p:spPr/>
+        <p:spPr>
+          <a:xfrm>
+            <a:off x="691079" y="345104"/>
+            <a:ext cx="10325000" cy="1442463"/>
+          </a:xfrm>
+        </p:spPr>
         <p:txBody>
           <a:bodyPr/>
           <a:lstStyle/>
           <a:p>
-            <a:endParaRPr lang="en-US"/>
+            <a:r>
+              <a:rPr lang="en-US" dirty="0"/>
+              <a:t>Method Parameters</a:t>
+            </a:r>
           </a:p>
         </p:txBody>
       </p:sp>
@@ -18689,15 +19354,92 @@
             <p:ph idx="1"/>
           </p:nvPr>
         </p:nvSpPr>
-        <p:spPr/>
+        <p:spPr>
+          <a:xfrm>
+            <a:off x="691079" y="3429000"/>
+            <a:ext cx="10325000" cy="1641434"/>
+          </a:xfrm>
+        </p:spPr>
         <p:txBody>
-          <a:bodyPr/>
+          <a:bodyPr>
+            <a:normAutofit/>
+          </a:bodyPr>
           <a:lstStyle/>
           <a:p>
-            <a:endParaRPr lang="en-US"/>
+            <a:r>
+              <a:rPr lang="en-US" sz="2800" dirty="0" err="1"/>
+              <a:t>acctPassword</a:t>
+            </a:r>
+            <a:r>
+              <a:rPr lang="en-US" sz="2800" dirty="0"/>
+              <a:t> and amount are called dummy/formal parameters, they are placeholders for actual parameters that will be provided by a method call</a:t>
+            </a:r>
+          </a:p>
+          <a:p>
+            <a:endParaRPr lang="en-US" dirty="0"/>
           </a:p>
         </p:txBody>
       </p:sp>
+      <p:pic>
+        <p:nvPicPr>
+          <p:cNvPr id="4" name="Picture 3">
+            <a:extLst>
+              <a:ext uri="{FF2B5EF4-FFF2-40B4-BE49-F238E27FC236}">
+                <a16:creationId xmlns:a16="http://schemas.microsoft.com/office/drawing/2014/main" id="{FC6F457C-177B-D249-B5FB-391DA3DCDF18}"/>
+              </a:ext>
+            </a:extLst>
+          </p:cNvPr>
+          <p:cNvPicPr>
+            <a:picLocks noChangeAspect="1"/>
+          </p:cNvPicPr>
+          <p:nvPr/>
+        </p:nvPicPr>
+        <p:blipFill>
+          <a:blip r:embed="rId2"/>
+          <a:stretch>
+            <a:fillRect/>
+          </a:stretch>
+        </p:blipFill>
+        <p:spPr>
+          <a:xfrm>
+            <a:off x="691079" y="1831455"/>
+            <a:ext cx="9290571" cy="1597544"/>
+          </a:xfrm>
+          <a:prstGeom prst="rect">
+            <a:avLst/>
+          </a:prstGeom>
+        </p:spPr>
+      </p:pic>
+      <p:pic>
+        <p:nvPicPr>
+          <p:cNvPr id="5" name="Picture 4">
+            <a:extLst>
+              <a:ext uri="{FF2B5EF4-FFF2-40B4-BE49-F238E27FC236}">
+                <a16:creationId xmlns:a16="http://schemas.microsoft.com/office/drawing/2014/main" id="{AF637819-6A5D-2A41-8137-BDE4FA465551}"/>
+              </a:ext>
+            </a:extLst>
+          </p:cNvPr>
+          <p:cNvPicPr>
+            <a:picLocks noChangeAspect="1"/>
+          </p:cNvPicPr>
+          <p:nvPr/>
+        </p:nvPicPr>
+        <p:blipFill>
+          <a:blip r:embed="rId3"/>
+          <a:stretch>
+            <a:fillRect/>
+          </a:stretch>
+        </p:blipFill>
+        <p:spPr>
+          <a:xfrm>
+            <a:off x="691079" y="5070432"/>
+            <a:ext cx="7913815" cy="1043580"/>
+          </a:xfrm>
+          <a:prstGeom prst="rect">
+            <a:avLst/>
+          </a:prstGeom>
+        </p:spPr>
+      </p:pic>
     </p:spTree>
     <p:extLst>
       <p:ext uri="{BB962C8B-B14F-4D97-AF65-F5344CB8AC3E}">
@@ -18849,7 +19591,10 @@
           <a:bodyPr/>
           <a:lstStyle/>
           <a:p>
-            <a:endParaRPr lang="en-US"/>
+            <a:r>
+              <a:rPr lang="en-US" dirty="0"/>
+              <a:t>Method Parameters</a:t>
+            </a:r>
           </a:p>
         </p:txBody>
       </p:sp>
@@ -18871,10 +19616,31 @@
         </p:nvSpPr>
         <p:spPr/>
         <p:txBody>
-          <a:bodyPr/>
+          <a:bodyPr>
+            <a:normAutofit/>
+          </a:bodyPr>
           <a:lstStyle/>
           <a:p>
-            <a:endParaRPr lang="en-US"/>
+            <a:r>
+              <a:rPr lang="en-US" sz="2800" dirty="0"/>
+              <a:t>Parameters are </a:t>
+            </a:r>
+            <a:r>
+              <a:rPr lang="en-US" sz="2800" b="1" dirty="0"/>
+              <a:t>passed by value</a:t>
+            </a:r>
+          </a:p>
+          <a:p>
+            <a:r>
+              <a:rPr lang="en-US" sz="2800" dirty="0"/>
+              <a:t>During execution of the method, the parameters are local to that method</a:t>
+            </a:r>
+          </a:p>
+          <a:p>
+            <a:r>
+              <a:rPr lang="en-US" sz="2800" dirty="0"/>
+              <a:t>Any changes made to the parameters will not affect the values of the arguments in the calling program</a:t>
+            </a:r>
           </a:p>
         </p:txBody>
       </p:sp>
@@ -18933,12 +19699,102 @@
           </a:p>
         </p:txBody>
       </p:sp>
+      <p:pic>
+        <p:nvPicPr>
+          <p:cNvPr id="4" name="Content Placeholder 3">
+            <a:extLst>
+              <a:ext uri="{FF2B5EF4-FFF2-40B4-BE49-F238E27FC236}">
+                <a16:creationId xmlns:a16="http://schemas.microsoft.com/office/drawing/2014/main" id="{A47C27BF-7FC1-824A-A4DE-8DE8D860F95A}"/>
+              </a:ext>
+            </a:extLst>
+          </p:cNvPr>
+          <p:cNvPicPr>
+            <a:picLocks noGrp="1" noChangeAspect="1"/>
+          </p:cNvPicPr>
+          <p:nvPr>
+            <p:ph idx="1"/>
+          </p:nvPr>
+        </p:nvPicPr>
+        <p:blipFill>
+          <a:blip r:embed="rId2"/>
+          <a:stretch>
+            <a:fillRect/>
+          </a:stretch>
+        </p:blipFill>
+        <p:spPr>
+          <a:xfrm>
+            <a:off x="2423527" y="683180"/>
+            <a:ext cx="6860104" cy="5600085"/>
+          </a:xfrm>
+          <a:prstGeom prst="rect">
+            <a:avLst/>
+          </a:prstGeom>
+        </p:spPr>
+      </p:pic>
+    </p:spTree>
+    <p:extLst>
+      <p:ext uri="{BB962C8B-B14F-4D97-AF65-F5344CB8AC3E}">
+        <p14:creationId xmlns:p14="http://schemas.microsoft.com/office/powerpoint/2010/main" val="996985274"/>
+      </p:ext>
+    </p:extLst>
+  </p:cSld>
+  <p:clrMapOvr>
+    <a:masterClrMapping/>
+  </p:clrMapOvr>
+</p:sld>
+</file>
+
+<file path=ppt/slides/slide32.xml><?xml version="1.0" encoding="utf-8"?>
+<p:sld xmlns:a="http://schemas.openxmlformats.org/drawingml/2006/main" xmlns:r="http://schemas.openxmlformats.org/officeDocument/2006/relationships" xmlns:p="http://schemas.openxmlformats.org/presentationml/2006/main">
+  <p:cSld>
+    <p:spTree>
+      <p:nvGrpSpPr>
+        <p:cNvPr id="1" name=""/>
+        <p:cNvGrpSpPr/>
+        <p:nvPr/>
+      </p:nvGrpSpPr>
+      <p:grpSpPr>
+        <a:xfrm>
+          <a:off x="0" y="0"/>
+          <a:ext cx="0" cy="0"/>
+          <a:chOff x="0" y="0"/>
+          <a:chExt cx="0" cy="0"/>
+        </a:xfrm>
+      </p:grpSpPr>
+      <p:sp>
+        <p:nvSpPr>
+          <p:cNvPr id="2" name="Title 1">
+            <a:extLst>
+              <a:ext uri="{FF2B5EF4-FFF2-40B4-BE49-F238E27FC236}">
+                <a16:creationId xmlns:a16="http://schemas.microsoft.com/office/drawing/2014/main" id="{2C2D0733-8D17-1249-8BC5-B7D3E833B524}"/>
+              </a:ext>
+            </a:extLst>
+          </p:cNvPr>
+          <p:cNvSpPr>
+            <a:spLocks noGrp="1"/>
+          </p:cNvSpPr>
+          <p:nvPr>
+            <p:ph type="title"/>
+          </p:nvPr>
+        </p:nvSpPr>
+        <p:spPr/>
+        <p:txBody>
+          <a:bodyPr/>
+          <a:lstStyle/>
+          <a:p>
+            <a:r>
+              <a:rPr lang="en-US" dirty="0"/>
+              <a:t>Passing Objects as Parameters</a:t>
+            </a:r>
+          </a:p>
+        </p:txBody>
+      </p:sp>
       <p:sp>
         <p:nvSpPr>
           <p:cNvPr id="3" name="Content Placeholder 2">
             <a:extLst>
               <a:ext uri="{FF2B5EF4-FFF2-40B4-BE49-F238E27FC236}">
-                <a16:creationId xmlns:a16="http://schemas.microsoft.com/office/drawing/2014/main" id="{C0F1454E-E851-4847-B06A-9FD5E29A41BF}"/>
+                <a16:creationId xmlns:a16="http://schemas.microsoft.com/office/drawing/2014/main" id="{6367590B-33EC-D34F-B449-36359987D3A6}"/>
               </a:ext>
             </a:extLst>
           </p:cNvPr>
@@ -18951,17 +19807,615 @@
         </p:nvSpPr>
         <p:spPr/>
         <p:txBody>
-          <a:bodyPr/>
+          <a:bodyPr>
+            <a:normAutofit/>
+          </a:bodyPr>
           <a:lstStyle/>
           <a:p>
-            <a:endParaRPr lang="en-US"/>
+            <a:r>
+              <a:rPr lang="en-US" sz="2800" dirty="0"/>
+              <a:t>Objects references are passed by value</a:t>
+            </a:r>
+          </a:p>
+          <a:p>
+            <a:r>
+              <a:rPr lang="en-US" sz="2800" dirty="0"/>
+              <a:t>Object reference will not be changed, but the object it refers to might</a:t>
+            </a:r>
           </a:p>
         </p:txBody>
       </p:sp>
     </p:spTree>
     <p:extLst>
       <p:ext uri="{BB962C8B-B14F-4D97-AF65-F5344CB8AC3E}">
-        <p14:creationId xmlns:p14="http://schemas.microsoft.com/office/powerpoint/2010/main" val="996985274"/>
+        <p14:creationId xmlns:p14="http://schemas.microsoft.com/office/powerpoint/2010/main" val="2506956990"/>
+      </p:ext>
+    </p:extLst>
+  </p:cSld>
+  <p:clrMapOvr>
+    <a:masterClrMapping/>
+  </p:clrMapOvr>
+</p:sld>
+</file>
+
+<file path=ppt/slides/slide33.xml><?xml version="1.0" encoding="utf-8"?>
+<p:sld xmlns:a="http://schemas.openxmlformats.org/drawingml/2006/main" xmlns:r="http://schemas.openxmlformats.org/officeDocument/2006/relationships" xmlns:p="http://schemas.openxmlformats.org/presentationml/2006/main">
+  <p:cSld>
+    <p:spTree>
+      <p:nvGrpSpPr>
+        <p:cNvPr id="1" name=""/>
+        <p:cNvGrpSpPr/>
+        <p:nvPr/>
+      </p:nvGrpSpPr>
+      <p:grpSpPr>
+        <a:xfrm>
+          <a:off x="0" y="0"/>
+          <a:ext cx="0" cy="0"/>
+          <a:chOff x="0" y="0"/>
+          <a:chExt cx="0" cy="0"/>
+        </a:xfrm>
+      </p:grpSpPr>
+      <p:sp>
+        <p:nvSpPr>
+          <p:cNvPr id="2" name="Title 1">
+            <a:extLst>
+              <a:ext uri="{FF2B5EF4-FFF2-40B4-BE49-F238E27FC236}">
+                <a16:creationId xmlns:a16="http://schemas.microsoft.com/office/drawing/2014/main" id="{9D45F3B9-FB3C-474E-9E6E-9F62A3D8358F}"/>
+              </a:ext>
+            </a:extLst>
+          </p:cNvPr>
+          <p:cNvSpPr>
+            <a:spLocks noGrp="1"/>
+          </p:cNvSpPr>
+          <p:nvPr>
+            <p:ph type="title"/>
+          </p:nvPr>
+        </p:nvSpPr>
+        <p:spPr/>
+        <p:txBody>
+          <a:bodyPr/>
+          <a:lstStyle/>
+          <a:p>
+            <a:endParaRPr lang="en-US" dirty="0"/>
+          </a:p>
+        </p:txBody>
+      </p:sp>
+      <p:pic>
+        <p:nvPicPr>
+          <p:cNvPr id="4" name="Content Placeholder 3">
+            <a:extLst>
+              <a:ext uri="{FF2B5EF4-FFF2-40B4-BE49-F238E27FC236}">
+                <a16:creationId xmlns:a16="http://schemas.microsoft.com/office/drawing/2014/main" id="{C95D11EB-E2C3-EF48-9C34-C847F1908210}"/>
+              </a:ext>
+            </a:extLst>
+          </p:cNvPr>
+          <p:cNvPicPr>
+            <a:picLocks noGrp="1" noChangeAspect="1"/>
+          </p:cNvPicPr>
+          <p:nvPr>
+            <p:ph idx="1"/>
+          </p:nvPr>
+        </p:nvPicPr>
+        <p:blipFill>
+          <a:blip r:embed="rId2"/>
+          <a:stretch>
+            <a:fillRect/>
+          </a:stretch>
+        </p:blipFill>
+        <p:spPr>
+          <a:xfrm>
+            <a:off x="913007" y="725951"/>
+            <a:ext cx="9876913" cy="5403783"/>
+          </a:xfrm>
+          <a:prstGeom prst="rect">
+            <a:avLst/>
+          </a:prstGeom>
+        </p:spPr>
+      </p:pic>
+    </p:spTree>
+    <p:extLst>
+      <p:ext uri="{BB962C8B-B14F-4D97-AF65-F5344CB8AC3E}">
+        <p14:creationId xmlns:p14="http://schemas.microsoft.com/office/powerpoint/2010/main" val="1873763091"/>
+      </p:ext>
+    </p:extLst>
+  </p:cSld>
+  <p:clrMapOvr>
+    <a:masterClrMapping/>
+  </p:clrMapOvr>
+</p:sld>
+</file>
+
+<file path=ppt/slides/slide34.xml><?xml version="1.0" encoding="utf-8"?>
+<p:sld xmlns:a="http://schemas.openxmlformats.org/drawingml/2006/main" xmlns:r="http://schemas.openxmlformats.org/officeDocument/2006/relationships" xmlns:p="http://schemas.openxmlformats.org/presentationml/2006/main">
+  <p:cSld>
+    <p:spTree>
+      <p:nvGrpSpPr>
+        <p:cNvPr id="1" name=""/>
+        <p:cNvGrpSpPr/>
+        <p:nvPr/>
+      </p:nvGrpSpPr>
+      <p:grpSpPr>
+        <a:xfrm>
+          <a:off x="0" y="0"/>
+          <a:ext cx="0" cy="0"/>
+          <a:chOff x="0" y="0"/>
+          <a:chExt cx="0" cy="0"/>
+        </a:xfrm>
+      </p:grpSpPr>
+      <p:pic>
+        <p:nvPicPr>
+          <p:cNvPr id="4" name="Content Placeholder 3">
+            <a:extLst>
+              <a:ext uri="{FF2B5EF4-FFF2-40B4-BE49-F238E27FC236}">
+                <a16:creationId xmlns:a16="http://schemas.microsoft.com/office/drawing/2014/main" id="{2B5C99CE-0C38-5442-86DE-CF163BD16A66}"/>
+              </a:ext>
+            </a:extLst>
+          </p:cNvPr>
+          <p:cNvPicPr>
+            <a:picLocks noGrp="1" noChangeAspect="1"/>
+          </p:cNvPicPr>
+          <p:nvPr>
+            <p:ph idx="1"/>
+          </p:nvPr>
+        </p:nvPicPr>
+        <p:blipFill>
+          <a:blip r:embed="rId2"/>
+          <a:stretch>
+            <a:fillRect/>
+          </a:stretch>
+        </p:blipFill>
+        <p:spPr>
+          <a:xfrm>
+            <a:off x="1949711" y="751133"/>
+            <a:ext cx="7607300" cy="2286000"/>
+          </a:xfrm>
+          <a:prstGeom prst="rect">
+            <a:avLst/>
+          </a:prstGeom>
+        </p:spPr>
+      </p:pic>
+      <p:pic>
+        <p:nvPicPr>
+          <p:cNvPr id="5" name="Picture 4">
+            <a:extLst>
+              <a:ext uri="{FF2B5EF4-FFF2-40B4-BE49-F238E27FC236}">
+                <a16:creationId xmlns:a16="http://schemas.microsoft.com/office/drawing/2014/main" id="{A963B546-555F-6F4A-A76B-3D2C96ED5D93}"/>
+              </a:ext>
+            </a:extLst>
+          </p:cNvPr>
+          <p:cNvPicPr>
+            <a:picLocks noChangeAspect="1"/>
+          </p:cNvPicPr>
+          <p:nvPr/>
+        </p:nvPicPr>
+        <p:blipFill>
+          <a:blip r:embed="rId3"/>
+          <a:stretch>
+            <a:fillRect/>
+          </a:stretch>
+        </p:blipFill>
+        <p:spPr>
+          <a:xfrm>
+            <a:off x="2080145" y="3429000"/>
+            <a:ext cx="7632700" cy="3187700"/>
+          </a:xfrm>
+          <a:prstGeom prst="rect">
+            <a:avLst/>
+          </a:prstGeom>
+        </p:spPr>
+      </p:pic>
+    </p:spTree>
+    <p:extLst>
+      <p:ext uri="{BB962C8B-B14F-4D97-AF65-F5344CB8AC3E}">
+        <p14:creationId xmlns:p14="http://schemas.microsoft.com/office/powerpoint/2010/main" val="938392872"/>
+      </p:ext>
+    </p:extLst>
+  </p:cSld>
+  <p:clrMapOvr>
+    <a:masterClrMapping/>
+  </p:clrMapOvr>
+</p:sld>
+</file>
+
+<file path=ppt/slides/slide35.xml><?xml version="1.0" encoding="utf-8"?>
+<p:sld xmlns:a="http://schemas.openxmlformats.org/drawingml/2006/main" xmlns:r="http://schemas.openxmlformats.org/officeDocument/2006/relationships" xmlns:p="http://schemas.openxmlformats.org/presentationml/2006/main">
+  <p:cSld>
+    <p:spTree>
+      <p:nvGrpSpPr>
+        <p:cNvPr id="1" name=""/>
+        <p:cNvGrpSpPr/>
+        <p:nvPr/>
+      </p:nvGrpSpPr>
+      <p:grpSpPr>
+        <a:xfrm>
+          <a:off x="0" y="0"/>
+          <a:ext cx="0" cy="0"/>
+          <a:chOff x="0" y="0"/>
+          <a:chExt cx="0" cy="0"/>
+        </a:xfrm>
+      </p:grpSpPr>
+      <p:pic>
+        <p:nvPicPr>
+          <p:cNvPr id="4" name="Content Placeholder 3">
+            <a:extLst>
+              <a:ext uri="{FF2B5EF4-FFF2-40B4-BE49-F238E27FC236}">
+                <a16:creationId xmlns:a16="http://schemas.microsoft.com/office/drawing/2014/main" id="{E71BACE3-BF96-9848-8514-102EAEDE49FF}"/>
+              </a:ext>
+            </a:extLst>
+          </p:cNvPr>
+          <p:cNvPicPr>
+            <a:picLocks noGrp="1" noChangeAspect="1"/>
+          </p:cNvPicPr>
+          <p:nvPr>
+            <p:ph idx="1"/>
+          </p:nvPr>
+        </p:nvPicPr>
+        <p:blipFill>
+          <a:blip r:embed="rId2"/>
+          <a:stretch>
+            <a:fillRect/>
+          </a:stretch>
+        </p:blipFill>
+        <p:spPr>
+          <a:xfrm>
+            <a:off x="2119313" y="289084"/>
+            <a:ext cx="7467600" cy="3276600"/>
+          </a:xfrm>
+          <a:prstGeom prst="rect">
+            <a:avLst/>
+          </a:prstGeom>
+        </p:spPr>
+      </p:pic>
+      <p:pic>
+        <p:nvPicPr>
+          <p:cNvPr id="5" name="Picture 4">
+            <a:extLst>
+              <a:ext uri="{FF2B5EF4-FFF2-40B4-BE49-F238E27FC236}">
+                <a16:creationId xmlns:a16="http://schemas.microsoft.com/office/drawing/2014/main" id="{CC26F6DC-DEB2-A24B-9AC9-2366EB1AD1D1}"/>
+              </a:ext>
+            </a:extLst>
+          </p:cNvPr>
+          <p:cNvPicPr>
+            <a:picLocks noChangeAspect="1"/>
+          </p:cNvPicPr>
+          <p:nvPr/>
+        </p:nvPicPr>
+        <p:blipFill>
+          <a:blip r:embed="rId3"/>
+          <a:stretch>
+            <a:fillRect/>
+          </a:stretch>
+        </p:blipFill>
+        <p:spPr>
+          <a:xfrm>
+            <a:off x="2119313" y="3763241"/>
+            <a:ext cx="7454900" cy="2324100"/>
+          </a:xfrm>
+          <a:prstGeom prst="rect">
+            <a:avLst/>
+          </a:prstGeom>
+        </p:spPr>
+      </p:pic>
+    </p:spTree>
+    <p:extLst>
+      <p:ext uri="{BB962C8B-B14F-4D97-AF65-F5344CB8AC3E}">
+        <p14:creationId xmlns:p14="http://schemas.microsoft.com/office/powerpoint/2010/main" val="2725565518"/>
+      </p:ext>
+    </p:extLst>
+  </p:cSld>
+  <p:clrMapOvr>
+    <a:masterClrMapping/>
+  </p:clrMapOvr>
+</p:sld>
+</file>
+
+<file path=ppt/slides/slide36.xml><?xml version="1.0" encoding="utf-8"?>
+<p:sld xmlns:a="http://schemas.openxmlformats.org/drawingml/2006/main" xmlns:r="http://schemas.openxmlformats.org/officeDocument/2006/relationships" xmlns:p="http://schemas.openxmlformats.org/presentationml/2006/main">
+  <p:cSld>
+    <p:spTree>
+      <p:nvGrpSpPr>
+        <p:cNvPr id="1" name=""/>
+        <p:cNvGrpSpPr/>
+        <p:nvPr/>
+      </p:nvGrpSpPr>
+      <p:grpSpPr>
+        <a:xfrm>
+          <a:off x="0" y="0"/>
+          <a:ext cx="0" cy="0"/>
+          <a:chOff x="0" y="0"/>
+          <a:chExt cx="0" cy="0"/>
+        </a:xfrm>
+      </p:grpSpPr>
+      <p:sp>
+        <p:nvSpPr>
+          <p:cNvPr id="2" name="Title 1">
+            <a:extLst>
+              <a:ext uri="{FF2B5EF4-FFF2-40B4-BE49-F238E27FC236}">
+                <a16:creationId xmlns:a16="http://schemas.microsoft.com/office/drawing/2014/main" id="{BBFB1326-4D16-1A48-8543-508689B51472}"/>
+              </a:ext>
+            </a:extLst>
+          </p:cNvPr>
+          <p:cNvSpPr>
+            <a:spLocks noGrp="1"/>
+          </p:cNvSpPr>
+          <p:nvPr>
+            <p:ph type="title"/>
+          </p:nvPr>
+        </p:nvSpPr>
+        <p:spPr/>
+        <p:txBody>
+          <a:bodyPr/>
+          <a:lstStyle/>
+          <a:p>
+            <a:endParaRPr lang="en-US"/>
+          </a:p>
+        </p:txBody>
+      </p:sp>
+      <p:pic>
+        <p:nvPicPr>
+          <p:cNvPr id="4" name="Content Placeholder 3">
+            <a:extLst>
+              <a:ext uri="{FF2B5EF4-FFF2-40B4-BE49-F238E27FC236}">
+                <a16:creationId xmlns:a16="http://schemas.microsoft.com/office/drawing/2014/main" id="{DBA17700-D0A2-C840-A1CF-478ABD56B9F8}"/>
+              </a:ext>
+            </a:extLst>
+          </p:cNvPr>
+          <p:cNvPicPr>
+            <a:picLocks noGrp="1" noChangeAspect="1"/>
+          </p:cNvPicPr>
+          <p:nvPr>
+            <p:ph idx="1"/>
+          </p:nvPr>
+        </p:nvPicPr>
+        <p:blipFill>
+          <a:blip r:embed="rId2"/>
+          <a:stretch>
+            <a:fillRect/>
+          </a:stretch>
+        </p:blipFill>
+        <p:spPr>
+          <a:xfrm>
+            <a:off x="1479665" y="560794"/>
+            <a:ext cx="8776711" cy="5736412"/>
+          </a:xfrm>
+          <a:prstGeom prst="rect">
+            <a:avLst/>
+          </a:prstGeom>
+        </p:spPr>
+      </p:pic>
+    </p:spTree>
+    <p:extLst>
+      <p:ext uri="{BB962C8B-B14F-4D97-AF65-F5344CB8AC3E}">
+        <p14:creationId xmlns:p14="http://schemas.microsoft.com/office/powerpoint/2010/main" val="4141851553"/>
+      </p:ext>
+    </p:extLst>
+  </p:cSld>
+  <p:clrMapOvr>
+    <a:masterClrMapping/>
+  </p:clrMapOvr>
+</p:sld>
+</file>
+
+<file path=ppt/slides/slide37.xml><?xml version="1.0" encoding="utf-8"?>
+<p:sld xmlns:a="http://schemas.openxmlformats.org/drawingml/2006/main" xmlns:r="http://schemas.openxmlformats.org/officeDocument/2006/relationships" xmlns:p="http://schemas.openxmlformats.org/presentationml/2006/main">
+  <p:cSld>
+    <p:spTree>
+      <p:nvGrpSpPr>
+        <p:cNvPr id="1" name=""/>
+        <p:cNvGrpSpPr/>
+        <p:nvPr/>
+      </p:nvGrpSpPr>
+      <p:grpSpPr>
+        <a:xfrm>
+          <a:off x="0" y="0"/>
+          <a:ext cx="0" cy="0"/>
+          <a:chOff x="0" y="0"/>
+          <a:chExt cx="0" cy="0"/>
+        </a:xfrm>
+      </p:grpSpPr>
+      <p:sp>
+        <p:nvSpPr>
+          <p:cNvPr id="2" name="Title 1">
+            <a:extLst>
+              <a:ext uri="{FF2B5EF4-FFF2-40B4-BE49-F238E27FC236}">
+                <a16:creationId xmlns:a16="http://schemas.microsoft.com/office/drawing/2014/main" id="{C4133253-47EC-4646-A096-F9B582E16C01}"/>
+              </a:ext>
+            </a:extLst>
+          </p:cNvPr>
+          <p:cNvSpPr>
+            <a:spLocks noGrp="1"/>
+          </p:cNvSpPr>
+          <p:nvPr>
+            <p:ph type="title"/>
+          </p:nvPr>
+        </p:nvSpPr>
+        <p:spPr>
+          <a:xfrm>
+            <a:off x="691079" y="276549"/>
+            <a:ext cx="10325000" cy="688749"/>
+          </a:xfrm>
+        </p:spPr>
+        <p:txBody>
+          <a:bodyPr>
+            <a:normAutofit/>
+          </a:bodyPr>
+          <a:lstStyle/>
+          <a:p>
+            <a:r>
+              <a:rPr lang="en-US" sz="2800" dirty="0"/>
+              <a:t>Before the </a:t>
+            </a:r>
+            <a:r>
+              <a:rPr lang="en-US" sz="2800" dirty="0" err="1"/>
+              <a:t>chooseBestAccount</a:t>
+            </a:r>
+            <a:r>
+              <a:rPr lang="en-US" sz="2800" dirty="0"/>
+              <a:t> method call</a:t>
+            </a:r>
+          </a:p>
+        </p:txBody>
+      </p:sp>
+      <p:pic>
+        <p:nvPicPr>
+          <p:cNvPr id="4" name="Content Placeholder 3">
+            <a:extLst>
+              <a:ext uri="{FF2B5EF4-FFF2-40B4-BE49-F238E27FC236}">
+                <a16:creationId xmlns:a16="http://schemas.microsoft.com/office/drawing/2014/main" id="{A66AEB5C-D084-CA41-8422-B2CA9628EDD3}"/>
+              </a:ext>
+            </a:extLst>
+          </p:cNvPr>
+          <p:cNvPicPr>
+            <a:picLocks noGrp="1" noChangeAspect="1"/>
+          </p:cNvPicPr>
+          <p:nvPr>
+            <p:ph idx="1"/>
+          </p:nvPr>
+        </p:nvPicPr>
+        <p:blipFill>
+          <a:blip r:embed="rId2"/>
+          <a:stretch>
+            <a:fillRect/>
+          </a:stretch>
+        </p:blipFill>
+        <p:spPr>
+          <a:xfrm>
+            <a:off x="2576282" y="965298"/>
+            <a:ext cx="5886074" cy="5475717"/>
+          </a:xfrm>
+          <a:prstGeom prst="rect">
+            <a:avLst/>
+          </a:prstGeom>
+        </p:spPr>
+      </p:pic>
+    </p:spTree>
+    <p:extLst>
+      <p:ext uri="{BB962C8B-B14F-4D97-AF65-F5344CB8AC3E}">
+        <p14:creationId xmlns:p14="http://schemas.microsoft.com/office/powerpoint/2010/main" val="4212777419"/>
+      </p:ext>
+    </p:extLst>
+  </p:cSld>
+  <p:clrMapOvr>
+    <a:masterClrMapping/>
+  </p:clrMapOvr>
+</p:sld>
+</file>
+
+<file path=ppt/slides/slide38.xml><?xml version="1.0" encoding="utf-8"?>
+<p:sld xmlns:a="http://schemas.openxmlformats.org/drawingml/2006/main" xmlns:r="http://schemas.openxmlformats.org/officeDocument/2006/relationships" xmlns:p="http://schemas.openxmlformats.org/presentationml/2006/main">
+  <p:cSld>
+    <p:spTree>
+      <p:nvGrpSpPr>
+        <p:cNvPr id="1" name=""/>
+        <p:cNvGrpSpPr/>
+        <p:nvPr/>
+      </p:nvGrpSpPr>
+      <p:grpSpPr>
+        <a:xfrm>
+          <a:off x="0" y="0"/>
+          <a:ext cx="0" cy="0"/>
+          <a:chOff x="0" y="0"/>
+          <a:chExt cx="0" cy="0"/>
+        </a:xfrm>
+      </p:grpSpPr>
+      <p:pic>
+        <p:nvPicPr>
+          <p:cNvPr id="4" name="Content Placeholder 3">
+            <a:extLst>
+              <a:ext uri="{FF2B5EF4-FFF2-40B4-BE49-F238E27FC236}">
+                <a16:creationId xmlns:a16="http://schemas.microsoft.com/office/drawing/2014/main" id="{34DF6830-66BA-2047-A9AB-58E5DB338C1B}"/>
+              </a:ext>
+            </a:extLst>
+          </p:cNvPr>
+          <p:cNvPicPr>
+            <a:picLocks noGrp="1" noChangeAspect="1"/>
+          </p:cNvPicPr>
+          <p:nvPr>
+            <p:ph idx="1"/>
+          </p:nvPr>
+        </p:nvPicPr>
+        <p:blipFill>
+          <a:blip r:embed="rId2"/>
+          <a:stretch>
+            <a:fillRect/>
+          </a:stretch>
+        </p:blipFill>
+        <p:spPr>
+          <a:xfrm>
+            <a:off x="2711349" y="299481"/>
+            <a:ext cx="5884012" cy="6259037"/>
+          </a:xfrm>
+          <a:prstGeom prst="rect">
+            <a:avLst/>
+          </a:prstGeom>
+        </p:spPr>
+      </p:pic>
+    </p:spTree>
+    <p:extLst>
+      <p:ext uri="{BB962C8B-B14F-4D97-AF65-F5344CB8AC3E}">
+        <p14:creationId xmlns:p14="http://schemas.microsoft.com/office/powerpoint/2010/main" val="3318565538"/>
+      </p:ext>
+    </p:extLst>
+  </p:cSld>
+  <p:clrMapOvr>
+    <a:masterClrMapping/>
+  </p:clrMapOvr>
+</p:sld>
+</file>
+
+<file path=ppt/slides/slide39.xml><?xml version="1.0" encoding="utf-8"?>
+<p:sld xmlns:a="http://schemas.openxmlformats.org/drawingml/2006/main" xmlns:r="http://schemas.openxmlformats.org/officeDocument/2006/relationships" xmlns:p="http://schemas.openxmlformats.org/presentationml/2006/main">
+  <p:cSld>
+    <p:spTree>
+      <p:nvGrpSpPr>
+        <p:cNvPr id="1" name=""/>
+        <p:cNvGrpSpPr/>
+        <p:nvPr/>
+      </p:nvGrpSpPr>
+      <p:grpSpPr>
+        <a:xfrm>
+          <a:off x="0" y="0"/>
+          <a:ext cx="0" cy="0"/>
+          <a:chOff x="0" y="0"/>
+          <a:chExt cx="0" cy="0"/>
+        </a:xfrm>
+      </p:grpSpPr>
+      <p:pic>
+        <p:nvPicPr>
+          <p:cNvPr id="4" name="Content Placeholder 3">
+            <a:extLst>
+              <a:ext uri="{FF2B5EF4-FFF2-40B4-BE49-F238E27FC236}">
+                <a16:creationId xmlns:a16="http://schemas.microsoft.com/office/drawing/2014/main" id="{A4CD5712-88F9-D24F-9DFB-D4B03D628B8F}"/>
+              </a:ext>
+            </a:extLst>
+          </p:cNvPr>
+          <p:cNvPicPr>
+            <a:picLocks noGrp="1" noChangeAspect="1"/>
+          </p:cNvPicPr>
+          <p:nvPr>
+            <p:ph idx="1"/>
+          </p:nvPr>
+        </p:nvPicPr>
+        <p:blipFill>
+          <a:blip r:embed="rId3"/>
+          <a:stretch>
+            <a:fillRect/>
+          </a:stretch>
+        </p:blipFill>
+        <p:spPr>
+          <a:xfrm>
+            <a:off x="2748990" y="250972"/>
+            <a:ext cx="5879621" cy="6339765"/>
+          </a:xfrm>
+          <a:prstGeom prst="rect">
+            <a:avLst/>
+          </a:prstGeom>
+        </p:spPr>
+      </p:pic>
+    </p:spTree>
+    <p:extLst>
+      <p:ext uri="{BB962C8B-B14F-4D97-AF65-F5344CB8AC3E}">
+        <p14:creationId xmlns:p14="http://schemas.microsoft.com/office/powerpoint/2010/main" val="3564395966"/>
       </p:ext>
     </p:extLst>
   </p:cSld>
@@ -19056,6 +20510,975 @@
     <p:extLst>
       <p:ext uri="{BB962C8B-B14F-4D97-AF65-F5344CB8AC3E}">
         <p14:creationId xmlns:p14="http://schemas.microsoft.com/office/powerpoint/2010/main" val="2235595431"/>
+      </p:ext>
+    </p:extLst>
+  </p:cSld>
+  <p:clrMapOvr>
+    <a:masterClrMapping/>
+  </p:clrMapOvr>
+</p:sld>
+</file>
+
+<file path=ppt/slides/slide40.xml><?xml version="1.0" encoding="utf-8"?>
+<p:sld xmlns:a="http://schemas.openxmlformats.org/drawingml/2006/main" xmlns:r="http://schemas.openxmlformats.org/officeDocument/2006/relationships" xmlns:p="http://schemas.openxmlformats.org/presentationml/2006/main">
+  <p:cSld>
+    <p:spTree>
+      <p:nvGrpSpPr>
+        <p:cNvPr id="1" name=""/>
+        <p:cNvGrpSpPr/>
+        <p:nvPr/>
+      </p:nvGrpSpPr>
+      <p:grpSpPr>
+        <a:xfrm>
+          <a:off x="0" y="0"/>
+          <a:ext cx="0" cy="0"/>
+          <a:chOff x="0" y="0"/>
+          <a:chExt cx="0" cy="0"/>
+        </a:xfrm>
+      </p:grpSpPr>
+      <p:pic>
+        <p:nvPicPr>
+          <p:cNvPr id="4" name="Content Placeholder 3">
+            <a:extLst>
+              <a:ext uri="{FF2B5EF4-FFF2-40B4-BE49-F238E27FC236}">
+                <a16:creationId xmlns:a16="http://schemas.microsoft.com/office/drawing/2014/main" id="{4E541B09-2E10-F54E-A35E-763A64547681}"/>
+              </a:ext>
+            </a:extLst>
+          </p:cNvPr>
+          <p:cNvPicPr>
+            <a:picLocks noGrp="1" noChangeAspect="1"/>
+          </p:cNvPicPr>
+          <p:nvPr>
+            <p:ph idx="1"/>
+          </p:nvPr>
+        </p:nvPicPr>
+        <p:blipFill>
+          <a:blip r:embed="rId2"/>
+          <a:stretch>
+            <a:fillRect/>
+          </a:stretch>
+        </p:blipFill>
+        <p:spPr>
+          <a:xfrm>
+            <a:off x="2451403" y="258887"/>
+            <a:ext cx="6825601" cy="6340225"/>
+          </a:xfrm>
+          <a:prstGeom prst="rect">
+            <a:avLst/>
+          </a:prstGeom>
+        </p:spPr>
+      </p:pic>
+    </p:spTree>
+    <p:extLst>
+      <p:ext uri="{BB962C8B-B14F-4D97-AF65-F5344CB8AC3E}">
+        <p14:creationId xmlns:p14="http://schemas.microsoft.com/office/powerpoint/2010/main" val="2791203854"/>
+      </p:ext>
+    </p:extLst>
+  </p:cSld>
+  <p:clrMapOvr>
+    <a:masterClrMapping/>
+  </p:clrMapOvr>
+</p:sld>
+</file>
+
+<file path=ppt/slides/slide41.xml><?xml version="1.0" encoding="utf-8"?>
+<p:sld xmlns:a="http://schemas.openxmlformats.org/drawingml/2006/main" xmlns:r="http://schemas.openxmlformats.org/officeDocument/2006/relationships" xmlns:p="http://schemas.openxmlformats.org/presentationml/2006/main">
+  <p:cSld>
+    <p:spTree>
+      <p:nvGrpSpPr>
+        <p:cNvPr id="1" name=""/>
+        <p:cNvGrpSpPr/>
+        <p:nvPr/>
+      </p:nvGrpSpPr>
+      <p:grpSpPr>
+        <a:xfrm>
+          <a:off x="0" y="0"/>
+          <a:ext cx="0" cy="0"/>
+          <a:chOff x="0" y="0"/>
+          <a:chExt cx="0" cy="0"/>
+        </a:xfrm>
+      </p:grpSpPr>
+      <p:pic>
+        <p:nvPicPr>
+          <p:cNvPr id="4" name="Content Placeholder 3">
+            <a:extLst>
+              <a:ext uri="{FF2B5EF4-FFF2-40B4-BE49-F238E27FC236}">
+                <a16:creationId xmlns:a16="http://schemas.microsoft.com/office/drawing/2014/main" id="{725DA526-D59F-424D-A32F-A8D49D1D514C}"/>
+              </a:ext>
+            </a:extLst>
+          </p:cNvPr>
+          <p:cNvPicPr>
+            <a:picLocks noGrp="1" noChangeAspect="1"/>
+          </p:cNvPicPr>
+          <p:nvPr>
+            <p:ph idx="1"/>
+          </p:nvPr>
+        </p:nvPicPr>
+        <p:blipFill>
+          <a:blip r:embed="rId2"/>
+          <a:stretch>
+            <a:fillRect/>
+          </a:stretch>
+        </p:blipFill>
+        <p:spPr>
+          <a:xfrm>
+            <a:off x="1219856" y="575187"/>
+            <a:ext cx="9752287" cy="5707625"/>
+          </a:xfrm>
+          <a:prstGeom prst="rect">
+            <a:avLst/>
+          </a:prstGeom>
+        </p:spPr>
+      </p:pic>
+    </p:spTree>
+    <p:extLst>
+      <p:ext uri="{BB962C8B-B14F-4D97-AF65-F5344CB8AC3E}">
+        <p14:creationId xmlns:p14="http://schemas.microsoft.com/office/powerpoint/2010/main" val="2953723941"/>
+      </p:ext>
+    </p:extLst>
+  </p:cSld>
+  <p:clrMapOvr>
+    <a:masterClrMapping/>
+  </p:clrMapOvr>
+</p:sld>
+</file>
+
+<file path=ppt/slides/slide42.xml><?xml version="1.0" encoding="utf-8"?>
+<p:sld xmlns:a="http://schemas.openxmlformats.org/drawingml/2006/main" xmlns:r="http://schemas.openxmlformats.org/officeDocument/2006/relationships" xmlns:p="http://schemas.openxmlformats.org/presentationml/2006/main">
+  <p:cSld>
+    <p:spTree>
+      <p:nvGrpSpPr>
+        <p:cNvPr id="1" name=""/>
+        <p:cNvGrpSpPr/>
+        <p:nvPr/>
+      </p:nvGrpSpPr>
+      <p:grpSpPr>
+        <a:xfrm>
+          <a:off x="0" y="0"/>
+          <a:ext cx="0" cy="0"/>
+          <a:chOff x="0" y="0"/>
+          <a:chExt cx="0" cy="0"/>
+        </a:xfrm>
+      </p:grpSpPr>
+      <p:sp>
+        <p:nvSpPr>
+          <p:cNvPr id="2" name="Title 1">
+            <a:extLst>
+              <a:ext uri="{FF2B5EF4-FFF2-40B4-BE49-F238E27FC236}">
+                <a16:creationId xmlns:a16="http://schemas.microsoft.com/office/drawing/2014/main" id="{23C37976-A4FC-6045-AE21-3843DCAED0DC}"/>
+              </a:ext>
+            </a:extLst>
+          </p:cNvPr>
+          <p:cNvSpPr>
+            <a:spLocks noGrp="1"/>
+          </p:cNvSpPr>
+          <p:nvPr>
+            <p:ph type="title"/>
+          </p:nvPr>
+        </p:nvSpPr>
+        <p:spPr/>
+        <p:txBody>
+          <a:bodyPr/>
+          <a:lstStyle/>
+          <a:p>
+            <a:endParaRPr lang="en-US"/>
+          </a:p>
+        </p:txBody>
+      </p:sp>
+      <p:sp>
+        <p:nvSpPr>
+          <p:cNvPr id="3" name="Content Placeholder 2">
+            <a:extLst>
+              <a:ext uri="{FF2B5EF4-FFF2-40B4-BE49-F238E27FC236}">
+                <a16:creationId xmlns:a16="http://schemas.microsoft.com/office/drawing/2014/main" id="{0509EAA0-D3D8-C149-A84A-AB83D3ADF201}"/>
+              </a:ext>
+            </a:extLst>
+          </p:cNvPr>
+          <p:cNvSpPr>
+            <a:spLocks noGrp="1"/>
+          </p:cNvSpPr>
+          <p:nvPr>
+            <p:ph idx="1"/>
+          </p:nvPr>
+        </p:nvSpPr>
+        <p:spPr>
+          <a:xfrm>
+            <a:off x="691079" y="4256106"/>
+            <a:ext cx="10325000" cy="2111443"/>
+          </a:xfrm>
+        </p:spPr>
+        <p:txBody>
+          <a:bodyPr>
+            <a:normAutofit/>
+          </a:bodyPr>
+          <a:lstStyle/>
+          <a:p>
+            <a:r>
+              <a:rPr lang="en-US" sz="2800" dirty="0"/>
+              <a:t>Create the </a:t>
+            </a:r>
+            <a:r>
+              <a:rPr lang="en-US" sz="2800" dirty="0" err="1"/>
+              <a:t>betterFund</a:t>
+            </a:r>
+            <a:r>
+              <a:rPr lang="en-US" sz="2800" dirty="0"/>
+              <a:t> reference</a:t>
+            </a:r>
+          </a:p>
+          <a:p>
+            <a:r>
+              <a:rPr lang="en-US" sz="2800" dirty="0"/>
+              <a:t>Does not create a new object to which </a:t>
+            </a:r>
+            <a:r>
+              <a:rPr lang="en-US" sz="2800" dirty="0" err="1"/>
+              <a:t>betterFund</a:t>
+            </a:r>
+            <a:r>
+              <a:rPr lang="en-US" sz="2800" dirty="0"/>
+              <a:t> refers to</a:t>
+            </a:r>
+          </a:p>
+          <a:p>
+            <a:r>
+              <a:rPr lang="en-US" sz="2800" dirty="0"/>
+              <a:t>New objects are created only when you use the </a:t>
+            </a:r>
+            <a:r>
+              <a:rPr lang="en-US" sz="2800" b="1" dirty="0"/>
+              <a:t>new</a:t>
+            </a:r>
+            <a:r>
+              <a:rPr lang="en-US" sz="2800" dirty="0"/>
+              <a:t> keyword</a:t>
+            </a:r>
+          </a:p>
+        </p:txBody>
+      </p:sp>
+      <p:pic>
+        <p:nvPicPr>
+          <p:cNvPr id="4" name="Picture 3">
+            <a:extLst>
+              <a:ext uri="{FF2B5EF4-FFF2-40B4-BE49-F238E27FC236}">
+                <a16:creationId xmlns:a16="http://schemas.microsoft.com/office/drawing/2014/main" id="{D683FB23-1A78-BC43-80DD-C65FD75764C4}"/>
+              </a:ext>
+            </a:extLst>
+          </p:cNvPr>
+          <p:cNvPicPr>
+            <a:picLocks noChangeAspect="1"/>
+          </p:cNvPicPr>
+          <p:nvPr/>
+        </p:nvPicPr>
+        <p:blipFill>
+          <a:blip r:embed="rId2"/>
+          <a:stretch>
+            <a:fillRect/>
+          </a:stretch>
+        </p:blipFill>
+        <p:spPr>
+          <a:xfrm>
+            <a:off x="691079" y="999062"/>
+            <a:ext cx="7374890" cy="2828949"/>
+          </a:xfrm>
+          <a:prstGeom prst="rect">
+            <a:avLst/>
+          </a:prstGeom>
+        </p:spPr>
+      </p:pic>
+    </p:spTree>
+    <p:extLst>
+      <p:ext uri="{BB962C8B-B14F-4D97-AF65-F5344CB8AC3E}">
+        <p14:creationId xmlns:p14="http://schemas.microsoft.com/office/powerpoint/2010/main" val="1160106512"/>
+      </p:ext>
+    </p:extLst>
+  </p:cSld>
+  <p:clrMapOvr>
+    <a:masterClrMapping/>
+  </p:clrMapOvr>
+</p:sld>
+</file>
+
+<file path=ppt/slides/slide43.xml><?xml version="1.0" encoding="utf-8"?>
+<p:sld xmlns:a="http://schemas.openxmlformats.org/drawingml/2006/main" xmlns:r="http://schemas.openxmlformats.org/officeDocument/2006/relationships" xmlns:p="http://schemas.openxmlformats.org/presentationml/2006/main">
+  <p:cSld>
+    <p:spTree>
+      <p:nvGrpSpPr>
+        <p:cNvPr id="1" name=""/>
+        <p:cNvGrpSpPr/>
+        <p:nvPr/>
+      </p:nvGrpSpPr>
+      <p:grpSpPr>
+        <a:xfrm>
+          <a:off x="0" y="0"/>
+          <a:ext cx="0" cy="0"/>
+          <a:chOff x="0" y="0"/>
+          <a:chExt cx="0" cy="0"/>
+        </a:xfrm>
+      </p:grpSpPr>
+      <p:pic>
+        <p:nvPicPr>
+          <p:cNvPr id="4" name="Content Placeholder 3">
+            <a:extLst>
+              <a:ext uri="{FF2B5EF4-FFF2-40B4-BE49-F238E27FC236}">
+                <a16:creationId xmlns:a16="http://schemas.microsoft.com/office/drawing/2014/main" id="{5F908029-3C47-F041-8C89-D6AD054B256A}"/>
+              </a:ext>
+            </a:extLst>
+          </p:cNvPr>
+          <p:cNvPicPr>
+            <a:picLocks noGrp="1" noChangeAspect="1"/>
+          </p:cNvPicPr>
+          <p:nvPr>
+            <p:ph idx="1"/>
+          </p:nvPr>
+        </p:nvPicPr>
+        <p:blipFill>
+          <a:blip r:embed="rId2"/>
+          <a:stretch>
+            <a:fillRect/>
+          </a:stretch>
+        </p:blipFill>
+        <p:spPr>
+          <a:xfrm>
+            <a:off x="665018" y="1656381"/>
+            <a:ext cx="10573789" cy="3545238"/>
+          </a:xfrm>
+          <a:prstGeom prst="rect">
+            <a:avLst/>
+          </a:prstGeom>
+        </p:spPr>
+      </p:pic>
+    </p:spTree>
+    <p:extLst>
+      <p:ext uri="{BB962C8B-B14F-4D97-AF65-F5344CB8AC3E}">
+        <p14:creationId xmlns:p14="http://schemas.microsoft.com/office/powerpoint/2010/main" val="1855140650"/>
+      </p:ext>
+    </p:extLst>
+  </p:cSld>
+  <p:clrMapOvr>
+    <a:masterClrMapping/>
+  </p:clrMapOvr>
+</p:sld>
+</file>
+
+<file path=ppt/slides/slide44.xml><?xml version="1.0" encoding="utf-8"?>
+<p:sld xmlns:a="http://schemas.openxmlformats.org/drawingml/2006/main" xmlns:r="http://schemas.openxmlformats.org/officeDocument/2006/relationships" xmlns:p="http://schemas.openxmlformats.org/presentationml/2006/main">
+  <p:cSld>
+    <p:spTree>
+      <p:nvGrpSpPr>
+        <p:cNvPr id="1" name=""/>
+        <p:cNvGrpSpPr/>
+        <p:nvPr/>
+      </p:nvGrpSpPr>
+      <p:grpSpPr>
+        <a:xfrm>
+          <a:off x="0" y="0"/>
+          <a:ext cx="0" cy="0"/>
+          <a:chOff x="0" y="0"/>
+          <a:chExt cx="0" cy="0"/>
+        </a:xfrm>
+      </p:grpSpPr>
+      <p:pic>
+        <p:nvPicPr>
+          <p:cNvPr id="4" name="Content Placeholder 3">
+            <a:extLst>
+              <a:ext uri="{FF2B5EF4-FFF2-40B4-BE49-F238E27FC236}">
+                <a16:creationId xmlns:a16="http://schemas.microsoft.com/office/drawing/2014/main" id="{869B56C6-E6CF-AB43-8A80-803B4E9F5ED1}"/>
+              </a:ext>
+            </a:extLst>
+          </p:cNvPr>
+          <p:cNvPicPr>
+            <a:picLocks noGrp="1" noChangeAspect="1"/>
+          </p:cNvPicPr>
+          <p:nvPr>
+            <p:ph idx="1"/>
+          </p:nvPr>
+        </p:nvPicPr>
+        <p:blipFill>
+          <a:blip r:embed="rId2"/>
+          <a:stretch>
+            <a:fillRect/>
+          </a:stretch>
+        </p:blipFill>
+        <p:spPr>
+          <a:xfrm>
+            <a:off x="2842952" y="294122"/>
+            <a:ext cx="5752407" cy="6269755"/>
+          </a:xfrm>
+          <a:prstGeom prst="rect">
+            <a:avLst/>
+          </a:prstGeom>
+        </p:spPr>
+      </p:pic>
+    </p:spTree>
+    <p:extLst>
+      <p:ext uri="{BB962C8B-B14F-4D97-AF65-F5344CB8AC3E}">
+        <p14:creationId xmlns:p14="http://schemas.microsoft.com/office/powerpoint/2010/main" val="3338302679"/>
+      </p:ext>
+    </p:extLst>
+  </p:cSld>
+  <p:clrMapOvr>
+    <a:masterClrMapping/>
+  </p:clrMapOvr>
+</p:sld>
+</file>
+
+<file path=ppt/slides/slide45.xml><?xml version="1.0" encoding="utf-8"?>
+<p:sld xmlns:a="http://schemas.openxmlformats.org/drawingml/2006/main" xmlns:r="http://schemas.openxmlformats.org/officeDocument/2006/relationships" xmlns:p="http://schemas.openxmlformats.org/presentationml/2006/main">
+  <p:cSld>
+    <p:spTree>
+      <p:nvGrpSpPr>
+        <p:cNvPr id="1" name=""/>
+        <p:cNvGrpSpPr/>
+        <p:nvPr/>
+      </p:nvGrpSpPr>
+      <p:grpSpPr>
+        <a:xfrm>
+          <a:off x="0" y="0"/>
+          <a:ext cx="0" cy="0"/>
+          <a:chOff x="0" y="0"/>
+          <a:chExt cx="0" cy="0"/>
+        </a:xfrm>
+      </p:grpSpPr>
+      <p:sp>
+        <p:nvSpPr>
+          <p:cNvPr id="2" name="Title 1">
+            <a:extLst>
+              <a:ext uri="{FF2B5EF4-FFF2-40B4-BE49-F238E27FC236}">
+                <a16:creationId xmlns:a16="http://schemas.microsoft.com/office/drawing/2014/main" id="{8C90CDB8-C97E-5344-ACCC-00690D54625D}"/>
+              </a:ext>
+            </a:extLst>
+          </p:cNvPr>
+          <p:cNvSpPr>
+            <a:spLocks noGrp="1"/>
+          </p:cNvSpPr>
+          <p:nvPr>
+            <p:ph type="title"/>
+          </p:nvPr>
+        </p:nvSpPr>
+        <p:spPr/>
+        <p:txBody>
+          <a:bodyPr/>
+          <a:lstStyle/>
+          <a:p>
+            <a:r>
+              <a:rPr lang="en-US" dirty="0"/>
+              <a:t>Inheritance</a:t>
+            </a:r>
+          </a:p>
+        </p:txBody>
+      </p:sp>
+      <p:sp>
+        <p:nvSpPr>
+          <p:cNvPr id="3" name="Content Placeholder 2">
+            <a:extLst>
+              <a:ext uri="{FF2B5EF4-FFF2-40B4-BE49-F238E27FC236}">
+                <a16:creationId xmlns:a16="http://schemas.microsoft.com/office/drawing/2014/main" id="{B4890310-4E8B-B441-B453-CB6867C32F75}"/>
+              </a:ext>
+            </a:extLst>
+          </p:cNvPr>
+          <p:cNvSpPr>
+            <a:spLocks noGrp="1"/>
+          </p:cNvSpPr>
+          <p:nvPr>
+            <p:ph idx="1"/>
+          </p:nvPr>
+        </p:nvSpPr>
+        <p:spPr>
+          <a:xfrm>
+            <a:off x="691079" y="2340131"/>
+            <a:ext cx="10325000" cy="4093920"/>
+          </a:xfrm>
+        </p:spPr>
+        <p:txBody>
+          <a:bodyPr>
+            <a:normAutofit/>
+          </a:bodyPr>
+          <a:lstStyle/>
+          <a:p>
+            <a:r>
+              <a:rPr lang="en-US" sz="2800" dirty="0"/>
+              <a:t>Defines a relationship between objects that share characteristics</a:t>
+            </a:r>
+          </a:p>
+          <a:p>
+            <a:r>
+              <a:rPr lang="en-US" sz="2800" dirty="0"/>
+              <a:t>When a new class, called a subclass, is created from an existing class, called a superclass, by absorbing its state and behaviour and add features unique to the new class</a:t>
+            </a:r>
+          </a:p>
+          <a:p>
+            <a:r>
+              <a:rPr lang="en-US" sz="2800" dirty="0"/>
+              <a:t>We say the subclass </a:t>
+            </a:r>
+            <a:r>
+              <a:rPr lang="en-US" sz="2800" b="1" dirty="0"/>
+              <a:t>inherits</a:t>
+            </a:r>
+            <a:r>
+              <a:rPr lang="en-US" sz="2800" dirty="0"/>
+              <a:t> characteristics of its superclass</a:t>
+            </a:r>
+          </a:p>
+          <a:p>
+            <a:r>
+              <a:rPr lang="en-US" sz="2800" dirty="0"/>
+              <a:t>Inheritance provides an effective mechanism for code reuse</a:t>
+            </a:r>
+          </a:p>
+        </p:txBody>
+      </p:sp>
+    </p:spTree>
+    <p:extLst>
+      <p:ext uri="{BB962C8B-B14F-4D97-AF65-F5344CB8AC3E}">
+        <p14:creationId xmlns:p14="http://schemas.microsoft.com/office/powerpoint/2010/main" val="2800569482"/>
+      </p:ext>
+    </p:extLst>
+  </p:cSld>
+  <p:clrMapOvr>
+    <a:masterClrMapping/>
+  </p:clrMapOvr>
+</p:sld>
+</file>
+
+<file path=ppt/slides/slide46.xml><?xml version="1.0" encoding="utf-8"?>
+<p:sld xmlns:a="http://schemas.openxmlformats.org/drawingml/2006/main" xmlns:r="http://schemas.openxmlformats.org/officeDocument/2006/relationships" xmlns:p="http://schemas.openxmlformats.org/presentationml/2006/main">
+  <p:cSld>
+    <p:spTree>
+      <p:nvGrpSpPr>
+        <p:cNvPr id="1" name=""/>
+        <p:cNvGrpSpPr/>
+        <p:nvPr/>
+      </p:nvGrpSpPr>
+      <p:grpSpPr>
+        <a:xfrm>
+          <a:off x="0" y="0"/>
+          <a:ext cx="0" cy="0"/>
+          <a:chOff x="0" y="0"/>
+          <a:chExt cx="0" cy="0"/>
+        </a:xfrm>
+      </p:grpSpPr>
+      <p:sp>
+        <p:nvSpPr>
+          <p:cNvPr id="2" name="Title 1">
+            <a:extLst>
+              <a:ext uri="{FF2B5EF4-FFF2-40B4-BE49-F238E27FC236}">
+                <a16:creationId xmlns:a16="http://schemas.microsoft.com/office/drawing/2014/main" id="{000AE9CC-E0C4-9B4B-B710-2EEA7CF8F8B9}"/>
+              </a:ext>
+            </a:extLst>
+          </p:cNvPr>
+          <p:cNvSpPr>
+            <a:spLocks noGrp="1"/>
+          </p:cNvSpPr>
+          <p:nvPr>
+            <p:ph type="title"/>
+          </p:nvPr>
+        </p:nvSpPr>
+        <p:spPr/>
+        <p:txBody>
+          <a:bodyPr/>
+          <a:lstStyle/>
+          <a:p>
+            <a:r>
+              <a:rPr lang="en-US" dirty="0"/>
+              <a:t>Inheritance Hierarchy</a:t>
+            </a:r>
+          </a:p>
+        </p:txBody>
+      </p:sp>
+      <p:sp>
+        <p:nvSpPr>
+          <p:cNvPr id="3" name="Content Placeholder 2">
+            <a:extLst>
+              <a:ext uri="{FF2B5EF4-FFF2-40B4-BE49-F238E27FC236}">
+                <a16:creationId xmlns:a16="http://schemas.microsoft.com/office/drawing/2014/main" id="{F16800D5-2439-DD40-BEDC-81AB2A036474}"/>
+              </a:ext>
+            </a:extLst>
+          </p:cNvPr>
+          <p:cNvSpPr>
+            <a:spLocks noGrp="1"/>
+          </p:cNvSpPr>
+          <p:nvPr>
+            <p:ph idx="1"/>
+          </p:nvPr>
+        </p:nvSpPr>
+        <p:spPr>
+          <a:xfrm>
+            <a:off x="6650182" y="2168414"/>
+            <a:ext cx="5004262" cy="4136373"/>
+          </a:xfrm>
+        </p:spPr>
+        <p:txBody>
+          <a:bodyPr>
+            <a:normAutofit/>
+          </a:bodyPr>
+          <a:lstStyle/>
+          <a:p>
+            <a:r>
+              <a:rPr lang="en-US" sz="2400" dirty="0"/>
+              <a:t>Inheritance relationship = is-a relationship</a:t>
+            </a:r>
+          </a:p>
+          <a:p>
+            <a:r>
+              <a:rPr lang="en-US" sz="2400" dirty="0"/>
+              <a:t>Employee is-a Person</a:t>
+            </a:r>
+          </a:p>
+          <a:p>
+            <a:r>
+              <a:rPr lang="en-US" sz="2400" dirty="0" err="1"/>
+              <a:t>UnderGrade</a:t>
+            </a:r>
+            <a:r>
+              <a:rPr lang="en-US" sz="2400" dirty="0"/>
+              <a:t> is-a Student</a:t>
+            </a:r>
+          </a:p>
+          <a:p>
+            <a:r>
+              <a:rPr lang="en-US" sz="2400" dirty="0"/>
+              <a:t>Person may not be a Student</a:t>
+            </a:r>
+          </a:p>
+          <a:p>
+            <a:r>
+              <a:rPr lang="en-US" sz="2400" dirty="0"/>
+              <a:t>Student may not be a </a:t>
+            </a:r>
+            <a:r>
+              <a:rPr lang="en-US" sz="2400" dirty="0" err="1"/>
+              <a:t>GradStudent</a:t>
+            </a:r>
+            <a:endParaRPr lang="en-US" sz="2400" dirty="0"/>
+          </a:p>
+        </p:txBody>
+      </p:sp>
+      <p:pic>
+        <p:nvPicPr>
+          <p:cNvPr id="4" name="Picture 3">
+            <a:extLst>
+              <a:ext uri="{FF2B5EF4-FFF2-40B4-BE49-F238E27FC236}">
+                <a16:creationId xmlns:a16="http://schemas.microsoft.com/office/drawing/2014/main" id="{C25A567E-01B9-1C47-A424-E2099ECFC55C}"/>
+              </a:ext>
+            </a:extLst>
+          </p:cNvPr>
+          <p:cNvPicPr>
+            <a:picLocks noChangeAspect="1"/>
+          </p:cNvPicPr>
+          <p:nvPr/>
+        </p:nvPicPr>
+        <p:blipFill>
+          <a:blip r:embed="rId2"/>
+          <a:stretch>
+            <a:fillRect/>
+          </a:stretch>
+        </p:blipFill>
+        <p:spPr>
+          <a:xfrm>
+            <a:off x="292068" y="2427312"/>
+            <a:ext cx="6112049" cy="3618576"/>
+          </a:xfrm>
+          <a:prstGeom prst="rect">
+            <a:avLst/>
+          </a:prstGeom>
+        </p:spPr>
+      </p:pic>
+    </p:spTree>
+    <p:extLst>
+      <p:ext uri="{BB962C8B-B14F-4D97-AF65-F5344CB8AC3E}">
+        <p14:creationId xmlns:p14="http://schemas.microsoft.com/office/powerpoint/2010/main" val="3753057870"/>
+      </p:ext>
+    </p:extLst>
+  </p:cSld>
+  <p:clrMapOvr>
+    <a:masterClrMapping/>
+  </p:clrMapOvr>
+</p:sld>
+</file>
+
+<file path=ppt/slides/slide47.xml><?xml version="1.0" encoding="utf-8"?>
+<p:sld xmlns:a="http://schemas.openxmlformats.org/drawingml/2006/main" xmlns:r="http://schemas.openxmlformats.org/officeDocument/2006/relationships" xmlns:p="http://schemas.openxmlformats.org/presentationml/2006/main">
+  <p:cSld>
+    <p:spTree>
+      <p:nvGrpSpPr>
+        <p:cNvPr id="1" name=""/>
+        <p:cNvGrpSpPr/>
+        <p:nvPr/>
+      </p:nvGrpSpPr>
+      <p:grpSpPr>
+        <a:xfrm>
+          <a:off x="0" y="0"/>
+          <a:ext cx="0" cy="0"/>
+          <a:chOff x="0" y="0"/>
+          <a:chExt cx="0" cy="0"/>
+        </a:xfrm>
+      </p:grpSpPr>
+      <p:sp>
+        <p:nvSpPr>
+          <p:cNvPr id="2" name="Title 1">
+            <a:extLst>
+              <a:ext uri="{FF2B5EF4-FFF2-40B4-BE49-F238E27FC236}">
+                <a16:creationId xmlns:a16="http://schemas.microsoft.com/office/drawing/2014/main" id="{000AE9CC-E0C4-9B4B-B710-2EEA7CF8F8B9}"/>
+              </a:ext>
+            </a:extLst>
+          </p:cNvPr>
+          <p:cNvSpPr>
+            <a:spLocks noGrp="1"/>
+          </p:cNvSpPr>
+          <p:nvPr>
+            <p:ph type="title"/>
+          </p:nvPr>
+        </p:nvSpPr>
+        <p:spPr/>
+        <p:txBody>
+          <a:bodyPr/>
+          <a:lstStyle/>
+          <a:p>
+            <a:r>
+              <a:rPr lang="en-US" dirty="0"/>
+              <a:t>Inheritance Hierarchy</a:t>
+            </a:r>
+          </a:p>
+        </p:txBody>
+      </p:sp>
+      <p:sp>
+        <p:nvSpPr>
+          <p:cNvPr id="3" name="Content Placeholder 2">
+            <a:extLst>
+              <a:ext uri="{FF2B5EF4-FFF2-40B4-BE49-F238E27FC236}">
+                <a16:creationId xmlns:a16="http://schemas.microsoft.com/office/drawing/2014/main" id="{F16800D5-2439-DD40-BEDC-81AB2A036474}"/>
+              </a:ext>
+            </a:extLst>
+          </p:cNvPr>
+          <p:cNvSpPr>
+            <a:spLocks noGrp="1"/>
+          </p:cNvSpPr>
+          <p:nvPr>
+            <p:ph idx="1"/>
+          </p:nvPr>
+        </p:nvSpPr>
+        <p:spPr>
+          <a:xfrm>
+            <a:off x="6650182" y="2168414"/>
+            <a:ext cx="5004262" cy="4136373"/>
+          </a:xfrm>
+        </p:spPr>
+        <p:txBody>
+          <a:bodyPr>
+            <a:normAutofit/>
+          </a:bodyPr>
+          <a:lstStyle/>
+          <a:p>
+            <a:r>
+              <a:rPr lang="en-US" sz="2800" dirty="0"/>
+              <a:t>The is-a relationship is transitive</a:t>
+            </a:r>
+          </a:p>
+          <a:p>
+            <a:r>
+              <a:rPr lang="en-US" sz="2800" dirty="0"/>
+              <a:t>If a </a:t>
+            </a:r>
+            <a:r>
+              <a:rPr lang="en-US" sz="2800" dirty="0" err="1"/>
+              <a:t>Gradstudent</a:t>
+            </a:r>
+            <a:r>
+              <a:rPr lang="en-US" sz="2800" dirty="0"/>
+              <a:t> is-a Student and a Student is-a Person, then a </a:t>
+            </a:r>
+            <a:r>
+              <a:rPr lang="en-US" sz="2800" dirty="0" err="1"/>
+              <a:t>GradStudent</a:t>
+            </a:r>
+            <a:r>
+              <a:rPr lang="en-US" sz="2800" dirty="0"/>
+              <a:t> is-a Person</a:t>
+            </a:r>
+          </a:p>
+        </p:txBody>
+      </p:sp>
+      <p:pic>
+        <p:nvPicPr>
+          <p:cNvPr id="4" name="Picture 3">
+            <a:extLst>
+              <a:ext uri="{FF2B5EF4-FFF2-40B4-BE49-F238E27FC236}">
+                <a16:creationId xmlns:a16="http://schemas.microsoft.com/office/drawing/2014/main" id="{C25A567E-01B9-1C47-A424-E2099ECFC55C}"/>
+              </a:ext>
+            </a:extLst>
+          </p:cNvPr>
+          <p:cNvPicPr>
+            <a:picLocks noChangeAspect="1"/>
+          </p:cNvPicPr>
+          <p:nvPr/>
+        </p:nvPicPr>
+        <p:blipFill>
+          <a:blip r:embed="rId2"/>
+          <a:stretch>
+            <a:fillRect/>
+          </a:stretch>
+        </p:blipFill>
+        <p:spPr>
+          <a:xfrm>
+            <a:off x="292068" y="2427312"/>
+            <a:ext cx="6112049" cy="3618576"/>
+          </a:xfrm>
+          <a:prstGeom prst="rect">
+            <a:avLst/>
+          </a:prstGeom>
+        </p:spPr>
+      </p:pic>
+    </p:spTree>
+    <p:extLst>
+      <p:ext uri="{BB962C8B-B14F-4D97-AF65-F5344CB8AC3E}">
+        <p14:creationId xmlns:p14="http://schemas.microsoft.com/office/powerpoint/2010/main" val="785665237"/>
+      </p:ext>
+    </p:extLst>
+  </p:cSld>
+  <p:clrMapOvr>
+    <a:masterClrMapping/>
+  </p:clrMapOvr>
+</p:sld>
+</file>
+
+<file path=ppt/slides/slide48.xml><?xml version="1.0" encoding="utf-8"?>
+<p:sld xmlns:a="http://schemas.openxmlformats.org/drawingml/2006/main" xmlns:r="http://schemas.openxmlformats.org/officeDocument/2006/relationships" xmlns:p="http://schemas.openxmlformats.org/presentationml/2006/main">
+  <p:cSld>
+    <p:spTree>
+      <p:nvGrpSpPr>
+        <p:cNvPr id="1" name=""/>
+        <p:cNvGrpSpPr/>
+        <p:nvPr/>
+      </p:nvGrpSpPr>
+      <p:grpSpPr>
+        <a:xfrm>
+          <a:off x="0" y="0"/>
+          <a:ext cx="0" cy="0"/>
+          <a:chOff x="0" y="0"/>
+          <a:chExt cx="0" cy="0"/>
+        </a:xfrm>
+      </p:grpSpPr>
+      <p:sp>
+        <p:nvSpPr>
+          <p:cNvPr id="2" name="Title 1">
+            <a:extLst>
+              <a:ext uri="{FF2B5EF4-FFF2-40B4-BE49-F238E27FC236}">
+                <a16:creationId xmlns:a16="http://schemas.microsoft.com/office/drawing/2014/main" id="{673960EF-5712-DF40-AF7B-CBCFB1818D89}"/>
+              </a:ext>
+            </a:extLst>
+          </p:cNvPr>
+          <p:cNvSpPr>
+            <a:spLocks noGrp="1"/>
+          </p:cNvSpPr>
+          <p:nvPr>
+            <p:ph type="title"/>
+          </p:nvPr>
+        </p:nvSpPr>
+        <p:spPr/>
+        <p:txBody>
+          <a:bodyPr/>
+          <a:lstStyle/>
+          <a:p>
+            <a:r>
+              <a:rPr lang="en-US" dirty="0"/>
+              <a:t>Inheritance Hierarchy</a:t>
+            </a:r>
+          </a:p>
+        </p:txBody>
+      </p:sp>
+      <p:sp>
+        <p:nvSpPr>
+          <p:cNvPr id="3" name="Content Placeholder 2">
+            <a:extLst>
+              <a:ext uri="{FF2B5EF4-FFF2-40B4-BE49-F238E27FC236}">
+                <a16:creationId xmlns:a16="http://schemas.microsoft.com/office/drawing/2014/main" id="{EDAB96F0-CA47-4A4A-827A-2BA729B76E81}"/>
+              </a:ext>
+            </a:extLst>
+          </p:cNvPr>
+          <p:cNvSpPr>
+            <a:spLocks noGrp="1"/>
+          </p:cNvSpPr>
+          <p:nvPr>
+            <p:ph idx="1"/>
+          </p:nvPr>
+        </p:nvSpPr>
+        <p:spPr>
+          <a:xfrm>
+            <a:off x="691079" y="2340130"/>
+            <a:ext cx="10325000" cy="4260175"/>
+          </a:xfrm>
+        </p:spPr>
+        <p:txBody>
+          <a:bodyPr>
+            <a:normAutofit fontScale="92500"/>
+          </a:bodyPr>
+          <a:lstStyle/>
+          <a:p>
+            <a:r>
+              <a:rPr lang="en-US" sz="2800" dirty="0"/>
+              <a:t>Every subclass inherits the public or protected variables and methods of its superclass</a:t>
+            </a:r>
+          </a:p>
+          <a:p>
+            <a:r>
+              <a:rPr lang="en-US" sz="2800" dirty="0"/>
+              <a:t>Subclass may have additional methods and instance variables that are not in the superclass</a:t>
+            </a:r>
+          </a:p>
+          <a:p>
+            <a:r>
+              <a:rPr lang="en-US" sz="2800" dirty="0"/>
+              <a:t>A subclass may redefine a methods it inherits</a:t>
+            </a:r>
+          </a:p>
+          <a:p>
+            <a:r>
+              <a:rPr lang="en-US" sz="2800" dirty="0"/>
+              <a:t>If Student has a method called </a:t>
+            </a:r>
+            <a:r>
+              <a:rPr lang="en-US" sz="2800" dirty="0" err="1"/>
+              <a:t>computeGrade</a:t>
+            </a:r>
+            <a:r>
+              <a:rPr lang="en-US" sz="2800" dirty="0"/>
+              <a:t>(), </a:t>
+            </a:r>
+            <a:r>
+              <a:rPr lang="en-US" sz="2800" dirty="0" err="1"/>
+              <a:t>GradeStudent</a:t>
+            </a:r>
+            <a:r>
+              <a:rPr lang="en-US" sz="2800" dirty="0"/>
+              <a:t> and </a:t>
+            </a:r>
+            <a:r>
+              <a:rPr lang="en-US" sz="2800" dirty="0" err="1"/>
+              <a:t>UnderGrad</a:t>
+            </a:r>
+            <a:r>
+              <a:rPr lang="en-US" sz="2800" dirty="0"/>
+              <a:t> may use different algorithms for computing grade</a:t>
+            </a:r>
+          </a:p>
+          <a:p>
+            <a:r>
+              <a:rPr lang="en-US" sz="2800" dirty="0"/>
+              <a:t>This is called </a:t>
+            </a:r>
+            <a:r>
+              <a:rPr lang="en-US" sz="2800" b="1" dirty="0"/>
+              <a:t>method overriding</a:t>
+            </a:r>
+          </a:p>
+        </p:txBody>
+      </p:sp>
+    </p:spTree>
+    <p:extLst>
+      <p:ext uri="{BB962C8B-B14F-4D97-AF65-F5344CB8AC3E}">
+        <p14:creationId xmlns:p14="http://schemas.microsoft.com/office/powerpoint/2010/main" val="2852256471"/>
       </p:ext>
     </p:extLst>
   </p:cSld>

--- a/AP Java/Week3/Week3.pptx
+++ b/AP Java/Week3/Week3.pptx
@@ -162,6 +162,40 @@
 </p:presentation>
 </file>
 
+<file path=ppt/ink/ink1.xml><?xml version="1.0" encoding="utf-8"?>
+<inkml:ink xmlns:inkml="http://www.w3.org/2003/InkML">
+  <inkml:definitions>
+    <inkml:context xml:id="ctx0">
+      <inkml:inkSource xml:id="inkSrc0">
+        <inkml:traceFormat>
+          <inkml:channel name="X" type="integer" min="-2.14748E9" max="2.14748E9" units="cm"/>
+          <inkml:channel name="Y" type="integer" min="-2.14748E9" max="2.14748E9" units="cm"/>
+          <inkml:channel name="F" type="integer" max="32767" units="dev"/>
+        </inkml:traceFormat>
+        <inkml:channelProperties>
+          <inkml:channelProperty channel="X" name="resolution" value="1000" units="1/cm"/>
+          <inkml:channelProperty channel="Y" name="resolution" value="1000" units="1/cm"/>
+          <inkml:channelProperty channel="F" name="resolution" value="0" units="1/dev"/>
+        </inkml:channelProperties>
+      </inkml:inkSource>
+      <inkml:timestamp xml:id="ts0" timeString="2022-07-17T18:25:50.977"/>
+    </inkml:context>
+    <inkml:brush xml:id="br0">
+      <inkml:brushProperty name="width" value="0.05292" units="cm"/>
+      <inkml:brushProperty name="height" value="0.05292" units="cm"/>
+      <inkml:brushProperty name="color" value="#FF0000"/>
+    </inkml:brush>
+  </inkml:definitions>
+  <inkml:trace contextRef="#ctx0" brushRef="#br0">23926 5132 24575,'-30'0'0,"-15"0"0,-10 0 0,19 0 0,0 0 0,-1 1 0,0-2 0,1-2 0,-1 0 0,-2 2 0,-1 0 0,5-2 0,1-1 0,-2 4 0,1 0 0,1 0 0,1 0 0,-23 0 0,1 0 0,11 4 0,3 0 0,5 7 0,5 0 0,8 2 0,0 0 0,5 0 0,2 4 0,4-1 0,5 3 0,4-2 0,3 2 0,0-2 0,0 3 0,0-1 0,0 5 0,0 4 0,0 4 0,0 5 0,0 0 0,1 3 0,6-3 0,2 2 0,5-5 0,0 0 0,0-4 0,2-3 0,1-4 0,2-3 0,4 1 0,1 2 0,4-1 0,3 2 0,2-2 0,3 0 0,-4-1 0,1-3 0,-3-1 0,3-3 0,4 0 0,4 1 0,4-2 0,10-1 0,4-6 0,-25-4 0,1 0 0,-1-2 0,1 0 0,6-4 0,1-2 0,-3-3 0,-1-3 0,10-7 0,0-3 0,-3-2 0,0-1 0,3 1 0,-1-1 0,-4 1 0,-1 1 0,-5 5 0,-2 1 0,-5-3 0,-2 0 0,21-12 0,-11-1 0,-7 4 0,-11-3 0,-10-6 0,-5-16 0,-6-5 0,-10-2 0,0 8 0,-12 16 0,2 10 0,-10 6 0,-4 5 0,-3-2 0,-5 3 0,-4-3 0,-3 1 0,-6-2 0,0 7 0,1 1 0,3 3 0,3 4 0,9 1 0,5 3 0,12 0 0,7 0 0,9 0 0,3 0 0,4 0 0</inkml:trace>
+  <inkml:trace contextRef="#ctx0" brushRef="#br0" timeOffset="14664">12993 5833 24575,'1'11'0,"26"30"0,-4-8 0,4 5 0,1-3 0,4 4 0,0 1-806,6 5 0,1 3 0,1-1 806,-7-9 0,1 1 0,1-1 0,0 0 0,2 2 0,0-1 0,1 0 0,1-1 0,2 1 0,0 0 0,0-1 0,0 0 0,8 8 0,0-2 0,0 0 0,2-3 0,1-2 0,-2 0 0,-6-3 0,-2-2 0,0 0-45,-2-4 1,-1-1 0,2 1 44,4 3 0,0 0 0,0 0 0,-6-4 0,0-1 0,-1 0 0,2 1 0,-1 0 0,0-1 132,0-2 0,-1-1 0,-1 0-132,12 11 0,0 0 0,1-3 0,1-1 0,-2 2 0,-2-1 0,-7-7 0,-2-2 0,-4 0 0,-2-1 1188,18 7-1188,-21-7 183,-18-14 1,-6-3 0,-9-5 0</inkml:trace>
+  <inkml:trace contextRef="#ctx0" brushRef="#br0" timeOffset="15814">14445 7655 24575,'44'0'0,"14"0"0,-21 0 0,2 0 0,-1 0 0,0 0 0,5 0 0,-1 0 0,-8-1 0,0 0 0,2 0 0,-1 0 0,28-2 0,-3 6 0,-13 1 0,-1 0 0,-17 2 0,-2-5 0,-7 2 0,0-3 0,4 0 0,-4 0 0,0 0 0,-6 0 0,-5 0 0,-4-4 0,-3-3 0,-8-11 0,-5-10 0,-8-19 0,-5-15 0,9 25 0,0-2 0,0 2 0,0-1 0,-2 0 0,0 0 0,1 8 0,0 0 0,-12-25 0,7 16 0,8 11 0,5 14 0,3 8 0,2 5 0,0 1 0</inkml:trace>
+  <inkml:trace contextRef="#ctx0" brushRef="#br0" timeOffset="45531">23744 14617 24575,'-33'0'0,"-13"0"0,-12 0 0,17 0 0,-1 0 0,6 0 0,1 0 0,-6-1 0,0 2 0,7 2 0,1 1 0,-29 8 0,11 10 0,3 2 0,13 4 0,-4 2 0,10-1 0,-3 3 0,9-6 0,3-2 0,6-1 0,2 3 0,2 5 0,1 8 0,1-1 0,3 3 0,2-4 0,3 0 0,0-1 0,0 0 0,3-7 0,1 2 0,6-10 0,4 5 0,8 3 0,7 4 0,6 6 0,3 4 0,-1-3 0,-1 0 0,-5-7 0,1-5 0,-2-2 0,4-2 0,-4-1 0,5-4 0,-6-8 0,6-5 0,11-5 0,8-1 0,-16-2 0,0-1 0,-3-1 0,-2 0 0,1-2 0,-2-1 0,16-10 0,-12-4 0,-3-4 0,1-12 0,2 0 0,0-3 0,-2 3 0,-4 3 0,-4-2 0,0-4 0,-4-1 0,-3 0 0,0-4 0,-8 4 0,0-9 0,-7-2 0,-1-7 0,-3 2 0,0 3 0,-1 8 0,-7 11 0,-4 5 0,-8 6 0,-3 2 0,-3 3 0,2 1 0,-2 2 0,5 1 0,-5 2 0,1 2 0,-2 1 0,6 6 0,2 1 0,11 3 0,3 0 0</inkml:trace>
+  <inkml:trace contextRef="#ctx0" brushRef="#br0" timeOffset="54214">12234 4266 24575,'19'0'0,"29"0"0,-13-1 0,4 2 0,15 1 0,7 4 0,-2 2 0,5 2 0,0 1-824,-2 2 1,-1 0-1,4 3 824,-4 2 0,4 2 0,0 1 0,-4 0 0,-10-5 0,-2 0 0,-1 1 0,0 1-27,2 2 0,0 2 1,-1-1-1,-4 0 27,2 0 0,-3-1 0,-3 0 0,12 6 0,-4 0 0,-12-5 0,-2-1 0,18 8 0,-12-4 1812,-7-5-1812,-12-6 191,-10-6 1,-6-3-1,-7-4 1</inkml:trace>
+  <inkml:trace contextRef="#ctx0" brushRef="#br0" timeOffset="55248">7487 4320 8191,'-1'4'0,"0"-2"5063,30-2-5063,13 0 1409,-4 0 0,4 0-1409,2 1 0,2 0 859,1 2 1,2 1-860,3 5 0,0 1 3392,-7-1 0,-1 2-3392,2 3 0,0 2 0,-4-2 0,-2 0 0,-3 1 0,-2 1 0,-1 0 0,-3 1 0,20 11 0,-10-2 0,-11-5 0,-12-9 0,-9-3 0</inkml:trace>
+  <inkml:trace contextRef="#ctx0" brushRef="#br0" timeOffset="57848">6754 15017 24575,'0'28'0,"0"28"0,0-15 0,0 4 0,0 12 0,0 3 0,0-1 0,0-1 0,0-3 0,0-2 0,0-6 0,0-3 0,0-4 0,0-1 0,2-3 0,2-1 0,3-1 0,4 0 0,3 4 0,4-2 0,6-1 0,4-1 0,1 4 0,3-1 0,4-4 0,1-2 0,0 1 0,2-2 0,0-4 0,1-2 0,1-1 0,2-1 0,2-1 0,2-1 0,10 0 0,2-1 0,0-3 0,1-2 0,4 1 0,2-1 0,-21-7 0,0 0 0,1-1-231,1 1 0,0-1 1,2 0 230,5-1 0,2-2 0,1 0 0,5 1 0,1-2 0,0 1-440,1-3 1,1 0 0,0 0 439,-14 0 0,1 0 0,0 0 0,0 0-416,4 0 1,-1 0-1,1 0 1,1 0 415,2-1 0,1 1 0,0-1 0,1-1-435,-8 0 0,0-2 0,1 1 1,0-1-1,1-1 435,2 0 0,0 0 0,1-1 0,0-1 0,0 1 0,1-2 0,-1 0 0,0-1 0,0 1 0,0-1 0,-1 0 0,-1 1 0,0-1 0,-1 0 0,0 1-244,11-2 0,-1 0 1,-1 0-1,0 0 244,-4 1 0,-1 1 0,0-1 0,-1-1 0,1 0 0,0 0 0,-1 0 0,1-1 0,0-1 0,1 0 0,-1 0 0,-1 0 6,-6 1 0,-2 1 0,0-1 0,0 1-6,2-2 0,0 1 0,-1-1 0,0 1 0,7 0 0,-2 0 0,0 1 293,-1-1 0,-1 0 0,0 0-293,-2 1 0,0 0 0,-2 0 0,14-6 0,-2 0 1040,-1 0 0,-1 1-1040,-7 0 0,-1-1 905,-1 0 1,-2 0-906,-6 3 0,-2-1 641,-3-1 0,-2-1-641,0-1 0,-2 0 321,0-2 1,-1 0-322,-4 0 0,-2 1 102,17-13-102,-18 6 0,-12 1 0,-7 0 0,-4-4 0,-3 4 0,-3 1 0,-8 5 0,-13-6 0,-15-5 0,-6-6 0,0 3 0,7 5 0,2 6 0,-7-2 0,-7-4 0,20 10 0,-2 0 0,-6-3 0,-2 0 0,-2-1 0,-3-2 0,3 4 0,-5-2 0,-2 1-436,3 3 0,-2-1 0,-1 1 0,-2-1 436,-8-3 0,-1 0 0,-2 0 0,-2-1-494,7 3 0,-2-1 0,-1 0 0,0 1 0,2-1 494,3 2 0,0 0 0,1 0 0,0 0 0,1 0 0,1 0 0,0 0 0,1 0 0,0 1 0,1 1-403,-9-2 1,0 1-1,1 2 1,-1 0 402,0 0 0,-1 1 0,0 1 0,-1 2 0,-1 2 0,-1 1 0,0 1 0,-1 1 0,10 1 0,0 0 0,-1 0 0,0 1 0,-1 1-430,0-1 0,-1 2 0,-1-1 0,0 1 0,-1 0 430,-5 0 0,-1 1 0,-1 1 0,-1-1 0,2 0 0,1 0 0,1-1 0,-1 1 0,1 0 0,-2 0 0,8 1 0,-2-1 0,0 1 0,1 0 0,0 1 0,3-1 0,-3 0 0,2 0 0,1 1 0,1 0 0,-1 0-9,-1 0 0,0 1 1,1 1-1,0-1 0,3 1 9,-4 0 0,2 1 0,2 0 0,-1 1 252,1 0 0,0 2 0,1 0 1,1 0-253,-15 2 0,1 1 0,3 0 289,7 0 1,2 0 0,0 1-290,-5 0 0,-1 0 0,3 0 0,-7 4 0,2 0 1233,-1 1 0,1 1-1233,14-2 0,3 2 813,2 2 1,2 1-814,1 1 0,0 1 605,1 0 0,0 1-605,1-2 0,1 0 418,4-5 1,2-1-419,-16 8 0,17-12 0,14-4 0,8-6 0</inkml:trace>
+</inkml:ink>
+</file>
+
 <file path=ppt/notesMasters/notesMaster1.xml><?xml version="1.0" encoding="utf-8"?>
 <p:notesMaster xmlns:a="http://schemas.openxmlformats.org/drawingml/2006/main" xmlns:r="http://schemas.openxmlformats.org/officeDocument/2006/relationships" xmlns:p="http://schemas.openxmlformats.org/presentationml/2006/main">
   <p:cSld>
@@ -244,7 +278,7 @@
           <a:p>
             <a:fld id="{1640351A-262A-F74E-9918-6D56AEE96A05}" type="datetimeFigureOut">
               <a:rPr lang="en-US" smtClean="0"/>
-              <a:t>7/14/22</a:t>
+              <a:t>7/17/22</a:t>
             </a:fld>
             <a:endParaRPr lang="en-US"/>
           </a:p>
@@ -2348,7 +2382,7 @@
           <a:p>
             <a:fld id="{8F72BA41-EC5B-4197-BCC8-0FD2E523CD7A}" type="datetimeFigureOut">
               <a:rPr lang="en-US" smtClean="0"/>
-              <a:t>7/14/22</a:t>
+              <a:t>7/17/22</a:t>
             </a:fld>
             <a:endParaRPr lang="en-US"/>
           </a:p>
@@ -2551,7 +2585,7 @@
           <a:p>
             <a:fld id="{8F72BA41-EC5B-4197-BCC8-0FD2E523CD7A}" type="datetimeFigureOut">
               <a:rPr lang="en-US" smtClean="0"/>
-              <a:t>7/14/22</a:t>
+              <a:t>7/17/22</a:t>
             </a:fld>
             <a:endParaRPr lang="en-US"/>
           </a:p>
@@ -4272,7 +4306,7 @@
           <a:p>
             <a:fld id="{8F72BA41-EC5B-4197-BCC8-0FD2E523CD7A}" type="datetimeFigureOut">
               <a:rPr lang="en-US" smtClean="0"/>
-              <a:t>7/14/22</a:t>
+              <a:t>7/17/22</a:t>
             </a:fld>
             <a:endParaRPr lang="en-US"/>
           </a:p>
@@ -4471,7 +4505,7 @@
           <a:p>
             <a:fld id="{8F72BA41-EC5B-4197-BCC8-0FD2E523CD7A}" type="datetimeFigureOut">
               <a:rPr lang="en-US" smtClean="0"/>
-              <a:t>7/14/22</a:t>
+              <a:t>7/17/22</a:t>
             </a:fld>
             <a:endParaRPr lang="en-US"/>
           </a:p>
@@ -6261,7 +6295,7 @@
           <a:p>
             <a:fld id="{8F72BA41-EC5B-4197-BCC8-0FD2E523CD7A}" type="datetimeFigureOut">
               <a:rPr lang="en-US" smtClean="0"/>
-              <a:t>7/14/22</a:t>
+              <a:t>7/17/22</a:t>
             </a:fld>
             <a:endParaRPr lang="en-US"/>
           </a:p>
@@ -6534,7 +6568,7 @@
           <a:p>
             <a:fld id="{8F72BA41-EC5B-4197-BCC8-0FD2E523CD7A}" type="datetimeFigureOut">
               <a:rPr lang="en-US" smtClean="0"/>
-              <a:t>7/14/22</a:t>
+              <a:t>7/17/22</a:t>
             </a:fld>
             <a:endParaRPr lang="en-US"/>
           </a:p>
@@ -6954,7 +6988,7 @@
           <a:p>
             <a:fld id="{8F72BA41-EC5B-4197-BCC8-0FD2E523CD7A}" type="datetimeFigureOut">
               <a:rPr lang="en-US" smtClean="0"/>
-              <a:t>7/14/22</a:t>
+              <a:t>7/17/22</a:t>
             </a:fld>
             <a:endParaRPr lang="en-US"/>
           </a:p>
@@ -7110,7 +7144,7 @@
           <a:p>
             <a:fld id="{8F72BA41-EC5B-4197-BCC8-0FD2E523CD7A}" type="datetimeFigureOut">
               <a:rPr lang="en-US" smtClean="0"/>
-              <a:t>7/14/22</a:t>
+              <a:t>7/17/22</a:t>
             </a:fld>
             <a:endParaRPr lang="en-US"/>
           </a:p>
@@ -8678,7 +8712,7 @@
           <a:p>
             <a:fld id="{8F72BA41-EC5B-4197-BCC8-0FD2E523CD7A}" type="datetimeFigureOut">
               <a:rPr lang="en-US" smtClean="0"/>
-              <a:t>7/14/22</a:t>
+              <a:t>7/17/22</a:t>
             </a:fld>
             <a:endParaRPr lang="en-US"/>
           </a:p>
@@ -10529,7 +10563,7 @@
           <a:p>
             <a:fld id="{8F72BA41-EC5B-4197-BCC8-0FD2E523CD7A}" type="datetimeFigureOut">
               <a:rPr lang="en-US" smtClean="0"/>
-              <a:t>7/14/22</a:t>
+              <a:t>7/17/22</a:t>
             </a:fld>
             <a:endParaRPr lang="en-US"/>
           </a:p>
@@ -12342,7 +12376,7 @@
           <a:p>
             <a:fld id="{8F72BA41-EC5B-4197-BCC8-0FD2E523CD7A}" type="datetimeFigureOut">
               <a:rPr lang="en-US" smtClean="0"/>
-              <a:t>7/14/22</a:t>
+              <a:t>7/17/22</a:t>
             </a:fld>
             <a:endParaRPr lang="en-US"/>
           </a:p>
@@ -14036,7 +14070,7 @@
             <a:fld id="{8F72BA41-EC5B-4197-BCC8-0FD2E523CD7A}" type="datetimeFigureOut">
               <a:rPr lang="en-US" smtClean="0"/>
               <a:pPr/>
-              <a:t>7/14/22</a:t>
+              <a:t>7/17/22</a:t>
             </a:fld>
             <a:endParaRPr lang="en-US" dirty="0"/>
           </a:p>
@@ -20096,6 +20130,57 @@
           </a:prstGeom>
         </p:spPr>
       </p:pic>
+      <mc:AlternateContent xmlns:mc="http://schemas.openxmlformats.org/markup-compatibility/2006">
+        <mc:Choice xmlns:p14="http://schemas.microsoft.com/office/powerpoint/2010/main" Requires="p14">
+          <p:contentPart p14:bwMode="auto" r:id="rId4">
+            <p14:nvContentPartPr>
+              <p14:cNvPr id="2" name="Ink 1">
+                <a:extLst>
+                  <a:ext uri="{FF2B5EF4-FFF2-40B4-BE49-F238E27FC236}">
+                    <a16:creationId xmlns:a16="http://schemas.microsoft.com/office/drawing/2014/main" id="{37CB20B6-C1C5-0143-B9FE-22CAAC3B5829}"/>
+                  </a:ext>
+                </a:extLst>
+              </p14:cNvPr>
+              <p14:cNvContentPartPr/>
+              <p14:nvPr/>
+            </p14:nvContentPartPr>
+            <p14:xfrm>
+              <a:off x="2361600" y="1535400"/>
+              <a:ext cx="6467400" cy="4395960"/>
+            </p14:xfrm>
+          </p:contentPart>
+        </mc:Choice>
+        <mc:Fallback>
+          <p:pic>
+            <p:nvPicPr>
+              <p:cNvPr id="2" name="Ink 1">
+                <a:extLst>
+                  <a:ext uri="{FF2B5EF4-FFF2-40B4-BE49-F238E27FC236}">
+                    <a16:creationId xmlns:a16="http://schemas.microsoft.com/office/drawing/2014/main" id="{37CB20B6-C1C5-0143-B9FE-22CAAC3B5829}"/>
+                  </a:ext>
+                </a:extLst>
+              </p:cNvPr>
+              <p:cNvPicPr/>
+              <p:nvPr/>
+            </p:nvPicPr>
+            <p:blipFill>
+              <a:blip r:embed="rId5"/>
+              <a:stretch>
+                <a:fillRect/>
+              </a:stretch>
+            </p:blipFill>
+            <p:spPr>
+              <a:xfrm>
+                <a:off x="2352240" y="1526040"/>
+                <a:ext cx="6486120" cy="4414680"/>
+              </a:xfrm>
+              <a:prstGeom prst="rect">
+                <a:avLst/>
+              </a:prstGeom>
+            </p:spPr>
+          </p:pic>
+        </mc:Fallback>
+      </mc:AlternateContent>
     </p:spTree>
     <p:extLst>
       <p:ext uri="{BB962C8B-B14F-4D97-AF65-F5344CB8AC3E}">
@@ -21129,7 +21214,7 @@
           <a:p>
             <a:r>
               <a:rPr lang="en-US" sz="2400" dirty="0" err="1"/>
-              <a:t>UnderGrade</a:t>
+              <a:t>UnderGrad</a:t>
             </a:r>
             <a:r>
               <a:rPr lang="en-US" sz="2400" dirty="0"/>
@@ -21448,7 +21533,7 @@
             </a:r>
             <a:r>
               <a:rPr lang="en-US" sz="2800" dirty="0" err="1"/>
-              <a:t>GradeStudent</a:t>
+              <a:t>GradStudent</a:t>
             </a:r>
             <a:r>
               <a:rPr lang="en-US" sz="2800" dirty="0"/>
